--- a/Entwurf/Diagramme/Präsentation/Entwurfspraesentation.pptx
+++ b/Entwurf/Diagramme/Präsentation/Entwurfspraesentation.pptx
@@ -5,24 +5,26 @@
     <p:sldMasterId id="2147483648" r:id="rId1"/>
   </p:sldMasterIdLst>
   <p:notesMasterIdLst>
-    <p:notesMasterId r:id="rId17"/>
+    <p:notesMasterId r:id="rId19"/>
   </p:notesMasterIdLst>
   <p:sldIdLst>
     <p:sldId id="256" r:id="rId2"/>
     <p:sldId id="257" r:id="rId3"/>
     <p:sldId id="259" r:id="rId4"/>
-    <p:sldId id="261" r:id="rId5"/>
-    <p:sldId id="262" r:id="rId6"/>
-    <p:sldId id="263" r:id="rId7"/>
-    <p:sldId id="264" r:id="rId8"/>
-    <p:sldId id="267" r:id="rId9"/>
-    <p:sldId id="266" r:id="rId10"/>
-    <p:sldId id="265" r:id="rId11"/>
-    <p:sldId id="268" r:id="rId12"/>
-    <p:sldId id="269" r:id="rId13"/>
-    <p:sldId id="270" r:id="rId14"/>
-    <p:sldId id="271" r:id="rId15"/>
-    <p:sldId id="272" r:id="rId16"/>
+    <p:sldId id="262" r:id="rId5"/>
+    <p:sldId id="265" r:id="rId6"/>
+    <p:sldId id="270" r:id="rId7"/>
+    <p:sldId id="263" r:id="rId8"/>
+    <p:sldId id="264" r:id="rId9"/>
+    <p:sldId id="273" r:id="rId10"/>
+    <p:sldId id="274" r:id="rId11"/>
+    <p:sldId id="275" r:id="rId12"/>
+    <p:sldId id="268" r:id="rId13"/>
+    <p:sldId id="269" r:id="rId14"/>
+    <p:sldId id="267" r:id="rId15"/>
+    <p:sldId id="266" r:id="rId16"/>
+    <p:sldId id="271" r:id="rId17"/>
+    <p:sldId id="272" r:id="rId18"/>
   </p:sldIdLst>
   <p:sldSz cx="12192000" cy="6858000"/>
   <p:notesSz cx="6858000" cy="9144000"/>
@@ -121,6 +123,11 @@
       </a:defRPr>
     </a:lvl9pPr>
   </p:defaultTextStyle>
+  <p:extLst>
+    <p:ext uri="{EFAFB233-063F-42B5-8137-9DF3F51BA10A}">
+      <p15:sldGuideLst xmlns:p15="http://schemas.microsoft.com/office/powerpoint/2012/main"/>
+    </p:ext>
+  </p:extLst>
 </p:presentation>
 </file>
 
@@ -364,7 +371,7 @@
           <a:p>
             <a:fld id="{740C882C-46F5-4F93-A2CF-D0568E70BD75}" type="slidenum">
               <a:rPr lang="zh-CN" altLang="en-US" smtClean="0"/>
-              <a:t>‹#›</a:t>
+              <a:t>‹Nr.›</a:t>
             </a:fld>
             <a:endParaRPr lang="zh-CN" altLang="en-US"/>
           </a:p>
@@ -622,7 +629,7 @@
           <a:p>
             <a:fld id="{740C882C-46F5-4F93-A2CF-D0568E70BD75}" type="slidenum">
               <a:rPr lang="zh-CN" altLang="en-US" smtClean="0"/>
-              <a:t>5</a:t>
+              <a:t>4</a:t>
             </a:fld>
             <a:endParaRPr lang="zh-CN" altLang="en-US"/>
           </a:p>
@@ -632,6 +639,258 @@
     <p:extLst>
       <p:ext uri="{BB962C8B-B14F-4D97-AF65-F5344CB8AC3E}">
         <p14:creationId xmlns:p14="http://schemas.microsoft.com/office/powerpoint/2010/main" val="2339902687"/>
+      </p:ext>
+    </p:extLst>
+  </p:cSld>
+  <p:clrMapOvr>
+    <a:masterClrMapping/>
+  </p:clrMapOvr>
+</p:notes>
+</file>
+
+<file path=ppt/notesSlides/notesSlide3.xml><?xml version="1.0" encoding="utf-8"?>
+<p:notes xmlns:a="http://schemas.openxmlformats.org/drawingml/2006/main" xmlns:r="http://schemas.openxmlformats.org/officeDocument/2006/relationships" xmlns:p="http://schemas.openxmlformats.org/presentationml/2006/main">
+  <p:cSld>
+    <p:spTree>
+      <p:nvGrpSpPr>
+        <p:cNvPr id="1" name=""/>
+        <p:cNvGrpSpPr/>
+        <p:nvPr/>
+      </p:nvGrpSpPr>
+      <p:grpSpPr>
+        <a:xfrm>
+          <a:off x="0" y="0"/>
+          <a:ext cx="0" cy="0"/>
+          <a:chOff x="0" y="0"/>
+          <a:chExt cx="0" cy="0"/>
+        </a:xfrm>
+      </p:grpSpPr>
+      <p:sp>
+        <p:nvSpPr>
+          <p:cNvPr id="2" name="Folienbildplatzhalter 1"/>
+          <p:cNvSpPr>
+            <a:spLocks noGrp="1" noRot="1" noChangeAspect="1"/>
+          </p:cNvSpPr>
+          <p:nvPr>
+            <p:ph type="sldImg"/>
+          </p:nvPr>
+        </p:nvSpPr>
+        <p:spPr/>
+      </p:sp>
+      <p:sp>
+        <p:nvSpPr>
+          <p:cNvPr id="3" name="Notizenplatzhalter 2"/>
+          <p:cNvSpPr>
+            <a:spLocks noGrp="1"/>
+          </p:cNvSpPr>
+          <p:nvPr>
+            <p:ph type="body" idx="1"/>
+          </p:nvPr>
+        </p:nvSpPr>
+        <p:spPr/>
+        <p:txBody>
+          <a:bodyPr/>
+          <a:lstStyle/>
+          <a:p>
+            <a:endParaRPr lang="de-DE" dirty="0"/>
+          </a:p>
+        </p:txBody>
+      </p:sp>
+      <p:sp>
+        <p:nvSpPr>
+          <p:cNvPr id="4" name="Foliennummernplatzhalter 3"/>
+          <p:cNvSpPr>
+            <a:spLocks noGrp="1"/>
+          </p:cNvSpPr>
+          <p:nvPr>
+            <p:ph type="sldNum" sz="quarter" idx="5"/>
+          </p:nvPr>
+        </p:nvSpPr>
+        <p:spPr/>
+        <p:txBody>
+          <a:bodyPr/>
+          <a:lstStyle/>
+          <a:p>
+            <a:fld id="{740C882C-46F5-4F93-A2CF-D0568E70BD75}" type="slidenum">
+              <a:rPr lang="zh-CN" altLang="en-US" smtClean="0"/>
+              <a:t>8</a:t>
+            </a:fld>
+            <a:endParaRPr lang="zh-CN" altLang="en-US"/>
+          </a:p>
+        </p:txBody>
+      </p:sp>
+    </p:spTree>
+    <p:extLst>
+      <p:ext uri="{BB962C8B-B14F-4D97-AF65-F5344CB8AC3E}">
+        <p14:creationId xmlns:p14="http://schemas.microsoft.com/office/powerpoint/2010/main" val="754338428"/>
+      </p:ext>
+    </p:extLst>
+  </p:cSld>
+  <p:clrMapOvr>
+    <a:masterClrMapping/>
+  </p:clrMapOvr>
+</p:notes>
+</file>
+
+<file path=ppt/notesSlides/notesSlide4.xml><?xml version="1.0" encoding="utf-8"?>
+<p:notes xmlns:a="http://schemas.openxmlformats.org/drawingml/2006/main" xmlns:r="http://schemas.openxmlformats.org/officeDocument/2006/relationships" xmlns:p="http://schemas.openxmlformats.org/presentationml/2006/main">
+  <p:cSld>
+    <p:spTree>
+      <p:nvGrpSpPr>
+        <p:cNvPr id="1" name=""/>
+        <p:cNvGrpSpPr/>
+        <p:nvPr/>
+      </p:nvGrpSpPr>
+      <p:grpSpPr>
+        <a:xfrm>
+          <a:off x="0" y="0"/>
+          <a:ext cx="0" cy="0"/>
+          <a:chOff x="0" y="0"/>
+          <a:chExt cx="0" cy="0"/>
+        </a:xfrm>
+      </p:grpSpPr>
+      <p:sp>
+        <p:nvSpPr>
+          <p:cNvPr id="2" name="Folienbildplatzhalter 1"/>
+          <p:cNvSpPr>
+            <a:spLocks noGrp="1" noRot="1" noChangeAspect="1"/>
+          </p:cNvSpPr>
+          <p:nvPr>
+            <p:ph type="sldImg"/>
+          </p:nvPr>
+        </p:nvSpPr>
+        <p:spPr/>
+      </p:sp>
+      <p:sp>
+        <p:nvSpPr>
+          <p:cNvPr id="3" name="Notizenplatzhalter 2"/>
+          <p:cNvSpPr>
+            <a:spLocks noGrp="1"/>
+          </p:cNvSpPr>
+          <p:nvPr>
+            <p:ph type="body" idx="1"/>
+          </p:nvPr>
+        </p:nvSpPr>
+        <p:spPr/>
+        <p:txBody>
+          <a:bodyPr/>
+          <a:lstStyle/>
+          <a:p>
+            <a:endParaRPr lang="de-DE" dirty="0"/>
+          </a:p>
+        </p:txBody>
+      </p:sp>
+      <p:sp>
+        <p:nvSpPr>
+          <p:cNvPr id="4" name="Foliennummernplatzhalter 3"/>
+          <p:cNvSpPr>
+            <a:spLocks noGrp="1"/>
+          </p:cNvSpPr>
+          <p:nvPr>
+            <p:ph type="sldNum" sz="quarter" idx="5"/>
+          </p:nvPr>
+        </p:nvSpPr>
+        <p:spPr/>
+        <p:txBody>
+          <a:bodyPr/>
+          <a:lstStyle/>
+          <a:p>
+            <a:fld id="{740C882C-46F5-4F93-A2CF-D0568E70BD75}" type="slidenum">
+              <a:rPr lang="zh-CN" altLang="en-US" smtClean="0"/>
+              <a:t>9</a:t>
+            </a:fld>
+            <a:endParaRPr lang="zh-CN" altLang="en-US"/>
+          </a:p>
+        </p:txBody>
+      </p:sp>
+    </p:spTree>
+    <p:extLst>
+      <p:ext uri="{BB962C8B-B14F-4D97-AF65-F5344CB8AC3E}">
+        <p14:creationId xmlns:p14="http://schemas.microsoft.com/office/powerpoint/2010/main" val="663118664"/>
+      </p:ext>
+    </p:extLst>
+  </p:cSld>
+  <p:clrMapOvr>
+    <a:masterClrMapping/>
+  </p:clrMapOvr>
+</p:notes>
+</file>
+
+<file path=ppt/notesSlides/notesSlide5.xml><?xml version="1.0" encoding="utf-8"?>
+<p:notes xmlns:a="http://schemas.openxmlformats.org/drawingml/2006/main" xmlns:r="http://schemas.openxmlformats.org/officeDocument/2006/relationships" xmlns:p="http://schemas.openxmlformats.org/presentationml/2006/main">
+  <p:cSld>
+    <p:spTree>
+      <p:nvGrpSpPr>
+        <p:cNvPr id="1" name=""/>
+        <p:cNvGrpSpPr/>
+        <p:nvPr/>
+      </p:nvGrpSpPr>
+      <p:grpSpPr>
+        <a:xfrm>
+          <a:off x="0" y="0"/>
+          <a:ext cx="0" cy="0"/>
+          <a:chOff x="0" y="0"/>
+          <a:chExt cx="0" cy="0"/>
+        </a:xfrm>
+      </p:grpSpPr>
+      <p:sp>
+        <p:nvSpPr>
+          <p:cNvPr id="2" name="Folienbildplatzhalter 1"/>
+          <p:cNvSpPr>
+            <a:spLocks noGrp="1" noRot="1" noChangeAspect="1"/>
+          </p:cNvSpPr>
+          <p:nvPr>
+            <p:ph type="sldImg"/>
+          </p:nvPr>
+        </p:nvSpPr>
+        <p:spPr/>
+      </p:sp>
+      <p:sp>
+        <p:nvSpPr>
+          <p:cNvPr id="3" name="Notizenplatzhalter 2"/>
+          <p:cNvSpPr>
+            <a:spLocks noGrp="1"/>
+          </p:cNvSpPr>
+          <p:nvPr>
+            <p:ph type="body" idx="1"/>
+          </p:nvPr>
+        </p:nvSpPr>
+        <p:spPr/>
+        <p:txBody>
+          <a:bodyPr/>
+          <a:lstStyle/>
+          <a:p>
+            <a:endParaRPr lang="de-DE" dirty="0"/>
+          </a:p>
+        </p:txBody>
+      </p:sp>
+      <p:sp>
+        <p:nvSpPr>
+          <p:cNvPr id="4" name="Foliennummernplatzhalter 3"/>
+          <p:cNvSpPr>
+            <a:spLocks noGrp="1"/>
+          </p:cNvSpPr>
+          <p:nvPr>
+            <p:ph type="sldNum" sz="quarter" idx="5"/>
+          </p:nvPr>
+        </p:nvSpPr>
+        <p:spPr/>
+        <p:txBody>
+          <a:bodyPr/>
+          <a:lstStyle/>
+          <a:p>
+            <a:fld id="{740C882C-46F5-4F93-A2CF-D0568E70BD75}" type="slidenum">
+              <a:rPr lang="zh-CN" altLang="en-US" smtClean="0"/>
+              <a:t>15</a:t>
+            </a:fld>
+            <a:endParaRPr lang="zh-CN" altLang="en-US"/>
+          </a:p>
+        </p:txBody>
+      </p:sp>
+    </p:spTree>
+    <p:extLst>
+      <p:ext uri="{BB962C8B-B14F-4D97-AF65-F5344CB8AC3E}">
+        <p14:creationId xmlns:p14="http://schemas.microsoft.com/office/powerpoint/2010/main" val="4140479863"/>
       </p:ext>
     </p:extLst>
   </p:cSld>
@@ -788,7 +1047,7 @@
           <a:p>
             <a:fld id="{8AD14DAC-53A7-4914-ADD0-47C5E39153E6}" type="datetimeFigureOut">
               <a:rPr lang="zh-CN" altLang="en-US" smtClean="0"/>
-              <a:t>2018/12/20</a:t>
+              <a:t>2018/12/21</a:t>
             </a:fld>
             <a:endParaRPr lang="zh-CN" altLang="en-US"/>
           </a:p>
@@ -842,7 +1101,7 @@
           <a:p>
             <a:fld id="{C079D410-A0B0-4E3D-9DC2-F68621ADD023}" type="slidenum">
               <a:rPr lang="zh-CN" altLang="en-US" smtClean="0"/>
-              <a:t>‹#›</a:t>
+              <a:t>‹Nr.›</a:t>
             </a:fld>
             <a:endParaRPr lang="zh-CN" altLang="en-US"/>
           </a:p>
@@ -986,7 +1245,7 @@
           <a:p>
             <a:fld id="{8AD14DAC-53A7-4914-ADD0-47C5E39153E6}" type="datetimeFigureOut">
               <a:rPr lang="zh-CN" altLang="en-US" smtClean="0"/>
-              <a:t>2018/12/20</a:t>
+              <a:t>2018/12/21</a:t>
             </a:fld>
             <a:endParaRPr lang="zh-CN" altLang="en-US"/>
           </a:p>
@@ -1040,7 +1299,7 @@
           <a:p>
             <a:fld id="{C079D410-A0B0-4E3D-9DC2-F68621ADD023}" type="slidenum">
               <a:rPr lang="zh-CN" altLang="en-US" smtClean="0"/>
-              <a:t>‹#›</a:t>
+              <a:t>‹Nr.›</a:t>
             </a:fld>
             <a:endParaRPr lang="zh-CN" altLang="en-US"/>
           </a:p>
@@ -1194,7 +1453,7 @@
           <a:p>
             <a:fld id="{8AD14DAC-53A7-4914-ADD0-47C5E39153E6}" type="datetimeFigureOut">
               <a:rPr lang="zh-CN" altLang="en-US" smtClean="0"/>
-              <a:t>2018/12/20</a:t>
+              <a:t>2018/12/21</a:t>
             </a:fld>
             <a:endParaRPr lang="zh-CN" altLang="en-US"/>
           </a:p>
@@ -1248,7 +1507,7 @@
           <a:p>
             <a:fld id="{C079D410-A0B0-4E3D-9DC2-F68621ADD023}" type="slidenum">
               <a:rPr lang="zh-CN" altLang="en-US" smtClean="0"/>
-              <a:t>‹#›</a:t>
+              <a:t>‹Nr.›</a:t>
             </a:fld>
             <a:endParaRPr lang="zh-CN" altLang="en-US"/>
           </a:p>
@@ -1392,7 +1651,7 @@
           <a:p>
             <a:fld id="{8AD14DAC-53A7-4914-ADD0-47C5E39153E6}" type="datetimeFigureOut">
               <a:rPr lang="zh-CN" altLang="en-US" smtClean="0"/>
-              <a:t>2018/12/20</a:t>
+              <a:t>2018/12/21</a:t>
             </a:fld>
             <a:endParaRPr lang="zh-CN" altLang="en-US"/>
           </a:p>
@@ -1446,7 +1705,7 @@
           <a:p>
             <a:fld id="{C079D410-A0B0-4E3D-9DC2-F68621ADD023}" type="slidenum">
               <a:rPr lang="zh-CN" altLang="en-US" smtClean="0"/>
-              <a:t>‹#›</a:t>
+              <a:t>‹Nr.›</a:t>
             </a:fld>
             <a:endParaRPr lang="zh-CN" altLang="en-US"/>
           </a:p>
@@ -1667,7 +1926,7 @@
           <a:p>
             <a:fld id="{8AD14DAC-53A7-4914-ADD0-47C5E39153E6}" type="datetimeFigureOut">
               <a:rPr lang="zh-CN" altLang="en-US" smtClean="0"/>
-              <a:t>2018/12/20</a:t>
+              <a:t>2018/12/21</a:t>
             </a:fld>
             <a:endParaRPr lang="zh-CN" altLang="en-US"/>
           </a:p>
@@ -1721,7 +1980,7 @@
           <a:p>
             <a:fld id="{C079D410-A0B0-4E3D-9DC2-F68621ADD023}" type="slidenum">
               <a:rPr lang="zh-CN" altLang="en-US" smtClean="0"/>
-              <a:t>‹#›</a:t>
+              <a:t>‹Nr.›</a:t>
             </a:fld>
             <a:endParaRPr lang="zh-CN" altLang="en-US"/>
           </a:p>
@@ -1932,7 +2191,7 @@
           <a:p>
             <a:fld id="{8AD14DAC-53A7-4914-ADD0-47C5E39153E6}" type="datetimeFigureOut">
               <a:rPr lang="zh-CN" altLang="en-US" smtClean="0"/>
-              <a:t>2018/12/20</a:t>
+              <a:t>2018/12/21</a:t>
             </a:fld>
             <a:endParaRPr lang="zh-CN" altLang="en-US"/>
           </a:p>
@@ -1986,7 +2245,7 @@
           <a:p>
             <a:fld id="{C079D410-A0B0-4E3D-9DC2-F68621ADD023}" type="slidenum">
               <a:rPr lang="zh-CN" altLang="en-US" smtClean="0"/>
-              <a:t>‹#›</a:t>
+              <a:t>‹Nr.›</a:t>
             </a:fld>
             <a:endParaRPr lang="zh-CN" altLang="en-US"/>
           </a:p>
@@ -2344,7 +2603,7 @@
           <a:p>
             <a:fld id="{8AD14DAC-53A7-4914-ADD0-47C5E39153E6}" type="datetimeFigureOut">
               <a:rPr lang="zh-CN" altLang="en-US" smtClean="0"/>
-              <a:t>2018/12/20</a:t>
+              <a:t>2018/12/21</a:t>
             </a:fld>
             <a:endParaRPr lang="zh-CN" altLang="en-US"/>
           </a:p>
@@ -2398,7 +2657,7 @@
           <a:p>
             <a:fld id="{C079D410-A0B0-4E3D-9DC2-F68621ADD023}" type="slidenum">
               <a:rPr lang="zh-CN" altLang="en-US" smtClean="0"/>
-              <a:t>‹#›</a:t>
+              <a:t>‹Nr.›</a:t>
             </a:fld>
             <a:endParaRPr lang="zh-CN" altLang="en-US"/>
           </a:p>
@@ -2485,7 +2744,7 @@
           <a:p>
             <a:fld id="{8AD14DAC-53A7-4914-ADD0-47C5E39153E6}" type="datetimeFigureOut">
               <a:rPr lang="zh-CN" altLang="en-US" smtClean="0"/>
-              <a:t>2018/12/20</a:t>
+              <a:t>2018/12/21</a:t>
             </a:fld>
             <a:endParaRPr lang="zh-CN" altLang="en-US"/>
           </a:p>
@@ -2539,7 +2798,7 @@
           <a:p>
             <a:fld id="{C079D410-A0B0-4E3D-9DC2-F68621ADD023}" type="slidenum">
               <a:rPr lang="zh-CN" altLang="en-US" smtClean="0"/>
-              <a:t>‹#›</a:t>
+              <a:t>‹Nr.›</a:t>
             </a:fld>
             <a:endParaRPr lang="zh-CN" altLang="en-US"/>
           </a:p>
@@ -2598,7 +2857,7 @@
           <a:p>
             <a:fld id="{8AD14DAC-53A7-4914-ADD0-47C5E39153E6}" type="datetimeFigureOut">
               <a:rPr lang="zh-CN" altLang="en-US" smtClean="0"/>
-              <a:t>2018/12/20</a:t>
+              <a:t>2018/12/21</a:t>
             </a:fld>
             <a:endParaRPr lang="zh-CN" altLang="en-US"/>
           </a:p>
@@ -2652,7 +2911,7 @@
           <a:p>
             <a:fld id="{C079D410-A0B0-4E3D-9DC2-F68621ADD023}" type="slidenum">
               <a:rPr lang="zh-CN" altLang="en-US" smtClean="0"/>
-              <a:t>‹#›</a:t>
+              <a:t>‹Nr.›</a:t>
             </a:fld>
             <a:endParaRPr lang="zh-CN" altLang="en-US"/>
           </a:p>
@@ -2909,7 +3168,7 @@
           <a:p>
             <a:fld id="{8AD14DAC-53A7-4914-ADD0-47C5E39153E6}" type="datetimeFigureOut">
               <a:rPr lang="zh-CN" altLang="en-US" smtClean="0"/>
-              <a:t>2018/12/20</a:t>
+              <a:t>2018/12/21</a:t>
             </a:fld>
             <a:endParaRPr lang="zh-CN" altLang="en-US"/>
           </a:p>
@@ -2963,7 +3222,7 @@
           <a:p>
             <a:fld id="{C079D410-A0B0-4E3D-9DC2-F68621ADD023}" type="slidenum">
               <a:rPr lang="zh-CN" altLang="en-US" smtClean="0"/>
-              <a:t>‹#›</a:t>
+              <a:t>‹Nr.›</a:t>
             </a:fld>
             <a:endParaRPr lang="zh-CN" altLang="en-US"/>
           </a:p>
@@ -3197,7 +3456,7 @@
           <a:p>
             <a:fld id="{8AD14DAC-53A7-4914-ADD0-47C5E39153E6}" type="datetimeFigureOut">
               <a:rPr lang="zh-CN" altLang="en-US" smtClean="0"/>
-              <a:t>2018/12/20</a:t>
+              <a:t>2018/12/21</a:t>
             </a:fld>
             <a:endParaRPr lang="zh-CN" altLang="en-US"/>
           </a:p>
@@ -3251,7 +3510,7 @@
           <a:p>
             <a:fld id="{C079D410-A0B0-4E3D-9DC2-F68621ADD023}" type="slidenum">
               <a:rPr lang="zh-CN" altLang="en-US" smtClean="0"/>
-              <a:t>‹#›</a:t>
+              <a:t>‹Nr.›</a:t>
             </a:fld>
             <a:endParaRPr lang="zh-CN" altLang="en-US"/>
           </a:p>
@@ -3474,7 +3733,7 @@
           <a:p>
             <a:fld id="{8AD14DAC-53A7-4914-ADD0-47C5E39153E6}" type="datetimeFigureOut">
               <a:rPr lang="zh-CN" altLang="en-US" smtClean="0"/>
-              <a:t>2018/12/20</a:t>
+              <a:t>2018/12/21</a:t>
             </a:fld>
             <a:endParaRPr lang="zh-CN" altLang="en-US"/>
           </a:p>
@@ -3564,7 +3823,7 @@
           <a:p>
             <a:fld id="{C079D410-A0B0-4E3D-9DC2-F68621ADD023}" type="slidenum">
               <a:rPr lang="zh-CN" altLang="en-US" smtClean="0"/>
-              <a:t>‹#›</a:t>
+              <a:t>‹Nr.›</a:t>
             </a:fld>
             <a:endParaRPr lang="zh-CN" altLang="en-US"/>
           </a:p>
@@ -4042,10 +4301,10 @@
       </p:grpSpPr>
       <p:sp>
         <p:nvSpPr>
-          <p:cNvPr id="2" name="标题 1">
-            <a:extLst>
-              <a:ext uri="{FF2B5EF4-FFF2-40B4-BE49-F238E27FC236}">
-                <a16:creationId xmlns:a16="http://schemas.microsoft.com/office/drawing/2014/main" id="{D47433EC-3312-4830-A70C-99B964837185}"/>
+          <p:cNvPr id="2" name="Titel 1">
+            <a:extLst>
+              <a:ext uri="{FF2B5EF4-FFF2-40B4-BE49-F238E27FC236}">
+                <a16:creationId xmlns:a16="http://schemas.microsoft.com/office/drawing/2014/main" id="{AC3922F8-2EFA-4087-B21E-539E209AA01E}"/>
               </a:ext>
             </a:extLst>
           </p:cNvPr>
@@ -4056,1317 +4315,105 @@
             <p:ph type="title"/>
           </p:nvPr>
         </p:nvSpPr>
+        <p:spPr/>
+        <p:txBody>
+          <a:bodyPr/>
+          <a:lstStyle/>
+          <a:p>
+            <a:r>
+              <a:rPr lang="de-DE" dirty="0"/>
+              <a:t>Algorithmen</a:t>
+            </a:r>
+          </a:p>
+        </p:txBody>
+      </p:sp>
+      <p:pic>
+        <p:nvPicPr>
+          <p:cNvPr id="5" name="Inhaltsplatzhalter 4">
+            <a:extLst>
+              <a:ext uri="{FF2B5EF4-FFF2-40B4-BE49-F238E27FC236}">
+                <a16:creationId xmlns:a16="http://schemas.microsoft.com/office/drawing/2014/main" id="{BD029993-704E-4058-8E30-8885A02BAD72}"/>
+              </a:ext>
+            </a:extLst>
+          </p:cNvPr>
+          <p:cNvPicPr>
+            <a:picLocks noGrp="1" noChangeAspect="1"/>
+          </p:cNvPicPr>
+          <p:nvPr>
+            <p:ph idx="1"/>
+          </p:nvPr>
+        </p:nvPicPr>
+        <p:blipFill>
+          <a:blip r:embed="rId2">
+            <a:extLst>
+              <a:ext uri="{28A0092B-C50C-407E-A947-70E740481C1C}">
+                <a14:useLocalDpi xmlns:a14="http://schemas.microsoft.com/office/drawing/2010/main" val="0"/>
+              </a:ext>
+              <a:ext uri="{96DAC541-7B7A-43D3-8B79-37D633B846F1}">
+                <asvg:svgBlip xmlns:asvg="http://schemas.microsoft.com/office/drawing/2016/SVG/main" r:embed="rId3"/>
+              </a:ext>
+            </a:extLst>
+          </a:blip>
+          <a:stretch>
+            <a:fillRect/>
+          </a:stretch>
+        </p:blipFill>
         <p:spPr>
           <a:xfrm>
-            <a:off x="838200" y="365125"/>
-            <a:ext cx="10515600" cy="1325563"/>
+            <a:off x="838200" y="1300931"/>
+            <a:ext cx="10515600" cy="2765867"/>
           </a:xfrm>
         </p:spPr>
-        <p:txBody>
-          <a:bodyPr/>
-          <a:lstStyle/>
-          <a:p>
-            <a:r>
-              <a:rPr lang="en-US" altLang="zh-CN" b="1" dirty="0" err="1"/>
-              <a:t>Beobachter</a:t>
-            </a:r>
-            <a:endParaRPr lang="zh-CN" altLang="en-US" b="1" dirty="0"/>
-          </a:p>
-        </p:txBody>
-      </p:sp>
-      <p:sp>
-        <p:nvSpPr>
-          <p:cNvPr id="4" name="Rechteck 5">
-            <a:extLst>
-              <a:ext uri="{FF2B5EF4-FFF2-40B4-BE49-F238E27FC236}">
-                <a16:creationId xmlns:a16="http://schemas.microsoft.com/office/drawing/2014/main" id="{50000A76-FBA3-403A-A9BC-D55372190837}"/>
-              </a:ext>
-            </a:extLst>
-          </p:cNvPr>
-          <p:cNvSpPr/>
+      </p:pic>
+      <p:pic>
+        <p:nvPicPr>
+          <p:cNvPr id="7" name="Grafik 6">
+            <a:extLst>
+              <a:ext uri="{FF2B5EF4-FFF2-40B4-BE49-F238E27FC236}">
+                <a16:creationId xmlns:a16="http://schemas.microsoft.com/office/drawing/2014/main" id="{BEA102C0-CFB0-4EC5-80DF-6F32B8F23D3B}"/>
+              </a:ext>
+            </a:extLst>
+          </p:cNvPr>
+          <p:cNvPicPr>
+            <a:picLocks noChangeAspect="1"/>
+          </p:cNvPicPr>
           <p:nvPr/>
-        </p:nvSpPr>
+        </p:nvPicPr>
+        <p:blipFill>
+          <a:blip r:embed="rId4">
+            <a:extLst>
+              <a:ext uri="{28A0092B-C50C-407E-A947-70E740481C1C}">
+                <a14:useLocalDpi xmlns:a14="http://schemas.microsoft.com/office/drawing/2010/main" val="0"/>
+              </a:ext>
+              <a:ext uri="{96DAC541-7B7A-43D3-8B79-37D633B846F1}">
+                <asvg:svgBlip xmlns:asvg="http://schemas.microsoft.com/office/drawing/2016/SVG/main" r:embed="rId5"/>
+              </a:ext>
+            </a:extLst>
+          </a:blip>
+          <a:stretch>
+            <a:fillRect/>
+          </a:stretch>
+        </p:blipFill>
         <p:spPr>
           <a:xfrm>
-            <a:off x="9507813" y="2029968"/>
-            <a:ext cx="2181839" cy="1107584"/>
+            <a:off x="3019425" y="3902075"/>
+            <a:ext cx="6153150" cy="2590800"/>
           </a:xfrm>
           <a:prstGeom prst="rect">
             <a:avLst/>
           </a:prstGeom>
-          <a:solidFill>
-            <a:schemeClr val="bg1"/>
-          </a:solidFill>
-          <a:ln>
-            <a:solidFill>
-              <a:schemeClr val="tx1"/>
-            </a:solidFill>
-          </a:ln>
         </p:spPr>
-        <p:style>
-          <a:lnRef idx="2">
-            <a:schemeClr val="accent1">
-              <a:shade val="50000"/>
-            </a:schemeClr>
-          </a:lnRef>
-          <a:fillRef idx="1">
-            <a:schemeClr val="accent1"/>
-          </a:fillRef>
-          <a:effectRef idx="0">
-            <a:schemeClr val="accent1"/>
-          </a:effectRef>
-          <a:fontRef idx="minor">
-            <a:schemeClr val="lt1"/>
-          </a:fontRef>
-        </p:style>
-        <p:txBody>
-          <a:bodyPr rtlCol="0" anchor="ctr"/>
-          <a:lstStyle>
-            <a:defPPr>
-              <a:defRPr lang="de-DE"/>
-            </a:defPPr>
-            <a:lvl1pPr algn="l" rtl="0" fontAlgn="base">
-              <a:spcBef>
-                <a:spcPct val="0"/>
-              </a:spcBef>
-              <a:spcAft>
-                <a:spcPct val="0"/>
-              </a:spcAft>
-              <a:defRPr kern="1200">
-                <a:solidFill>
-                  <a:schemeClr val="lt1"/>
-                </a:solidFill>
-                <a:latin typeface="+mn-lt"/>
-                <a:ea typeface="+mn-ea"/>
-                <a:cs typeface="+mn-cs"/>
-              </a:defRPr>
-            </a:lvl1pPr>
-            <a:lvl2pPr marL="457200" algn="l" rtl="0" fontAlgn="base">
-              <a:spcBef>
-                <a:spcPct val="0"/>
-              </a:spcBef>
-              <a:spcAft>
-                <a:spcPct val="0"/>
-              </a:spcAft>
-              <a:defRPr kern="1200">
-                <a:solidFill>
-                  <a:schemeClr val="lt1"/>
-                </a:solidFill>
-                <a:latin typeface="+mn-lt"/>
-                <a:ea typeface="+mn-ea"/>
-                <a:cs typeface="+mn-cs"/>
-              </a:defRPr>
-            </a:lvl2pPr>
-            <a:lvl3pPr marL="914400" algn="l" rtl="0" fontAlgn="base">
-              <a:spcBef>
-                <a:spcPct val="0"/>
-              </a:spcBef>
-              <a:spcAft>
-                <a:spcPct val="0"/>
-              </a:spcAft>
-              <a:defRPr kern="1200">
-                <a:solidFill>
-                  <a:schemeClr val="lt1"/>
-                </a:solidFill>
-                <a:latin typeface="+mn-lt"/>
-                <a:ea typeface="+mn-ea"/>
-                <a:cs typeface="+mn-cs"/>
-              </a:defRPr>
-            </a:lvl3pPr>
-            <a:lvl4pPr marL="1371600" algn="l" rtl="0" fontAlgn="base">
-              <a:spcBef>
-                <a:spcPct val="0"/>
-              </a:spcBef>
-              <a:spcAft>
-                <a:spcPct val="0"/>
-              </a:spcAft>
-              <a:defRPr kern="1200">
-                <a:solidFill>
-                  <a:schemeClr val="lt1"/>
-                </a:solidFill>
-                <a:latin typeface="+mn-lt"/>
-                <a:ea typeface="+mn-ea"/>
-                <a:cs typeface="+mn-cs"/>
-              </a:defRPr>
-            </a:lvl4pPr>
-            <a:lvl5pPr marL="1828800" algn="l" rtl="0" fontAlgn="base">
-              <a:spcBef>
-                <a:spcPct val="0"/>
-              </a:spcBef>
-              <a:spcAft>
-                <a:spcPct val="0"/>
-              </a:spcAft>
-              <a:defRPr kern="1200">
-                <a:solidFill>
-                  <a:schemeClr val="lt1"/>
-                </a:solidFill>
-                <a:latin typeface="+mn-lt"/>
-                <a:ea typeface="+mn-ea"/>
-                <a:cs typeface="+mn-cs"/>
-              </a:defRPr>
-            </a:lvl5pPr>
-            <a:lvl6pPr marL="2286000" algn="l" defTabSz="914400" rtl="0" eaLnBrk="1" latinLnBrk="0" hangingPunct="1">
-              <a:defRPr kern="1200">
-                <a:solidFill>
-                  <a:schemeClr val="lt1"/>
-                </a:solidFill>
-                <a:latin typeface="+mn-lt"/>
-                <a:ea typeface="+mn-ea"/>
-                <a:cs typeface="+mn-cs"/>
-              </a:defRPr>
-            </a:lvl6pPr>
-            <a:lvl7pPr marL="2743200" algn="l" defTabSz="914400" rtl="0" eaLnBrk="1" latinLnBrk="0" hangingPunct="1">
-              <a:defRPr kern="1200">
-                <a:solidFill>
-                  <a:schemeClr val="lt1"/>
-                </a:solidFill>
-                <a:latin typeface="+mn-lt"/>
-                <a:ea typeface="+mn-ea"/>
-                <a:cs typeface="+mn-cs"/>
-              </a:defRPr>
-            </a:lvl7pPr>
-            <a:lvl8pPr marL="3200400" algn="l" defTabSz="914400" rtl="0" eaLnBrk="1" latinLnBrk="0" hangingPunct="1">
-              <a:defRPr kern="1200">
-                <a:solidFill>
-                  <a:schemeClr val="lt1"/>
-                </a:solidFill>
-                <a:latin typeface="+mn-lt"/>
-                <a:ea typeface="+mn-ea"/>
-                <a:cs typeface="+mn-cs"/>
-              </a:defRPr>
-            </a:lvl8pPr>
-            <a:lvl9pPr marL="3657600" algn="l" defTabSz="914400" rtl="0" eaLnBrk="1" latinLnBrk="0" hangingPunct="1">
-              <a:defRPr kern="1200">
-                <a:solidFill>
-                  <a:schemeClr val="lt1"/>
-                </a:solidFill>
-                <a:latin typeface="+mn-lt"/>
-                <a:ea typeface="+mn-ea"/>
-                <a:cs typeface="+mn-cs"/>
-              </a:defRPr>
-            </a:lvl9pPr>
-          </a:lstStyle>
-          <a:p>
-            <a:pPr algn="ctr"/>
-            <a:r>
-              <a:rPr lang="de-DE" dirty="0" err="1">
-                <a:solidFill>
-                  <a:schemeClr val="tx1"/>
-                </a:solidFill>
-              </a:rPr>
-              <a:t>SimulationObserver</a:t>
-            </a:r>
-            <a:endParaRPr lang="de-DE" dirty="0">
-              <a:solidFill>
-                <a:schemeClr val="tx1"/>
-              </a:solidFill>
-            </a:endParaRPr>
-          </a:p>
-        </p:txBody>
-      </p:sp>
-      <p:sp>
-        <p:nvSpPr>
-          <p:cNvPr id="5" name="Rechteck 5">
-            <a:extLst>
-              <a:ext uri="{FF2B5EF4-FFF2-40B4-BE49-F238E27FC236}">
-                <a16:creationId xmlns:a16="http://schemas.microsoft.com/office/drawing/2014/main" id="{9EDB5C22-E124-4FC0-80CB-95E846AC71F2}"/>
-              </a:ext>
-            </a:extLst>
-          </p:cNvPr>
-          <p:cNvSpPr/>
-          <p:nvPr/>
-        </p:nvSpPr>
-        <p:spPr>
-          <a:xfrm>
-            <a:off x="6096000" y="2029968"/>
-            <a:ext cx="2562726" cy="1107584"/>
-          </a:xfrm>
-          <a:prstGeom prst="rect">
-            <a:avLst/>
-          </a:prstGeom>
-          <a:solidFill>
-            <a:schemeClr val="bg1"/>
-          </a:solidFill>
-          <a:ln>
-            <a:solidFill>
-              <a:schemeClr val="tx1"/>
-            </a:solidFill>
-          </a:ln>
-        </p:spPr>
-        <p:style>
-          <a:lnRef idx="2">
-            <a:schemeClr val="accent1">
-              <a:shade val="50000"/>
-            </a:schemeClr>
-          </a:lnRef>
-          <a:fillRef idx="1">
-            <a:schemeClr val="accent1"/>
-          </a:fillRef>
-          <a:effectRef idx="0">
-            <a:schemeClr val="accent1"/>
-          </a:effectRef>
-          <a:fontRef idx="minor">
-            <a:schemeClr val="lt1"/>
-          </a:fontRef>
-        </p:style>
-        <p:txBody>
-          <a:bodyPr rtlCol="0" anchor="ctr"/>
-          <a:lstStyle>
-            <a:defPPr>
-              <a:defRPr lang="de-DE"/>
-            </a:defPPr>
-            <a:lvl1pPr algn="l" rtl="0" fontAlgn="base">
-              <a:spcBef>
-                <a:spcPct val="0"/>
-              </a:spcBef>
-              <a:spcAft>
-                <a:spcPct val="0"/>
-              </a:spcAft>
-              <a:defRPr kern="1200">
-                <a:solidFill>
-                  <a:schemeClr val="lt1"/>
-                </a:solidFill>
-                <a:latin typeface="+mn-lt"/>
-                <a:ea typeface="+mn-ea"/>
-                <a:cs typeface="+mn-cs"/>
-              </a:defRPr>
-            </a:lvl1pPr>
-            <a:lvl2pPr marL="457200" algn="l" rtl="0" fontAlgn="base">
-              <a:spcBef>
-                <a:spcPct val="0"/>
-              </a:spcBef>
-              <a:spcAft>
-                <a:spcPct val="0"/>
-              </a:spcAft>
-              <a:defRPr kern="1200">
-                <a:solidFill>
-                  <a:schemeClr val="lt1"/>
-                </a:solidFill>
-                <a:latin typeface="+mn-lt"/>
-                <a:ea typeface="+mn-ea"/>
-                <a:cs typeface="+mn-cs"/>
-              </a:defRPr>
-            </a:lvl2pPr>
-            <a:lvl3pPr marL="914400" algn="l" rtl="0" fontAlgn="base">
-              <a:spcBef>
-                <a:spcPct val="0"/>
-              </a:spcBef>
-              <a:spcAft>
-                <a:spcPct val="0"/>
-              </a:spcAft>
-              <a:defRPr kern="1200">
-                <a:solidFill>
-                  <a:schemeClr val="lt1"/>
-                </a:solidFill>
-                <a:latin typeface="+mn-lt"/>
-                <a:ea typeface="+mn-ea"/>
-                <a:cs typeface="+mn-cs"/>
-              </a:defRPr>
-            </a:lvl3pPr>
-            <a:lvl4pPr marL="1371600" algn="l" rtl="0" fontAlgn="base">
-              <a:spcBef>
-                <a:spcPct val="0"/>
-              </a:spcBef>
-              <a:spcAft>
-                <a:spcPct val="0"/>
-              </a:spcAft>
-              <a:defRPr kern="1200">
-                <a:solidFill>
-                  <a:schemeClr val="lt1"/>
-                </a:solidFill>
-                <a:latin typeface="+mn-lt"/>
-                <a:ea typeface="+mn-ea"/>
-                <a:cs typeface="+mn-cs"/>
-              </a:defRPr>
-            </a:lvl4pPr>
-            <a:lvl5pPr marL="1828800" algn="l" rtl="0" fontAlgn="base">
-              <a:spcBef>
-                <a:spcPct val="0"/>
-              </a:spcBef>
-              <a:spcAft>
-                <a:spcPct val="0"/>
-              </a:spcAft>
-              <a:defRPr kern="1200">
-                <a:solidFill>
-                  <a:schemeClr val="lt1"/>
-                </a:solidFill>
-                <a:latin typeface="+mn-lt"/>
-                <a:ea typeface="+mn-ea"/>
-                <a:cs typeface="+mn-cs"/>
-              </a:defRPr>
-            </a:lvl5pPr>
-            <a:lvl6pPr marL="2286000" algn="l" defTabSz="914400" rtl="0" eaLnBrk="1" latinLnBrk="0" hangingPunct="1">
-              <a:defRPr kern="1200">
-                <a:solidFill>
-                  <a:schemeClr val="lt1"/>
-                </a:solidFill>
-                <a:latin typeface="+mn-lt"/>
-                <a:ea typeface="+mn-ea"/>
-                <a:cs typeface="+mn-cs"/>
-              </a:defRPr>
-            </a:lvl6pPr>
-            <a:lvl7pPr marL="2743200" algn="l" defTabSz="914400" rtl="0" eaLnBrk="1" latinLnBrk="0" hangingPunct="1">
-              <a:defRPr kern="1200">
-                <a:solidFill>
-                  <a:schemeClr val="lt1"/>
-                </a:solidFill>
-                <a:latin typeface="+mn-lt"/>
-                <a:ea typeface="+mn-ea"/>
-                <a:cs typeface="+mn-cs"/>
-              </a:defRPr>
-            </a:lvl7pPr>
-            <a:lvl8pPr marL="3200400" algn="l" defTabSz="914400" rtl="0" eaLnBrk="1" latinLnBrk="0" hangingPunct="1">
-              <a:defRPr kern="1200">
-                <a:solidFill>
-                  <a:schemeClr val="lt1"/>
-                </a:solidFill>
-                <a:latin typeface="+mn-lt"/>
-                <a:ea typeface="+mn-ea"/>
-                <a:cs typeface="+mn-cs"/>
-              </a:defRPr>
-            </a:lvl8pPr>
-            <a:lvl9pPr marL="3657600" algn="l" defTabSz="914400" rtl="0" eaLnBrk="1" latinLnBrk="0" hangingPunct="1">
-              <a:defRPr kern="1200">
-                <a:solidFill>
-                  <a:schemeClr val="lt1"/>
-                </a:solidFill>
-                <a:latin typeface="+mn-lt"/>
-                <a:ea typeface="+mn-ea"/>
-                <a:cs typeface="+mn-cs"/>
-              </a:defRPr>
-            </a:lvl9pPr>
-          </a:lstStyle>
-          <a:p>
-            <a:pPr algn="ctr"/>
-            <a:r>
-              <a:rPr lang="de-DE" dirty="0" err="1">
-                <a:solidFill>
-                  <a:schemeClr val="tx1"/>
-                </a:solidFill>
-              </a:rPr>
-              <a:t>OberservableSimulation</a:t>
-            </a:r>
-            <a:endParaRPr lang="de-DE" dirty="0">
-              <a:solidFill>
-                <a:schemeClr val="tx1"/>
-              </a:solidFill>
-            </a:endParaRPr>
-          </a:p>
-        </p:txBody>
-      </p:sp>
-      <p:sp>
-        <p:nvSpPr>
-          <p:cNvPr id="6" name="Rechteck 5">
-            <a:extLst>
-              <a:ext uri="{FF2B5EF4-FFF2-40B4-BE49-F238E27FC236}">
-                <a16:creationId xmlns:a16="http://schemas.microsoft.com/office/drawing/2014/main" id="{0FDBA5F5-E4AF-4B31-A818-E55F049924C3}"/>
-              </a:ext>
-            </a:extLst>
-          </p:cNvPr>
-          <p:cNvSpPr/>
-          <p:nvPr/>
-        </p:nvSpPr>
-        <p:spPr>
-          <a:xfrm>
-            <a:off x="6445775" y="4463115"/>
-            <a:ext cx="1893195" cy="1107584"/>
-          </a:xfrm>
-          <a:prstGeom prst="rect">
-            <a:avLst/>
-          </a:prstGeom>
-          <a:solidFill>
-            <a:schemeClr val="bg1"/>
-          </a:solidFill>
-          <a:ln>
-            <a:solidFill>
-              <a:schemeClr val="tx1"/>
-            </a:solidFill>
-          </a:ln>
-        </p:spPr>
-        <p:style>
-          <a:lnRef idx="2">
-            <a:schemeClr val="accent1">
-              <a:shade val="50000"/>
-            </a:schemeClr>
-          </a:lnRef>
-          <a:fillRef idx="1">
-            <a:schemeClr val="accent1"/>
-          </a:fillRef>
-          <a:effectRef idx="0">
-            <a:schemeClr val="accent1"/>
-          </a:effectRef>
-          <a:fontRef idx="minor">
-            <a:schemeClr val="lt1"/>
-          </a:fontRef>
-        </p:style>
-        <p:txBody>
-          <a:bodyPr rtlCol="0" anchor="ctr"/>
-          <a:lstStyle>
-            <a:defPPr>
-              <a:defRPr lang="de-DE"/>
-            </a:defPPr>
-            <a:lvl1pPr algn="l" rtl="0" fontAlgn="base">
-              <a:spcBef>
-                <a:spcPct val="0"/>
-              </a:spcBef>
-              <a:spcAft>
-                <a:spcPct val="0"/>
-              </a:spcAft>
-              <a:defRPr kern="1200">
-                <a:solidFill>
-                  <a:schemeClr val="lt1"/>
-                </a:solidFill>
-                <a:latin typeface="+mn-lt"/>
-                <a:ea typeface="+mn-ea"/>
-                <a:cs typeface="+mn-cs"/>
-              </a:defRPr>
-            </a:lvl1pPr>
-            <a:lvl2pPr marL="457200" algn="l" rtl="0" fontAlgn="base">
-              <a:spcBef>
-                <a:spcPct val="0"/>
-              </a:spcBef>
-              <a:spcAft>
-                <a:spcPct val="0"/>
-              </a:spcAft>
-              <a:defRPr kern="1200">
-                <a:solidFill>
-                  <a:schemeClr val="lt1"/>
-                </a:solidFill>
-                <a:latin typeface="+mn-lt"/>
-                <a:ea typeface="+mn-ea"/>
-                <a:cs typeface="+mn-cs"/>
-              </a:defRPr>
-            </a:lvl2pPr>
-            <a:lvl3pPr marL="914400" algn="l" rtl="0" fontAlgn="base">
-              <a:spcBef>
-                <a:spcPct val="0"/>
-              </a:spcBef>
-              <a:spcAft>
-                <a:spcPct val="0"/>
-              </a:spcAft>
-              <a:defRPr kern="1200">
-                <a:solidFill>
-                  <a:schemeClr val="lt1"/>
-                </a:solidFill>
-                <a:latin typeface="+mn-lt"/>
-                <a:ea typeface="+mn-ea"/>
-                <a:cs typeface="+mn-cs"/>
-              </a:defRPr>
-            </a:lvl3pPr>
-            <a:lvl4pPr marL="1371600" algn="l" rtl="0" fontAlgn="base">
-              <a:spcBef>
-                <a:spcPct val="0"/>
-              </a:spcBef>
-              <a:spcAft>
-                <a:spcPct val="0"/>
-              </a:spcAft>
-              <a:defRPr kern="1200">
-                <a:solidFill>
-                  <a:schemeClr val="lt1"/>
-                </a:solidFill>
-                <a:latin typeface="+mn-lt"/>
-                <a:ea typeface="+mn-ea"/>
-                <a:cs typeface="+mn-cs"/>
-              </a:defRPr>
-            </a:lvl4pPr>
-            <a:lvl5pPr marL="1828800" algn="l" rtl="0" fontAlgn="base">
-              <a:spcBef>
-                <a:spcPct val="0"/>
-              </a:spcBef>
-              <a:spcAft>
-                <a:spcPct val="0"/>
-              </a:spcAft>
-              <a:defRPr kern="1200">
-                <a:solidFill>
-                  <a:schemeClr val="lt1"/>
-                </a:solidFill>
-                <a:latin typeface="+mn-lt"/>
-                <a:ea typeface="+mn-ea"/>
-                <a:cs typeface="+mn-cs"/>
-              </a:defRPr>
-            </a:lvl5pPr>
-            <a:lvl6pPr marL="2286000" algn="l" defTabSz="914400" rtl="0" eaLnBrk="1" latinLnBrk="0" hangingPunct="1">
-              <a:defRPr kern="1200">
-                <a:solidFill>
-                  <a:schemeClr val="lt1"/>
-                </a:solidFill>
-                <a:latin typeface="+mn-lt"/>
-                <a:ea typeface="+mn-ea"/>
-                <a:cs typeface="+mn-cs"/>
-              </a:defRPr>
-            </a:lvl6pPr>
-            <a:lvl7pPr marL="2743200" algn="l" defTabSz="914400" rtl="0" eaLnBrk="1" latinLnBrk="0" hangingPunct="1">
-              <a:defRPr kern="1200">
-                <a:solidFill>
-                  <a:schemeClr val="lt1"/>
-                </a:solidFill>
-                <a:latin typeface="+mn-lt"/>
-                <a:ea typeface="+mn-ea"/>
-                <a:cs typeface="+mn-cs"/>
-              </a:defRPr>
-            </a:lvl7pPr>
-            <a:lvl8pPr marL="3200400" algn="l" defTabSz="914400" rtl="0" eaLnBrk="1" latinLnBrk="0" hangingPunct="1">
-              <a:defRPr kern="1200">
-                <a:solidFill>
-                  <a:schemeClr val="lt1"/>
-                </a:solidFill>
-                <a:latin typeface="+mn-lt"/>
-                <a:ea typeface="+mn-ea"/>
-                <a:cs typeface="+mn-cs"/>
-              </a:defRPr>
-            </a:lvl8pPr>
-            <a:lvl9pPr marL="3657600" algn="l" defTabSz="914400" rtl="0" eaLnBrk="1" latinLnBrk="0" hangingPunct="1">
-              <a:defRPr kern="1200">
-                <a:solidFill>
-                  <a:schemeClr val="lt1"/>
-                </a:solidFill>
-                <a:latin typeface="+mn-lt"/>
-                <a:ea typeface="+mn-ea"/>
-                <a:cs typeface="+mn-cs"/>
-              </a:defRPr>
-            </a:lvl9pPr>
-          </a:lstStyle>
-          <a:p>
-            <a:pPr algn="ctr"/>
-            <a:r>
-              <a:rPr lang="de-DE" dirty="0">
-                <a:solidFill>
-                  <a:schemeClr val="tx1"/>
-                </a:solidFill>
-              </a:rPr>
-              <a:t>Simulation</a:t>
-            </a:r>
-          </a:p>
-        </p:txBody>
-      </p:sp>
-      <p:sp>
-        <p:nvSpPr>
-          <p:cNvPr id="7" name="Rechteck 5">
-            <a:extLst>
-              <a:ext uri="{FF2B5EF4-FFF2-40B4-BE49-F238E27FC236}">
-                <a16:creationId xmlns:a16="http://schemas.microsoft.com/office/drawing/2014/main" id="{E68985DE-C674-475D-BA38-0EA66E5117C8}"/>
-              </a:ext>
-            </a:extLst>
-          </p:cNvPr>
-          <p:cNvSpPr/>
-          <p:nvPr/>
-        </p:nvSpPr>
-        <p:spPr>
-          <a:xfrm>
-            <a:off x="9507813" y="4463115"/>
-            <a:ext cx="1893195" cy="1107584"/>
-          </a:xfrm>
-          <a:prstGeom prst="rect">
-            <a:avLst/>
-          </a:prstGeom>
-          <a:solidFill>
-            <a:schemeClr val="bg1"/>
-          </a:solidFill>
-          <a:ln>
-            <a:solidFill>
-              <a:schemeClr val="tx1"/>
-            </a:solidFill>
-          </a:ln>
-        </p:spPr>
-        <p:style>
-          <a:lnRef idx="2">
-            <a:schemeClr val="accent1">
-              <a:shade val="50000"/>
-            </a:schemeClr>
-          </a:lnRef>
-          <a:fillRef idx="1">
-            <a:schemeClr val="accent1"/>
-          </a:fillRef>
-          <a:effectRef idx="0">
-            <a:schemeClr val="accent1"/>
-          </a:effectRef>
-          <a:fontRef idx="minor">
-            <a:schemeClr val="lt1"/>
-          </a:fontRef>
-        </p:style>
-        <p:txBody>
-          <a:bodyPr rtlCol="0" anchor="ctr"/>
-          <a:lstStyle>
-            <a:defPPr>
-              <a:defRPr lang="de-DE"/>
-            </a:defPPr>
-            <a:lvl1pPr algn="l" rtl="0" fontAlgn="base">
-              <a:spcBef>
-                <a:spcPct val="0"/>
-              </a:spcBef>
-              <a:spcAft>
-                <a:spcPct val="0"/>
-              </a:spcAft>
-              <a:defRPr kern="1200">
-                <a:solidFill>
-                  <a:schemeClr val="lt1"/>
-                </a:solidFill>
-                <a:latin typeface="+mn-lt"/>
-                <a:ea typeface="+mn-ea"/>
-                <a:cs typeface="+mn-cs"/>
-              </a:defRPr>
-            </a:lvl1pPr>
-            <a:lvl2pPr marL="457200" algn="l" rtl="0" fontAlgn="base">
-              <a:spcBef>
-                <a:spcPct val="0"/>
-              </a:spcBef>
-              <a:spcAft>
-                <a:spcPct val="0"/>
-              </a:spcAft>
-              <a:defRPr kern="1200">
-                <a:solidFill>
-                  <a:schemeClr val="lt1"/>
-                </a:solidFill>
-                <a:latin typeface="+mn-lt"/>
-                <a:ea typeface="+mn-ea"/>
-                <a:cs typeface="+mn-cs"/>
-              </a:defRPr>
-            </a:lvl2pPr>
-            <a:lvl3pPr marL="914400" algn="l" rtl="0" fontAlgn="base">
-              <a:spcBef>
-                <a:spcPct val="0"/>
-              </a:spcBef>
-              <a:spcAft>
-                <a:spcPct val="0"/>
-              </a:spcAft>
-              <a:defRPr kern="1200">
-                <a:solidFill>
-                  <a:schemeClr val="lt1"/>
-                </a:solidFill>
-                <a:latin typeface="+mn-lt"/>
-                <a:ea typeface="+mn-ea"/>
-                <a:cs typeface="+mn-cs"/>
-              </a:defRPr>
-            </a:lvl3pPr>
-            <a:lvl4pPr marL="1371600" algn="l" rtl="0" fontAlgn="base">
-              <a:spcBef>
-                <a:spcPct val="0"/>
-              </a:spcBef>
-              <a:spcAft>
-                <a:spcPct val="0"/>
-              </a:spcAft>
-              <a:defRPr kern="1200">
-                <a:solidFill>
-                  <a:schemeClr val="lt1"/>
-                </a:solidFill>
-                <a:latin typeface="+mn-lt"/>
-                <a:ea typeface="+mn-ea"/>
-                <a:cs typeface="+mn-cs"/>
-              </a:defRPr>
-            </a:lvl4pPr>
-            <a:lvl5pPr marL="1828800" algn="l" rtl="0" fontAlgn="base">
-              <a:spcBef>
-                <a:spcPct val="0"/>
-              </a:spcBef>
-              <a:spcAft>
-                <a:spcPct val="0"/>
-              </a:spcAft>
-              <a:defRPr kern="1200">
-                <a:solidFill>
-                  <a:schemeClr val="lt1"/>
-                </a:solidFill>
-                <a:latin typeface="+mn-lt"/>
-                <a:ea typeface="+mn-ea"/>
-                <a:cs typeface="+mn-cs"/>
-              </a:defRPr>
-            </a:lvl5pPr>
-            <a:lvl6pPr marL="2286000" algn="l" defTabSz="914400" rtl="0" eaLnBrk="1" latinLnBrk="0" hangingPunct="1">
-              <a:defRPr kern="1200">
-                <a:solidFill>
-                  <a:schemeClr val="lt1"/>
-                </a:solidFill>
-                <a:latin typeface="+mn-lt"/>
-                <a:ea typeface="+mn-ea"/>
-                <a:cs typeface="+mn-cs"/>
-              </a:defRPr>
-            </a:lvl6pPr>
-            <a:lvl7pPr marL="2743200" algn="l" defTabSz="914400" rtl="0" eaLnBrk="1" latinLnBrk="0" hangingPunct="1">
-              <a:defRPr kern="1200">
-                <a:solidFill>
-                  <a:schemeClr val="lt1"/>
-                </a:solidFill>
-                <a:latin typeface="+mn-lt"/>
-                <a:ea typeface="+mn-ea"/>
-                <a:cs typeface="+mn-cs"/>
-              </a:defRPr>
-            </a:lvl7pPr>
-            <a:lvl8pPr marL="3200400" algn="l" defTabSz="914400" rtl="0" eaLnBrk="1" latinLnBrk="0" hangingPunct="1">
-              <a:defRPr kern="1200">
-                <a:solidFill>
-                  <a:schemeClr val="lt1"/>
-                </a:solidFill>
-                <a:latin typeface="+mn-lt"/>
-                <a:ea typeface="+mn-ea"/>
-                <a:cs typeface="+mn-cs"/>
-              </a:defRPr>
-            </a:lvl8pPr>
-            <a:lvl9pPr marL="3657600" algn="l" defTabSz="914400" rtl="0" eaLnBrk="1" latinLnBrk="0" hangingPunct="1">
-              <a:defRPr kern="1200">
-                <a:solidFill>
-                  <a:schemeClr val="lt1"/>
-                </a:solidFill>
-                <a:latin typeface="+mn-lt"/>
-                <a:ea typeface="+mn-ea"/>
-                <a:cs typeface="+mn-cs"/>
-              </a:defRPr>
-            </a:lvl9pPr>
-          </a:lstStyle>
-          <a:p>
-            <a:pPr algn="ctr"/>
-            <a:r>
-              <a:rPr lang="de-DE" dirty="0" err="1">
-                <a:solidFill>
-                  <a:schemeClr val="tx1"/>
-                </a:solidFill>
-              </a:rPr>
-              <a:t>ViewNotifyer</a:t>
-            </a:r>
-            <a:endParaRPr lang="de-DE" dirty="0">
-              <a:solidFill>
-                <a:schemeClr val="tx1"/>
-              </a:solidFill>
-            </a:endParaRPr>
-          </a:p>
-        </p:txBody>
-      </p:sp>
-      <p:cxnSp>
-        <p:nvCxnSpPr>
-          <p:cNvPr id="9" name="Gerade Verbindung mit Pfeil 14">
-            <a:extLst>
-              <a:ext uri="{FF2B5EF4-FFF2-40B4-BE49-F238E27FC236}">
-                <a16:creationId xmlns:a16="http://schemas.microsoft.com/office/drawing/2014/main" id="{9DC2199C-C174-4A8A-8040-2F5846823B8C}"/>
-              </a:ext>
-            </a:extLst>
-          </p:cNvPr>
-          <p:cNvCxnSpPr>
-            <a:cxnSpLocks/>
-            <a:stCxn id="5" idx="3"/>
-            <a:endCxn id="4" idx="1"/>
-          </p:cNvCxnSpPr>
-          <p:nvPr/>
-        </p:nvCxnSpPr>
-        <p:spPr>
-          <a:xfrm>
-            <a:off x="8658726" y="2583760"/>
-            <a:ext cx="849087" cy="0"/>
-          </a:xfrm>
-          <a:prstGeom prst="straightConnector1">
-            <a:avLst/>
-          </a:prstGeom>
-          <a:ln w="38100">
-            <a:solidFill>
-              <a:schemeClr val="tx1"/>
-            </a:solidFill>
-            <a:tailEnd type="triangle"/>
-          </a:ln>
-        </p:spPr>
-        <p:style>
-          <a:lnRef idx="1">
-            <a:schemeClr val="accent1"/>
-          </a:lnRef>
-          <a:fillRef idx="0">
-            <a:schemeClr val="accent1"/>
-          </a:fillRef>
-          <a:effectRef idx="0">
-            <a:schemeClr val="accent1"/>
-          </a:effectRef>
-          <a:fontRef idx="minor">
-            <a:schemeClr val="tx1"/>
-          </a:fontRef>
-        </p:style>
-      </p:cxnSp>
-      <p:cxnSp>
-        <p:nvCxnSpPr>
-          <p:cNvPr id="14" name="Gerade Verbindung mit Pfeil 14">
-            <a:extLst>
-              <a:ext uri="{FF2B5EF4-FFF2-40B4-BE49-F238E27FC236}">
-                <a16:creationId xmlns:a16="http://schemas.microsoft.com/office/drawing/2014/main" id="{3DE7BE5D-8795-4ACA-BF87-B92BE893D485}"/>
-              </a:ext>
-            </a:extLst>
-          </p:cNvPr>
-          <p:cNvCxnSpPr>
-            <a:cxnSpLocks/>
-            <a:stCxn id="7" idx="1"/>
-            <a:endCxn id="6" idx="3"/>
-          </p:cNvCxnSpPr>
-          <p:nvPr/>
-        </p:nvCxnSpPr>
-        <p:spPr>
-          <a:xfrm flipH="1">
-            <a:off x="8338970" y="5016907"/>
-            <a:ext cx="1168843" cy="0"/>
-          </a:xfrm>
-          <a:prstGeom prst="straightConnector1">
-            <a:avLst/>
-          </a:prstGeom>
-          <a:ln w="38100">
-            <a:solidFill>
-              <a:schemeClr val="tx1"/>
-            </a:solidFill>
-            <a:tailEnd type="triangle"/>
-          </a:ln>
-        </p:spPr>
-        <p:style>
-          <a:lnRef idx="1">
-            <a:schemeClr val="accent1"/>
-          </a:lnRef>
-          <a:fillRef idx="0">
-            <a:schemeClr val="accent1"/>
-          </a:fillRef>
-          <a:effectRef idx="0">
-            <a:schemeClr val="accent1"/>
-          </a:effectRef>
-          <a:fontRef idx="minor">
-            <a:schemeClr val="tx1"/>
-          </a:fontRef>
-        </p:style>
-      </p:cxnSp>
-      <p:cxnSp>
-        <p:nvCxnSpPr>
-          <p:cNvPr id="18" name="直接连接符 17">
-            <a:extLst>
-              <a:ext uri="{FF2B5EF4-FFF2-40B4-BE49-F238E27FC236}">
-                <a16:creationId xmlns:a16="http://schemas.microsoft.com/office/drawing/2014/main" id="{24B01056-4245-460F-A4C9-064B2DD3C39D}"/>
-              </a:ext>
-            </a:extLst>
-          </p:cNvPr>
-          <p:cNvCxnSpPr>
-            <a:cxnSpLocks/>
-            <a:stCxn id="20" idx="3"/>
-          </p:cNvCxnSpPr>
-          <p:nvPr/>
-        </p:nvCxnSpPr>
-        <p:spPr>
-          <a:xfrm>
-            <a:off x="7313195" y="3414448"/>
-            <a:ext cx="0" cy="1107584"/>
-          </a:xfrm>
-          <a:prstGeom prst="line">
-            <a:avLst/>
-          </a:prstGeom>
-          <a:ln w="9525" cap="flat" cmpd="sng" algn="ctr">
-            <a:solidFill>
-              <a:schemeClr val="dk1"/>
-            </a:solidFill>
-            <a:prstDash val="dash"/>
-            <a:round/>
-            <a:headEnd type="none" w="med" len="med"/>
-            <a:tailEnd type="none" w="med" len="med"/>
-          </a:ln>
-        </p:spPr>
-        <p:style>
-          <a:lnRef idx="0">
-            <a:scrgbClr r="0" g="0" b="0"/>
-          </a:lnRef>
-          <a:fillRef idx="0">
-            <a:scrgbClr r="0" g="0" b="0"/>
-          </a:fillRef>
-          <a:effectRef idx="0">
-            <a:scrgbClr r="0" g="0" b="0"/>
-          </a:effectRef>
-          <a:fontRef idx="minor">
-            <a:schemeClr val="tx1"/>
-          </a:fontRef>
-        </p:style>
-      </p:cxnSp>
-      <p:sp>
-        <p:nvSpPr>
-          <p:cNvPr id="20" name="等腰三角形 19">
-            <a:extLst>
-              <a:ext uri="{FF2B5EF4-FFF2-40B4-BE49-F238E27FC236}">
-                <a16:creationId xmlns:a16="http://schemas.microsoft.com/office/drawing/2014/main" id="{E87AD1F4-E43B-46BB-91A4-C6CE252981B4}"/>
-              </a:ext>
-            </a:extLst>
-          </p:cNvPr>
-          <p:cNvSpPr/>
-          <p:nvPr/>
-        </p:nvSpPr>
-        <p:spPr>
-          <a:xfrm>
-            <a:off x="7159284" y="3137552"/>
-            <a:ext cx="307821" cy="276896"/>
-          </a:xfrm>
-          <a:prstGeom prst="triangle">
-            <a:avLst/>
-          </a:prstGeom>
-          <a:noFill/>
-          <a:ln>
-            <a:solidFill>
-              <a:schemeClr val="tx1"/>
-            </a:solidFill>
-          </a:ln>
-        </p:spPr>
-        <p:style>
-          <a:lnRef idx="2">
-            <a:schemeClr val="accent1">
-              <a:shade val="50000"/>
-            </a:schemeClr>
-          </a:lnRef>
-          <a:fillRef idx="1">
-            <a:schemeClr val="accent1"/>
-          </a:fillRef>
-          <a:effectRef idx="0">
-            <a:schemeClr val="accent1"/>
-          </a:effectRef>
-          <a:fontRef idx="minor">
-            <a:schemeClr val="lt1"/>
-          </a:fontRef>
-        </p:style>
-        <p:txBody>
-          <a:bodyPr rtlCol="0" anchor="ctr"/>
-          <a:lstStyle/>
-          <a:p>
-            <a:pPr algn="ctr"/>
-            <a:endParaRPr lang="zh-CN" altLang="en-US" dirty="0"/>
-          </a:p>
-        </p:txBody>
-      </p:sp>
-      <p:cxnSp>
-        <p:nvCxnSpPr>
-          <p:cNvPr id="22" name="直接连接符 21">
-            <a:extLst>
-              <a:ext uri="{FF2B5EF4-FFF2-40B4-BE49-F238E27FC236}">
-                <a16:creationId xmlns:a16="http://schemas.microsoft.com/office/drawing/2014/main" id="{87051036-3710-4F39-863F-8C0BBC2AD86A}"/>
-              </a:ext>
-            </a:extLst>
-          </p:cNvPr>
-          <p:cNvCxnSpPr>
-            <a:cxnSpLocks/>
-            <a:stCxn id="23" idx="3"/>
-          </p:cNvCxnSpPr>
-          <p:nvPr/>
-        </p:nvCxnSpPr>
-        <p:spPr>
-          <a:xfrm>
-            <a:off x="10529637" y="3393490"/>
-            <a:ext cx="0" cy="1107584"/>
-          </a:xfrm>
-          <a:prstGeom prst="line">
-            <a:avLst/>
-          </a:prstGeom>
-          <a:ln w="9525" cap="flat" cmpd="sng" algn="ctr">
-            <a:solidFill>
-              <a:schemeClr val="dk1"/>
-            </a:solidFill>
-            <a:prstDash val="dash"/>
-            <a:round/>
-            <a:headEnd type="none" w="med" len="med"/>
-            <a:tailEnd type="none" w="med" len="med"/>
-          </a:ln>
-        </p:spPr>
-        <p:style>
-          <a:lnRef idx="0">
-            <a:scrgbClr r="0" g="0" b="0"/>
-          </a:lnRef>
-          <a:fillRef idx="0">
-            <a:scrgbClr r="0" g="0" b="0"/>
-          </a:fillRef>
-          <a:effectRef idx="0">
-            <a:scrgbClr r="0" g="0" b="0"/>
-          </a:effectRef>
-          <a:fontRef idx="minor">
-            <a:schemeClr val="tx1"/>
-          </a:fontRef>
-        </p:style>
-      </p:cxnSp>
-      <p:sp>
-        <p:nvSpPr>
-          <p:cNvPr id="23" name="等腰三角形 22">
-            <a:extLst>
-              <a:ext uri="{FF2B5EF4-FFF2-40B4-BE49-F238E27FC236}">
-                <a16:creationId xmlns:a16="http://schemas.microsoft.com/office/drawing/2014/main" id="{453F9673-BE69-4C83-806F-F6457EDB7047}"/>
-              </a:ext>
-            </a:extLst>
-          </p:cNvPr>
-          <p:cNvSpPr/>
-          <p:nvPr/>
-        </p:nvSpPr>
-        <p:spPr>
-          <a:xfrm>
-            <a:off x="10375726" y="3116594"/>
-            <a:ext cx="307821" cy="276896"/>
-          </a:xfrm>
-          <a:prstGeom prst="triangle">
-            <a:avLst/>
-          </a:prstGeom>
-          <a:noFill/>
-          <a:ln>
-            <a:solidFill>
-              <a:schemeClr val="tx1"/>
-            </a:solidFill>
-          </a:ln>
-        </p:spPr>
-        <p:style>
-          <a:lnRef idx="2">
-            <a:schemeClr val="accent1">
-              <a:shade val="50000"/>
-            </a:schemeClr>
-          </a:lnRef>
-          <a:fillRef idx="1">
-            <a:schemeClr val="accent1"/>
-          </a:fillRef>
-          <a:effectRef idx="0">
-            <a:schemeClr val="accent1"/>
-          </a:effectRef>
-          <a:fontRef idx="minor">
-            <a:schemeClr val="lt1"/>
-          </a:fontRef>
-        </p:style>
-        <p:txBody>
-          <a:bodyPr rtlCol="0" anchor="ctr"/>
-          <a:lstStyle/>
-          <a:p>
-            <a:pPr algn="ctr"/>
-            <a:endParaRPr lang="zh-CN" altLang="en-US" dirty="0"/>
-          </a:p>
-        </p:txBody>
-      </p:sp>
-      <p:sp>
-        <p:nvSpPr>
-          <p:cNvPr id="24" name="文本框 23">
-            <a:extLst>
-              <a:ext uri="{FF2B5EF4-FFF2-40B4-BE49-F238E27FC236}">
-                <a16:creationId xmlns:a16="http://schemas.microsoft.com/office/drawing/2014/main" id="{DAAA320B-82C4-43E9-84D4-A02D081E2843}"/>
-              </a:ext>
-            </a:extLst>
-          </p:cNvPr>
-          <p:cNvSpPr txBox="1"/>
-          <p:nvPr/>
-        </p:nvSpPr>
-        <p:spPr>
-          <a:xfrm>
-            <a:off x="633046" y="1690688"/>
-            <a:ext cx="5309041" cy="2062103"/>
-          </a:xfrm>
-          <a:prstGeom prst="rect">
-            <a:avLst/>
-          </a:prstGeom>
-          <a:noFill/>
-        </p:spPr>
-        <p:txBody>
-          <a:bodyPr wrap="square" rtlCol="0">
-            <a:spAutoFit/>
-          </a:bodyPr>
-          <a:lstStyle/>
-          <a:p>
-            <a:pPr marL="457200" indent="-457200">
-              <a:buFont typeface="Wingdings" panose="05000000000000000000" pitchFamily="2" charset="2"/>
-              <a:buChar char="l"/>
-            </a:pPr>
-            <a:r>
-              <a:rPr lang="de-DE" altLang="zh-CN" sz="3200" dirty="0"/>
-              <a:t>Warum</a:t>
-            </a:r>
-          </a:p>
-          <a:p>
-            <a:pPr marL="914400" lvl="1" indent="-457200">
-              <a:buFont typeface="Wingdings" panose="05000000000000000000" pitchFamily="2" charset="2"/>
-              <a:buChar char="l"/>
-            </a:pPr>
-            <a:r>
-              <a:rPr lang="de-DE" altLang="zh-CN" sz="3200" dirty="0"/>
-              <a:t>Kopplung der Klassen</a:t>
-            </a:r>
-          </a:p>
-          <a:p>
-            <a:pPr marL="914400" lvl="1" indent="-457200">
-              <a:buFont typeface="Wingdings" panose="05000000000000000000" pitchFamily="2" charset="2"/>
-              <a:buChar char="l"/>
-            </a:pPr>
-            <a:r>
-              <a:rPr lang="de-DE" altLang="zh-CN" sz="3200" dirty="0"/>
-              <a:t>Änderung automatisch erhalten</a:t>
-            </a:r>
-          </a:p>
-        </p:txBody>
-      </p:sp>
+      </p:pic>
     </p:spTree>
     <p:extLst>
       <p:ext uri="{BB962C8B-B14F-4D97-AF65-F5344CB8AC3E}">
-        <p14:creationId xmlns:p14="http://schemas.microsoft.com/office/powerpoint/2010/main" val="1424283541"/>
+        <p14:creationId xmlns:p14="http://schemas.microsoft.com/office/powerpoint/2010/main" val="656235454"/>
       </p:ext>
     </p:extLst>
   </p:cSld>
   <p:clrMapOvr>
     <a:masterClrMapping/>
   </p:clrMapOvr>
-  <p:timing>
-    <p:tnLst>
-      <p:par>
-        <p:cTn id="1" dur="indefinite" restart="never" nodeType="tmRoot">
-          <p:childTnLst>
-            <p:seq concurrent="1" nextAc="seek">
-              <p:cTn id="2" dur="indefinite" nodeType="mainSeq">
-                <p:childTnLst>
-                  <p:par>
-                    <p:cTn id="3" fill="hold">
-                      <p:stCondLst>
-                        <p:cond delay="indefinite"/>
-                      </p:stCondLst>
-                      <p:childTnLst>
-                        <p:par>
-                          <p:cTn id="4" fill="hold">
-                            <p:stCondLst>
-                              <p:cond delay="0"/>
-                            </p:stCondLst>
-                            <p:childTnLst>
-                              <p:par>
-                                <p:cTn id="5" presetID="1" presetClass="entr" presetSubtype="0" fill="hold" nodeType="clickEffect">
-                                  <p:stCondLst>
-                                    <p:cond delay="0"/>
-                                  </p:stCondLst>
-                                  <p:childTnLst>
-                                    <p:set>
-                                      <p:cBhvr>
-                                        <p:cTn id="6" dur="1" fill="hold">
-                                          <p:stCondLst>
-                                            <p:cond delay="0"/>
-                                          </p:stCondLst>
-                                        </p:cTn>
-                                        <p:tgtEl>
-                                          <p:spTgt spid="24">
-                                            <p:txEl>
-                                              <p:pRg st="0" end="0"/>
-                                            </p:txEl>
-                                          </p:spTgt>
-                                        </p:tgtEl>
-                                        <p:attrNameLst>
-                                          <p:attrName>style.visibility</p:attrName>
-                                        </p:attrNameLst>
-                                      </p:cBhvr>
-                                      <p:to>
-                                        <p:strVal val="visible"/>
-                                      </p:to>
-                                    </p:set>
-                                  </p:childTnLst>
-                                </p:cTn>
-                              </p:par>
-                            </p:childTnLst>
-                          </p:cTn>
-                        </p:par>
-                      </p:childTnLst>
-                    </p:cTn>
-                  </p:par>
-                  <p:par>
-                    <p:cTn id="7" fill="hold">
-                      <p:stCondLst>
-                        <p:cond delay="indefinite"/>
-                      </p:stCondLst>
-                      <p:childTnLst>
-                        <p:par>
-                          <p:cTn id="8" fill="hold">
-                            <p:stCondLst>
-                              <p:cond delay="0"/>
-                            </p:stCondLst>
-                            <p:childTnLst>
-                              <p:par>
-                                <p:cTn id="9" presetID="1" presetClass="entr" presetSubtype="0" fill="hold" nodeType="clickEffect">
-                                  <p:stCondLst>
-                                    <p:cond delay="0"/>
-                                  </p:stCondLst>
-                                  <p:childTnLst>
-                                    <p:set>
-                                      <p:cBhvr>
-                                        <p:cTn id="10" dur="1" fill="hold">
-                                          <p:stCondLst>
-                                            <p:cond delay="0"/>
-                                          </p:stCondLst>
-                                        </p:cTn>
-                                        <p:tgtEl>
-                                          <p:spTgt spid="24">
-                                            <p:txEl>
-                                              <p:pRg st="1" end="1"/>
-                                            </p:txEl>
-                                          </p:spTgt>
-                                        </p:tgtEl>
-                                        <p:attrNameLst>
-                                          <p:attrName>style.visibility</p:attrName>
-                                        </p:attrNameLst>
-                                      </p:cBhvr>
-                                      <p:to>
-                                        <p:strVal val="visible"/>
-                                      </p:to>
-                                    </p:set>
-                                  </p:childTnLst>
-                                </p:cTn>
-                              </p:par>
-                            </p:childTnLst>
-                          </p:cTn>
-                        </p:par>
-                      </p:childTnLst>
-                    </p:cTn>
-                  </p:par>
-                  <p:par>
-                    <p:cTn id="11" fill="hold">
-                      <p:stCondLst>
-                        <p:cond delay="indefinite"/>
-                      </p:stCondLst>
-                      <p:childTnLst>
-                        <p:par>
-                          <p:cTn id="12" fill="hold">
-                            <p:stCondLst>
-                              <p:cond delay="0"/>
-                            </p:stCondLst>
-                            <p:childTnLst>
-                              <p:par>
-                                <p:cTn id="13" presetID="1" presetClass="entr" presetSubtype="0" fill="hold" nodeType="clickEffect">
-                                  <p:stCondLst>
-                                    <p:cond delay="0"/>
-                                  </p:stCondLst>
-                                  <p:childTnLst>
-                                    <p:set>
-                                      <p:cBhvr>
-                                        <p:cTn id="14" dur="1" fill="hold">
-                                          <p:stCondLst>
-                                            <p:cond delay="0"/>
-                                          </p:stCondLst>
-                                        </p:cTn>
-                                        <p:tgtEl>
-                                          <p:spTgt spid="24">
-                                            <p:txEl>
-                                              <p:pRg st="2" end="2"/>
-                                            </p:txEl>
-                                          </p:spTgt>
-                                        </p:tgtEl>
-                                        <p:attrNameLst>
-                                          <p:attrName>style.visibility</p:attrName>
-                                        </p:attrNameLst>
-                                      </p:cBhvr>
-                                      <p:to>
-                                        <p:strVal val="visible"/>
-                                      </p:to>
-                                    </p:set>
-                                  </p:childTnLst>
-                                </p:cTn>
-                              </p:par>
-                            </p:childTnLst>
-                          </p:cTn>
-                        </p:par>
-                      </p:childTnLst>
-                    </p:cTn>
-                  </p:par>
-                </p:childTnLst>
-              </p:cTn>
-              <p:prevCondLst>
-                <p:cond evt="onPrev" delay="0">
-                  <p:tgtEl>
-                    <p:sldTgt/>
-                  </p:tgtEl>
-                </p:cond>
-              </p:prevCondLst>
-              <p:nextCondLst>
-                <p:cond evt="onNext" delay="0">
-                  <p:tgtEl>
-                    <p:sldTgt/>
-                  </p:tgtEl>
-                </p:cond>
-              </p:nextCondLst>
-            </p:seq>
-          </p:childTnLst>
-        </p:cTn>
-      </p:par>
-    </p:tnLst>
-  </p:timing>
 </p:sld>
 </file>
 
@@ -5389,10 +4436,10 @@
       </p:grpSpPr>
       <p:sp>
         <p:nvSpPr>
-          <p:cNvPr id="2" name="标题 1">
-            <a:extLst>
-              <a:ext uri="{FF2B5EF4-FFF2-40B4-BE49-F238E27FC236}">
-                <a16:creationId xmlns:a16="http://schemas.microsoft.com/office/drawing/2014/main" id="{2CD33A2D-D1B4-4678-A57E-7F61222330BF}"/>
+          <p:cNvPr id="2" name="Titel 1">
+            <a:extLst>
+              <a:ext uri="{FF2B5EF4-FFF2-40B4-BE49-F238E27FC236}">
+                <a16:creationId xmlns:a16="http://schemas.microsoft.com/office/drawing/2014/main" id="{C58A06C2-FC7E-487E-AD7E-F4DBEAF97136}"/>
               </a:ext>
             </a:extLst>
           </p:cNvPr>
@@ -5409,27 +4456,97 @@
           <a:lstStyle/>
           <a:p>
             <a:r>
-              <a:rPr lang="de-DE" altLang="zh-CN" b="1" dirty="0"/>
-              <a:t>Strategie</a:t>
-            </a:r>
-            <a:endParaRPr lang="zh-CN" altLang="en-US" b="1" dirty="0"/>
-          </a:p>
-        </p:txBody>
-      </p:sp>
-      <p:sp>
-        <p:nvSpPr>
-          <p:cNvPr id="3" name="内容占位符 2">
-            <a:extLst>
-              <a:ext uri="{FF2B5EF4-FFF2-40B4-BE49-F238E27FC236}">
-                <a16:creationId xmlns:a16="http://schemas.microsoft.com/office/drawing/2014/main" id="{2206BBF8-A6C8-4128-9CF4-12E67590D3CA}"/>
-              </a:ext>
-            </a:extLst>
-          </p:cNvPr>
-          <p:cNvSpPr>
-            <a:spLocks noGrp="1"/>
-          </p:cNvSpPr>
+              <a:rPr lang="de-DE" dirty="0"/>
+              <a:t>Algorithmen</a:t>
+            </a:r>
+          </a:p>
+        </p:txBody>
+      </p:sp>
+      <p:pic>
+        <p:nvPicPr>
+          <p:cNvPr id="4" name="Inhaltsplatzhalter 3">
+            <a:extLst>
+              <a:ext uri="{FF2B5EF4-FFF2-40B4-BE49-F238E27FC236}">
+                <a16:creationId xmlns:a16="http://schemas.microsoft.com/office/drawing/2014/main" id="{C869CF96-6ED0-423F-9BF7-D1D9C4901D2F}"/>
+              </a:ext>
+            </a:extLst>
+          </p:cNvPr>
+          <p:cNvPicPr>
+            <a:picLocks noGrp="1" noChangeAspect="1"/>
+          </p:cNvPicPr>
           <p:nvPr>
             <p:ph idx="1"/>
+          </p:nvPr>
+        </p:nvPicPr>
+        <p:blipFill>
+          <a:blip r:embed="rId2">
+            <a:extLst>
+              <a:ext uri="{28A0092B-C50C-407E-A947-70E740481C1C}">
+                <a14:useLocalDpi xmlns:a14="http://schemas.microsoft.com/office/drawing/2010/main" val="0"/>
+              </a:ext>
+              <a:ext uri="{96DAC541-7B7A-43D3-8B79-37D633B846F1}">
+                <asvg:svgBlip xmlns:asvg="http://schemas.microsoft.com/office/drawing/2016/SVG/main" r:embed="rId3"/>
+              </a:ext>
+            </a:extLst>
+          </a:blip>
+          <a:stretch>
+            <a:fillRect/>
+          </a:stretch>
+        </p:blipFill>
+        <p:spPr>
+          <a:xfrm>
+            <a:off x="838200" y="1894060"/>
+            <a:ext cx="10515600" cy="2593682"/>
+          </a:xfrm>
+          <a:prstGeom prst="rect">
+            <a:avLst/>
+          </a:prstGeom>
+        </p:spPr>
+      </p:pic>
+    </p:spTree>
+    <p:extLst>
+      <p:ext uri="{BB962C8B-B14F-4D97-AF65-F5344CB8AC3E}">
+        <p14:creationId xmlns:p14="http://schemas.microsoft.com/office/powerpoint/2010/main" val="841602721"/>
+      </p:ext>
+    </p:extLst>
+  </p:cSld>
+  <p:clrMapOvr>
+    <a:masterClrMapping/>
+  </p:clrMapOvr>
+</p:sld>
+</file>
+
+<file path=ppt/slides/slide12.xml><?xml version="1.0" encoding="utf-8"?>
+<p:sld xmlns:a="http://schemas.openxmlformats.org/drawingml/2006/main" xmlns:r="http://schemas.openxmlformats.org/officeDocument/2006/relationships" xmlns:p="http://schemas.openxmlformats.org/presentationml/2006/main">
+  <p:cSld>
+    <p:spTree>
+      <p:nvGrpSpPr>
+        <p:cNvPr id="1" name=""/>
+        <p:cNvGrpSpPr/>
+        <p:nvPr/>
+      </p:nvGrpSpPr>
+      <p:grpSpPr>
+        <a:xfrm>
+          <a:off x="0" y="0"/>
+          <a:ext cx="0" cy="0"/>
+          <a:chOff x="0" y="0"/>
+          <a:chExt cx="0" cy="0"/>
+        </a:xfrm>
+      </p:grpSpPr>
+      <p:sp>
+        <p:nvSpPr>
+          <p:cNvPr id="2" name="标题 1">
+            <a:extLst>
+              <a:ext uri="{FF2B5EF4-FFF2-40B4-BE49-F238E27FC236}">
+                <a16:creationId xmlns:a16="http://schemas.microsoft.com/office/drawing/2014/main" id="{2CD33A2D-D1B4-4678-A57E-7F61222330BF}"/>
+              </a:ext>
+            </a:extLst>
+          </p:cNvPr>
+          <p:cNvSpPr>
+            <a:spLocks noGrp="1"/>
+          </p:cNvSpPr>
+          <p:nvPr>
+            <p:ph type="title"/>
           </p:nvPr>
         </p:nvSpPr>
         <p:spPr/>
@@ -5438,28 +4555,37 @@
           <a:lstStyle/>
           <a:p>
             <a:r>
+              <a:rPr lang="de-DE" altLang="zh-CN" b="1" dirty="0"/>
+              <a:t>Strategie-Pattern</a:t>
+            </a:r>
+            <a:endParaRPr lang="zh-CN" altLang="en-US" b="1" dirty="0"/>
+          </a:p>
+        </p:txBody>
+      </p:sp>
+      <p:sp>
+        <p:nvSpPr>
+          <p:cNvPr id="3" name="内容占位符 2">
+            <a:extLst>
+              <a:ext uri="{FF2B5EF4-FFF2-40B4-BE49-F238E27FC236}">
+                <a16:creationId xmlns:a16="http://schemas.microsoft.com/office/drawing/2014/main" id="{2206BBF8-A6C8-4128-9CF4-12E67590D3CA}"/>
+              </a:ext>
+            </a:extLst>
+          </p:cNvPr>
+          <p:cNvSpPr>
+            <a:spLocks noGrp="1"/>
+          </p:cNvSpPr>
+          <p:nvPr>
+            <p:ph idx="1"/>
+          </p:nvPr>
+        </p:nvSpPr>
+        <p:spPr/>
+        <p:txBody>
+          <a:bodyPr/>
+          <a:lstStyle/>
+          <a:p>
+            <a:r>
               <a:rPr lang="de-DE" altLang="zh-CN" dirty="0"/>
-              <a:t>Agent kooperieren </a:t>
-            </a:r>
-            <a:r>
-              <a:rPr lang="de-DE" altLang="zh-CN" dirty="0" err="1"/>
-              <a:t>order</a:t>
-            </a:r>
-            <a:r>
-              <a:rPr lang="de-DE" altLang="zh-CN" dirty="0"/>
-              <a:t> nicht</a:t>
-            </a:r>
-          </a:p>
-          <a:p>
-            <a:endParaRPr lang="de-DE" altLang="zh-CN" dirty="0"/>
-          </a:p>
-          <a:p>
-            <a:endParaRPr lang="de-DE" altLang="zh-CN" dirty="0"/>
-          </a:p>
-          <a:p>
-            <a:r>
-              <a:rPr lang="de-DE" altLang="zh-CN" dirty="0"/>
-              <a:t>Verschiedener Agent hat verschiedene Strategie</a:t>
+              <a:t>Verschiedene Agenten haben verschiedene Strategien</a:t>
             </a:r>
           </a:p>
           <a:p>
@@ -5496,6 +4622,12 @@
             <a:r>
               <a:rPr lang="de-DE" altLang="zh-CN" dirty="0"/>
               <a:t>…</a:t>
+            </a:r>
+          </a:p>
+          <a:p>
+            <a:r>
+              <a:rPr lang="de-DE" altLang="zh-CN" dirty="0"/>
+              <a:t>Bewertungs-, Adaptions- und Paarungsalgorithmus</a:t>
             </a:r>
           </a:p>
           <a:p>
@@ -5601,7 +4733,7 @@
                                         <p:tgtEl>
                                           <p:spTgt spid="3">
                                             <p:txEl>
-                                              <p:pRg st="3" end="3"/>
+                                              <p:pRg st="1" end="1"/>
                                             </p:txEl>
                                           </p:spTgt>
                                         </p:tgtEl>
@@ -5650,7 +4782,7 @@
                                         <p:tgtEl>
                                           <p:spTgt spid="3">
                                             <p:txEl>
-                                              <p:pRg st="4" end="4"/>
+                                              <p:pRg st="2" end="2"/>
                                             </p:txEl>
                                           </p:spTgt>
                                         </p:tgtEl>
@@ -5699,7 +4831,7 @@
                                         <p:tgtEl>
                                           <p:spTgt spid="3">
                                             <p:txEl>
-                                              <p:pRg st="5" end="5"/>
+                                              <p:pRg st="3" end="3"/>
                                             </p:txEl>
                                           </p:spTgt>
                                         </p:tgtEl>
@@ -5748,7 +4880,7 @@
                                         <p:tgtEl>
                                           <p:spTgt spid="3">
                                             <p:txEl>
-                                              <p:pRg st="6" end="6"/>
+                                              <p:pRg st="4" end="4"/>
                                             </p:txEl>
                                           </p:spTgt>
                                         </p:tgtEl>
@@ -5797,7 +4929,7 @@
                                         <p:tgtEl>
                                           <p:spTgt spid="3">
                                             <p:txEl>
-                                              <p:pRg st="7" end="7"/>
+                                              <p:pRg st="5" end="5"/>
                                             </p:txEl>
                                           </p:spTgt>
                                         </p:tgtEl>
@@ -5843,903 +4975,6 @@
 </p:sld>
 </file>
 
-<file path=ppt/slides/slide12.xml><?xml version="1.0" encoding="utf-8"?>
-<p:sld xmlns:a="http://schemas.openxmlformats.org/drawingml/2006/main" xmlns:r="http://schemas.openxmlformats.org/officeDocument/2006/relationships" xmlns:p="http://schemas.openxmlformats.org/presentationml/2006/main">
-  <p:cSld>
-    <p:spTree>
-      <p:nvGrpSpPr>
-        <p:cNvPr id="1" name=""/>
-        <p:cNvGrpSpPr/>
-        <p:nvPr/>
-      </p:nvGrpSpPr>
-      <p:grpSpPr>
-        <a:xfrm>
-          <a:off x="0" y="0"/>
-          <a:ext cx="0" cy="0"/>
-          <a:chOff x="0" y="0"/>
-          <a:chExt cx="0" cy="0"/>
-        </a:xfrm>
-      </p:grpSpPr>
-      <p:sp>
-        <p:nvSpPr>
-          <p:cNvPr id="2" name="标题 1">
-            <a:extLst>
-              <a:ext uri="{FF2B5EF4-FFF2-40B4-BE49-F238E27FC236}">
-                <a16:creationId xmlns:a16="http://schemas.microsoft.com/office/drawing/2014/main" id="{D51FFC0E-BAC0-4A10-958C-D153DF501CAA}"/>
-              </a:ext>
-            </a:extLst>
-          </p:cNvPr>
-          <p:cNvSpPr>
-            <a:spLocks noGrp="1"/>
-          </p:cNvSpPr>
-          <p:nvPr>
-            <p:ph type="title"/>
-          </p:nvPr>
-        </p:nvSpPr>
-        <p:spPr>
-          <a:xfrm>
-            <a:off x="838200" y="365125"/>
-            <a:ext cx="10515600" cy="1325563"/>
-          </a:xfrm>
-        </p:spPr>
-        <p:txBody>
-          <a:bodyPr/>
-          <a:lstStyle/>
-          <a:p>
-            <a:r>
-              <a:rPr lang="de-DE" altLang="zh-CN" b="1" dirty="0"/>
-              <a:t>Strategie</a:t>
-            </a:r>
-            <a:endParaRPr lang="zh-CN" altLang="en-US" dirty="0"/>
-          </a:p>
-        </p:txBody>
-      </p:sp>
-      <p:sp>
-        <p:nvSpPr>
-          <p:cNvPr id="4" name="Rechteck 3">
-            <a:extLst>
-              <a:ext uri="{FF2B5EF4-FFF2-40B4-BE49-F238E27FC236}">
-                <a16:creationId xmlns:a16="http://schemas.microsoft.com/office/drawing/2014/main" id="{6F60377A-CA8A-454C-A192-65AC487135CD}"/>
-              </a:ext>
-            </a:extLst>
-          </p:cNvPr>
-          <p:cNvSpPr/>
-          <p:nvPr/>
-        </p:nvSpPr>
-        <p:spPr>
-          <a:xfrm>
-            <a:off x="4884765" y="1871216"/>
-            <a:ext cx="2687098" cy="1107584"/>
-          </a:xfrm>
-          <a:prstGeom prst="rect">
-            <a:avLst/>
-          </a:prstGeom>
-          <a:solidFill>
-            <a:schemeClr val="bg1"/>
-          </a:solidFill>
-          <a:ln>
-            <a:solidFill>
-              <a:schemeClr val="tx1"/>
-            </a:solidFill>
-          </a:ln>
-        </p:spPr>
-        <p:style>
-          <a:lnRef idx="2">
-            <a:schemeClr val="accent1">
-              <a:shade val="50000"/>
-            </a:schemeClr>
-          </a:lnRef>
-          <a:fillRef idx="1">
-            <a:schemeClr val="accent1"/>
-          </a:fillRef>
-          <a:effectRef idx="0">
-            <a:schemeClr val="accent1"/>
-          </a:effectRef>
-          <a:fontRef idx="minor">
-            <a:schemeClr val="lt1"/>
-          </a:fontRef>
-        </p:style>
-        <p:txBody>
-          <a:bodyPr rtlCol="0" anchor="t"/>
-          <a:lstStyle/>
-          <a:p>
-            <a:pPr algn="ctr"/>
-            <a:r>
-              <a:rPr lang="de-DE" dirty="0" err="1">
-                <a:solidFill>
-                  <a:schemeClr val="tx1"/>
-                </a:solidFill>
-              </a:rPr>
-              <a:t>BaseStrategy</a:t>
-            </a:r>
-            <a:endParaRPr lang="de-DE" dirty="0">
-              <a:solidFill>
-                <a:schemeClr val="tx1"/>
-              </a:solidFill>
-            </a:endParaRPr>
-          </a:p>
-        </p:txBody>
-      </p:sp>
-      <p:sp>
-        <p:nvSpPr>
-          <p:cNvPr id="5" name="Rechteck 4">
-            <a:extLst>
-              <a:ext uri="{FF2B5EF4-FFF2-40B4-BE49-F238E27FC236}">
-                <a16:creationId xmlns:a16="http://schemas.microsoft.com/office/drawing/2014/main" id="{740E1256-5553-4475-A691-ACAF5D4441D5}"/>
-              </a:ext>
-            </a:extLst>
-          </p:cNvPr>
-          <p:cNvSpPr/>
-          <p:nvPr/>
-        </p:nvSpPr>
-        <p:spPr>
-          <a:xfrm>
-            <a:off x="1643211" y="4589212"/>
-            <a:ext cx="1787833" cy="1107584"/>
-          </a:xfrm>
-          <a:prstGeom prst="rect">
-            <a:avLst/>
-          </a:prstGeom>
-          <a:solidFill>
-            <a:schemeClr val="bg1"/>
-          </a:solidFill>
-          <a:ln>
-            <a:solidFill>
-              <a:schemeClr val="tx1"/>
-            </a:solidFill>
-          </a:ln>
-        </p:spPr>
-        <p:style>
-          <a:lnRef idx="2">
-            <a:schemeClr val="accent1">
-              <a:shade val="50000"/>
-            </a:schemeClr>
-          </a:lnRef>
-          <a:fillRef idx="1">
-            <a:schemeClr val="accent1"/>
-          </a:fillRef>
-          <a:effectRef idx="0">
-            <a:schemeClr val="accent1"/>
-          </a:effectRef>
-          <a:fontRef idx="minor">
-            <a:schemeClr val="lt1"/>
-          </a:fontRef>
-        </p:style>
-        <p:txBody>
-          <a:bodyPr rtlCol="0" anchor="ctr"/>
-          <a:lstStyle/>
-          <a:p>
-            <a:pPr algn="ctr"/>
-            <a:r>
-              <a:rPr lang="de-DE" sz="1400" dirty="0" err="1">
-                <a:solidFill>
-                  <a:schemeClr val="tx1"/>
-                </a:solidFill>
-              </a:rPr>
-              <a:t>AlwaysCooperate</a:t>
-            </a:r>
-            <a:endParaRPr lang="de-DE" sz="1400" dirty="0">
-              <a:solidFill>
-                <a:schemeClr val="tx1"/>
-              </a:solidFill>
-            </a:endParaRPr>
-          </a:p>
-        </p:txBody>
-      </p:sp>
-      <p:sp>
-        <p:nvSpPr>
-          <p:cNvPr id="6" name="Gleichschenkliges Dreieck 8">
-            <a:extLst>
-              <a:ext uri="{FF2B5EF4-FFF2-40B4-BE49-F238E27FC236}">
-                <a16:creationId xmlns:a16="http://schemas.microsoft.com/office/drawing/2014/main" id="{DA6B8FB8-5EDD-4183-B0DC-3B4D65AA63FE}"/>
-              </a:ext>
-            </a:extLst>
-          </p:cNvPr>
-          <p:cNvSpPr/>
-          <p:nvPr/>
-        </p:nvSpPr>
-        <p:spPr>
-          <a:xfrm>
-            <a:off x="5879975" y="2962498"/>
-            <a:ext cx="432048" cy="404584"/>
-          </a:xfrm>
-          <a:prstGeom prst="triangle">
-            <a:avLst/>
-          </a:prstGeom>
-          <a:solidFill>
-            <a:schemeClr val="bg1"/>
-          </a:solidFill>
-          <a:ln>
-            <a:solidFill>
-              <a:schemeClr val="tx1"/>
-            </a:solidFill>
-          </a:ln>
-        </p:spPr>
-        <p:style>
-          <a:lnRef idx="2">
-            <a:schemeClr val="accent1">
-              <a:shade val="50000"/>
-            </a:schemeClr>
-          </a:lnRef>
-          <a:fillRef idx="1">
-            <a:schemeClr val="accent1"/>
-          </a:fillRef>
-          <a:effectRef idx="0">
-            <a:schemeClr val="accent1"/>
-          </a:effectRef>
-          <a:fontRef idx="minor">
-            <a:schemeClr val="lt1"/>
-          </a:fontRef>
-        </p:style>
-        <p:txBody>
-          <a:bodyPr rtlCol="0" anchor="ctr"/>
-          <a:lstStyle/>
-          <a:p>
-            <a:pPr algn="ctr"/>
-            <a:endParaRPr lang="de-DE"/>
-          </a:p>
-        </p:txBody>
-      </p:sp>
-      <p:cxnSp>
-        <p:nvCxnSpPr>
-          <p:cNvPr id="7" name="Gerader Verbinder 10">
-            <a:extLst>
-              <a:ext uri="{FF2B5EF4-FFF2-40B4-BE49-F238E27FC236}">
-                <a16:creationId xmlns:a16="http://schemas.microsoft.com/office/drawing/2014/main" id="{07786C92-5936-49B0-8513-8B4A0789D51E}"/>
-              </a:ext>
-            </a:extLst>
-          </p:cNvPr>
-          <p:cNvCxnSpPr>
-            <a:cxnSpLocks/>
-            <a:stCxn id="6" idx="3"/>
-          </p:cNvCxnSpPr>
-          <p:nvPr/>
-        </p:nvCxnSpPr>
-        <p:spPr>
-          <a:xfrm>
-            <a:off x="6095999" y="3367082"/>
-            <a:ext cx="0" cy="792088"/>
-          </a:xfrm>
-          <a:prstGeom prst="line">
-            <a:avLst/>
-          </a:prstGeom>
-          <a:ln w="38100">
-            <a:solidFill>
-              <a:schemeClr val="tx1"/>
-            </a:solidFill>
-          </a:ln>
-        </p:spPr>
-        <p:style>
-          <a:lnRef idx="1">
-            <a:schemeClr val="accent1"/>
-          </a:lnRef>
-          <a:fillRef idx="0">
-            <a:schemeClr val="accent1"/>
-          </a:fillRef>
-          <a:effectRef idx="0">
-            <a:schemeClr val="accent1"/>
-          </a:effectRef>
-          <a:fontRef idx="minor">
-            <a:schemeClr val="tx1"/>
-          </a:fontRef>
-        </p:style>
-      </p:cxnSp>
-      <p:sp>
-        <p:nvSpPr>
-          <p:cNvPr id="8" name="Rechteck 19">
-            <a:extLst>
-              <a:ext uri="{FF2B5EF4-FFF2-40B4-BE49-F238E27FC236}">
-                <a16:creationId xmlns:a16="http://schemas.microsoft.com/office/drawing/2014/main" id="{6485CD36-BF33-4DD3-A39C-F7E33EFB16F5}"/>
-              </a:ext>
-            </a:extLst>
-          </p:cNvPr>
-          <p:cNvSpPr/>
-          <p:nvPr/>
-        </p:nvSpPr>
-        <p:spPr>
-          <a:xfrm>
-            <a:off x="3885197" y="4574340"/>
-            <a:ext cx="1787833" cy="1107584"/>
-          </a:xfrm>
-          <a:prstGeom prst="rect">
-            <a:avLst/>
-          </a:prstGeom>
-          <a:solidFill>
-            <a:schemeClr val="bg1"/>
-          </a:solidFill>
-          <a:ln>
-            <a:solidFill>
-              <a:schemeClr val="tx1"/>
-            </a:solidFill>
-          </a:ln>
-        </p:spPr>
-        <p:style>
-          <a:lnRef idx="2">
-            <a:schemeClr val="accent1">
-              <a:shade val="50000"/>
-            </a:schemeClr>
-          </a:lnRef>
-          <a:fillRef idx="1">
-            <a:schemeClr val="accent1"/>
-          </a:fillRef>
-          <a:effectRef idx="0">
-            <a:schemeClr val="accent1"/>
-          </a:effectRef>
-          <a:fontRef idx="minor">
-            <a:schemeClr val="lt1"/>
-          </a:fontRef>
-        </p:style>
-        <p:txBody>
-          <a:bodyPr rtlCol="0" anchor="ctr"/>
-          <a:lstStyle/>
-          <a:p>
-            <a:pPr algn="ctr"/>
-            <a:r>
-              <a:rPr lang="de-DE" sz="1400" dirty="0" err="1">
-                <a:solidFill>
-                  <a:schemeClr val="tx1"/>
-                </a:solidFill>
-              </a:rPr>
-              <a:t>NeverCooperate</a:t>
-            </a:r>
-            <a:endParaRPr lang="de-DE" sz="1400" dirty="0">
-              <a:solidFill>
-                <a:schemeClr val="tx1"/>
-              </a:solidFill>
-            </a:endParaRPr>
-          </a:p>
-        </p:txBody>
-      </p:sp>
-      <p:sp>
-        <p:nvSpPr>
-          <p:cNvPr id="9" name="Rechteck 21">
-            <a:extLst>
-              <a:ext uri="{FF2B5EF4-FFF2-40B4-BE49-F238E27FC236}">
-                <a16:creationId xmlns:a16="http://schemas.microsoft.com/office/drawing/2014/main" id="{C2818A1D-5B11-47B5-9817-BF8A056A09F4}"/>
-              </a:ext>
-            </a:extLst>
-          </p:cNvPr>
-          <p:cNvSpPr/>
-          <p:nvPr/>
-        </p:nvSpPr>
-        <p:spPr>
-          <a:xfrm>
-            <a:off x="6138170" y="4589212"/>
-            <a:ext cx="1787833" cy="1107584"/>
-          </a:xfrm>
-          <a:prstGeom prst="rect">
-            <a:avLst/>
-          </a:prstGeom>
-          <a:solidFill>
-            <a:schemeClr val="bg1"/>
-          </a:solidFill>
-          <a:ln>
-            <a:solidFill>
-              <a:schemeClr val="tx1"/>
-            </a:solidFill>
-          </a:ln>
-        </p:spPr>
-        <p:style>
-          <a:lnRef idx="2">
-            <a:schemeClr val="accent1">
-              <a:shade val="50000"/>
-            </a:schemeClr>
-          </a:lnRef>
-          <a:fillRef idx="1">
-            <a:schemeClr val="accent1"/>
-          </a:fillRef>
-          <a:effectRef idx="0">
-            <a:schemeClr val="accent1"/>
-          </a:effectRef>
-          <a:fontRef idx="minor">
-            <a:schemeClr val="lt1"/>
-          </a:fontRef>
-        </p:style>
-        <p:txBody>
-          <a:bodyPr rtlCol="0" anchor="ctr"/>
-          <a:lstStyle/>
-          <a:p>
-            <a:pPr algn="ctr"/>
-            <a:r>
-              <a:rPr lang="de-DE" sz="1400" dirty="0">
-                <a:solidFill>
-                  <a:schemeClr val="tx1"/>
-                </a:solidFill>
-              </a:rPr>
-              <a:t>TitForTat1</a:t>
-            </a:r>
-          </a:p>
-        </p:txBody>
-      </p:sp>
-      <p:sp>
-        <p:nvSpPr>
-          <p:cNvPr id="10" name="Rechteck 22">
-            <a:extLst>
-              <a:ext uri="{FF2B5EF4-FFF2-40B4-BE49-F238E27FC236}">
-                <a16:creationId xmlns:a16="http://schemas.microsoft.com/office/drawing/2014/main" id="{879607CE-5629-42A3-BC4D-32DEDF0D5A45}"/>
-              </a:ext>
-            </a:extLst>
-          </p:cNvPr>
-          <p:cNvSpPr/>
-          <p:nvPr/>
-        </p:nvSpPr>
-        <p:spPr>
-          <a:xfrm>
-            <a:off x="8318850" y="4574340"/>
-            <a:ext cx="1787833" cy="1107584"/>
-          </a:xfrm>
-          <a:prstGeom prst="rect">
-            <a:avLst/>
-          </a:prstGeom>
-          <a:solidFill>
-            <a:schemeClr val="bg1"/>
-          </a:solidFill>
-          <a:ln>
-            <a:solidFill>
-              <a:schemeClr val="tx1"/>
-            </a:solidFill>
-          </a:ln>
-        </p:spPr>
-        <p:style>
-          <a:lnRef idx="2">
-            <a:schemeClr val="accent1">
-              <a:shade val="50000"/>
-            </a:schemeClr>
-          </a:lnRef>
-          <a:fillRef idx="1">
-            <a:schemeClr val="accent1"/>
-          </a:fillRef>
-          <a:effectRef idx="0">
-            <a:schemeClr val="accent1"/>
-          </a:effectRef>
-          <a:fontRef idx="minor">
-            <a:schemeClr val="lt1"/>
-          </a:fontRef>
-        </p:style>
-        <p:txBody>
-          <a:bodyPr rtlCol="0" anchor="ctr"/>
-          <a:lstStyle/>
-          <a:p>
-            <a:pPr algn="ctr"/>
-            <a:r>
-              <a:rPr lang="de-DE" sz="1400" dirty="0">
-                <a:solidFill>
-                  <a:schemeClr val="tx1"/>
-                </a:solidFill>
-              </a:rPr>
-              <a:t>TitForTat2</a:t>
-            </a:r>
-          </a:p>
-        </p:txBody>
-      </p:sp>
-      <p:cxnSp>
-        <p:nvCxnSpPr>
-          <p:cNvPr id="11" name="Gerader Verbinder 23">
-            <a:extLst>
-              <a:ext uri="{FF2B5EF4-FFF2-40B4-BE49-F238E27FC236}">
-                <a16:creationId xmlns:a16="http://schemas.microsoft.com/office/drawing/2014/main" id="{182488D2-5363-4812-BA8D-98E79B1F21D2}"/>
-              </a:ext>
-            </a:extLst>
-          </p:cNvPr>
-          <p:cNvCxnSpPr>
-            <a:cxnSpLocks/>
-          </p:cNvCxnSpPr>
-          <p:nvPr/>
-        </p:nvCxnSpPr>
-        <p:spPr>
-          <a:xfrm>
-            <a:off x="2537128" y="4159170"/>
-            <a:ext cx="1" cy="430042"/>
-          </a:xfrm>
-          <a:prstGeom prst="line">
-            <a:avLst/>
-          </a:prstGeom>
-          <a:ln w="38100">
-            <a:solidFill>
-              <a:schemeClr val="tx1"/>
-            </a:solidFill>
-          </a:ln>
-        </p:spPr>
-        <p:style>
-          <a:lnRef idx="1">
-            <a:schemeClr val="accent1"/>
-          </a:lnRef>
-          <a:fillRef idx="0">
-            <a:schemeClr val="accent1"/>
-          </a:fillRef>
-          <a:effectRef idx="0">
-            <a:schemeClr val="accent1"/>
-          </a:effectRef>
-          <a:fontRef idx="minor">
-            <a:schemeClr val="tx1"/>
-          </a:fontRef>
-        </p:style>
-      </p:cxnSp>
-      <p:cxnSp>
-        <p:nvCxnSpPr>
-          <p:cNvPr id="12" name="Gerader Verbinder 26">
-            <a:extLst>
-              <a:ext uri="{FF2B5EF4-FFF2-40B4-BE49-F238E27FC236}">
-                <a16:creationId xmlns:a16="http://schemas.microsoft.com/office/drawing/2014/main" id="{74C299C6-EF4A-4FEF-BB72-3042B89A5A9B}"/>
-              </a:ext>
-            </a:extLst>
-          </p:cNvPr>
-          <p:cNvCxnSpPr/>
-          <p:nvPr/>
-        </p:nvCxnSpPr>
-        <p:spPr>
-          <a:xfrm>
-            <a:off x="4753516" y="4159170"/>
-            <a:ext cx="1" cy="430042"/>
-          </a:xfrm>
-          <a:prstGeom prst="line">
-            <a:avLst/>
-          </a:prstGeom>
-          <a:ln w="38100">
-            <a:solidFill>
-              <a:schemeClr val="tx1"/>
-            </a:solidFill>
-          </a:ln>
-        </p:spPr>
-        <p:style>
-          <a:lnRef idx="1">
-            <a:schemeClr val="accent1"/>
-          </a:lnRef>
-          <a:fillRef idx="0">
-            <a:schemeClr val="accent1"/>
-          </a:fillRef>
-          <a:effectRef idx="0">
-            <a:schemeClr val="accent1"/>
-          </a:effectRef>
-          <a:fontRef idx="minor">
-            <a:schemeClr val="tx1"/>
-          </a:fontRef>
-        </p:style>
-      </p:cxnSp>
-      <p:cxnSp>
-        <p:nvCxnSpPr>
-          <p:cNvPr id="13" name="Gerader Verbinder 27">
-            <a:extLst>
-              <a:ext uri="{FF2B5EF4-FFF2-40B4-BE49-F238E27FC236}">
-                <a16:creationId xmlns:a16="http://schemas.microsoft.com/office/drawing/2014/main" id="{F8139A1E-AB8A-41C5-B9A1-A6B664A6F897}"/>
-              </a:ext>
-            </a:extLst>
-          </p:cNvPr>
-          <p:cNvCxnSpPr/>
-          <p:nvPr/>
-        </p:nvCxnSpPr>
-        <p:spPr>
-          <a:xfrm>
-            <a:off x="7018495" y="4159170"/>
-            <a:ext cx="1" cy="430042"/>
-          </a:xfrm>
-          <a:prstGeom prst="line">
-            <a:avLst/>
-          </a:prstGeom>
-          <a:ln w="38100">
-            <a:solidFill>
-              <a:schemeClr val="tx1"/>
-            </a:solidFill>
-          </a:ln>
-        </p:spPr>
-        <p:style>
-          <a:lnRef idx="1">
-            <a:schemeClr val="accent1"/>
-          </a:lnRef>
-          <a:fillRef idx="0">
-            <a:schemeClr val="accent1"/>
-          </a:fillRef>
-          <a:effectRef idx="0">
-            <a:schemeClr val="accent1"/>
-          </a:effectRef>
-          <a:fontRef idx="minor">
-            <a:schemeClr val="tx1"/>
-          </a:fontRef>
-        </p:style>
-      </p:cxnSp>
-      <p:cxnSp>
-        <p:nvCxnSpPr>
-          <p:cNvPr id="14" name="Gerader Verbinder 28">
-            <a:extLst>
-              <a:ext uri="{FF2B5EF4-FFF2-40B4-BE49-F238E27FC236}">
-                <a16:creationId xmlns:a16="http://schemas.microsoft.com/office/drawing/2014/main" id="{F31CFECA-560D-4D78-BB7F-A9F8905F2F73}"/>
-              </a:ext>
-            </a:extLst>
-          </p:cNvPr>
-          <p:cNvCxnSpPr/>
-          <p:nvPr/>
-        </p:nvCxnSpPr>
-        <p:spPr>
-          <a:xfrm>
-            <a:off x="9199479" y="4144298"/>
-            <a:ext cx="1" cy="430042"/>
-          </a:xfrm>
-          <a:prstGeom prst="line">
-            <a:avLst/>
-          </a:prstGeom>
-          <a:ln w="38100">
-            <a:solidFill>
-              <a:schemeClr val="tx1"/>
-            </a:solidFill>
-          </a:ln>
-        </p:spPr>
-        <p:style>
-          <a:lnRef idx="1">
-            <a:schemeClr val="accent1"/>
-          </a:lnRef>
-          <a:fillRef idx="0">
-            <a:schemeClr val="accent1"/>
-          </a:fillRef>
-          <a:effectRef idx="0">
-            <a:schemeClr val="accent1"/>
-          </a:effectRef>
-          <a:fontRef idx="minor">
-            <a:schemeClr val="tx1"/>
-          </a:fontRef>
-        </p:style>
-      </p:cxnSp>
-      <p:cxnSp>
-        <p:nvCxnSpPr>
-          <p:cNvPr id="15" name="Gerader Verbinder 29">
-            <a:extLst>
-              <a:ext uri="{FF2B5EF4-FFF2-40B4-BE49-F238E27FC236}">
-                <a16:creationId xmlns:a16="http://schemas.microsoft.com/office/drawing/2014/main" id="{77912F88-4759-4718-B021-2BAE918EB609}"/>
-              </a:ext>
-            </a:extLst>
-          </p:cNvPr>
-          <p:cNvCxnSpPr>
-            <a:cxnSpLocks/>
-          </p:cNvCxnSpPr>
-          <p:nvPr/>
-        </p:nvCxnSpPr>
-        <p:spPr>
-          <a:xfrm>
-            <a:off x="2529160" y="4159170"/>
-            <a:ext cx="8538466" cy="0"/>
-          </a:xfrm>
-          <a:prstGeom prst="line">
-            <a:avLst/>
-          </a:prstGeom>
-          <a:ln w="38100">
-            <a:solidFill>
-              <a:schemeClr val="tx1"/>
-            </a:solidFill>
-          </a:ln>
-        </p:spPr>
-        <p:style>
-          <a:lnRef idx="1">
-            <a:schemeClr val="accent1"/>
-          </a:lnRef>
-          <a:fillRef idx="0">
-            <a:schemeClr val="accent1"/>
-          </a:fillRef>
-          <a:effectRef idx="0">
-            <a:schemeClr val="accent1"/>
-          </a:effectRef>
-          <a:fontRef idx="minor">
-            <a:schemeClr val="tx1"/>
-          </a:fontRef>
-        </p:style>
-      </p:cxnSp>
-      <p:cxnSp>
-        <p:nvCxnSpPr>
-          <p:cNvPr id="16" name="Gerader Verbinder 32">
-            <a:extLst>
-              <a:ext uri="{FF2B5EF4-FFF2-40B4-BE49-F238E27FC236}">
-                <a16:creationId xmlns:a16="http://schemas.microsoft.com/office/drawing/2014/main" id="{518D86B2-DF0C-4D8E-8D94-72AA709788D3}"/>
-              </a:ext>
-            </a:extLst>
-          </p:cNvPr>
-          <p:cNvCxnSpPr>
-            <a:cxnSpLocks/>
-          </p:cNvCxnSpPr>
-          <p:nvPr/>
-        </p:nvCxnSpPr>
-        <p:spPr>
-          <a:xfrm flipV="1">
-            <a:off x="4884764" y="2257795"/>
-            <a:ext cx="2687098" cy="28958"/>
-          </a:xfrm>
-          <a:prstGeom prst="line">
-            <a:avLst/>
-          </a:prstGeom>
-          <a:ln w="38100">
-            <a:solidFill>
-              <a:schemeClr val="tx1"/>
-            </a:solidFill>
-          </a:ln>
-        </p:spPr>
-        <p:style>
-          <a:lnRef idx="1">
-            <a:schemeClr val="accent1"/>
-          </a:lnRef>
-          <a:fillRef idx="0">
-            <a:schemeClr val="accent1"/>
-          </a:fillRef>
-          <a:effectRef idx="0">
-            <a:schemeClr val="accent1"/>
-          </a:effectRef>
-          <a:fontRef idx="minor">
-            <a:schemeClr val="tx1"/>
-          </a:fontRef>
-        </p:style>
-      </p:cxnSp>
-      <p:sp>
-        <p:nvSpPr>
-          <p:cNvPr id="17" name="Textfeld 36">
-            <a:extLst>
-              <a:ext uri="{FF2B5EF4-FFF2-40B4-BE49-F238E27FC236}">
-                <a16:creationId xmlns:a16="http://schemas.microsoft.com/office/drawing/2014/main" id="{1DA88470-B918-403C-B5BE-84A497276657}"/>
-              </a:ext>
-            </a:extLst>
-          </p:cNvPr>
-          <p:cNvSpPr txBox="1"/>
-          <p:nvPr/>
-        </p:nvSpPr>
-        <p:spPr>
-          <a:xfrm>
-            <a:off x="4884765" y="2447481"/>
-            <a:ext cx="2687098" cy="584775"/>
-          </a:xfrm>
-          <a:prstGeom prst="rect">
-            <a:avLst/>
-          </a:prstGeom>
-          <a:noFill/>
-        </p:spPr>
-        <p:txBody>
-          <a:bodyPr wrap="square" rtlCol="0">
-            <a:spAutoFit/>
-          </a:bodyPr>
-          <a:lstStyle/>
-          <a:p>
-            <a:r>
-              <a:rPr lang="de-DE" sz="1600" i="1" dirty="0"/>
-              <a:t>+</a:t>
-            </a:r>
-            <a:r>
-              <a:rPr lang="de-DE" sz="1600" i="1" dirty="0" err="1"/>
-              <a:t>calculateAction</a:t>
-            </a:r>
-            <a:r>
-              <a:rPr lang="de-DE" sz="1600" i="1" dirty="0"/>
-              <a:t>(:Agent Agent):Action</a:t>
-            </a:r>
-          </a:p>
-        </p:txBody>
-      </p:sp>
-      <p:cxnSp>
-        <p:nvCxnSpPr>
-          <p:cNvPr id="18" name="Gerader Verbinder 37">
-            <a:extLst>
-              <a:ext uri="{FF2B5EF4-FFF2-40B4-BE49-F238E27FC236}">
-                <a16:creationId xmlns:a16="http://schemas.microsoft.com/office/drawing/2014/main" id="{B4EC8855-0DEB-4632-863E-38EDA5C802B7}"/>
-              </a:ext>
-            </a:extLst>
-          </p:cNvPr>
-          <p:cNvCxnSpPr>
-            <a:cxnSpLocks/>
-          </p:cNvCxnSpPr>
-          <p:nvPr/>
-        </p:nvCxnSpPr>
-        <p:spPr>
-          <a:xfrm flipV="1">
-            <a:off x="4884764" y="2425008"/>
-            <a:ext cx="2687098" cy="28958"/>
-          </a:xfrm>
-          <a:prstGeom prst="line">
-            <a:avLst/>
-          </a:prstGeom>
-          <a:ln w="38100">
-            <a:solidFill>
-              <a:schemeClr val="tx1"/>
-            </a:solidFill>
-          </a:ln>
-        </p:spPr>
-        <p:style>
-          <a:lnRef idx="1">
-            <a:schemeClr val="accent1"/>
-          </a:lnRef>
-          <a:fillRef idx="0">
-            <a:schemeClr val="accent1"/>
-          </a:fillRef>
-          <a:effectRef idx="0">
-            <a:schemeClr val="accent1"/>
-          </a:effectRef>
-          <a:fontRef idx="minor">
-            <a:schemeClr val="tx1"/>
-          </a:fontRef>
-        </p:style>
-      </p:cxnSp>
-      <p:cxnSp>
-        <p:nvCxnSpPr>
-          <p:cNvPr id="39" name="Gerader Verbinder 27">
-            <a:extLst>
-              <a:ext uri="{FF2B5EF4-FFF2-40B4-BE49-F238E27FC236}">
-                <a16:creationId xmlns:a16="http://schemas.microsoft.com/office/drawing/2014/main" id="{B464E60D-00EA-4780-9042-F0C763EDF45B}"/>
-              </a:ext>
-            </a:extLst>
-          </p:cNvPr>
-          <p:cNvCxnSpPr/>
-          <p:nvPr/>
-        </p:nvCxnSpPr>
-        <p:spPr>
-          <a:xfrm>
-            <a:off x="10987311" y="4144298"/>
-            <a:ext cx="1" cy="430042"/>
-          </a:xfrm>
-          <a:prstGeom prst="line">
-            <a:avLst/>
-          </a:prstGeom>
-          <a:ln w="38100">
-            <a:solidFill>
-              <a:schemeClr val="tx1"/>
-            </a:solidFill>
-          </a:ln>
-        </p:spPr>
-        <p:style>
-          <a:lnRef idx="1">
-            <a:schemeClr val="accent1"/>
-          </a:lnRef>
-          <a:fillRef idx="0">
-            <a:schemeClr val="accent1"/>
-          </a:fillRef>
-          <a:effectRef idx="0">
-            <a:schemeClr val="accent1"/>
-          </a:effectRef>
-          <a:fontRef idx="minor">
-            <a:schemeClr val="tx1"/>
-          </a:fontRef>
-        </p:style>
-      </p:cxnSp>
-      <p:sp>
-        <p:nvSpPr>
-          <p:cNvPr id="40" name="文本框 39">
-            <a:extLst>
-              <a:ext uri="{FF2B5EF4-FFF2-40B4-BE49-F238E27FC236}">
-                <a16:creationId xmlns:a16="http://schemas.microsoft.com/office/drawing/2014/main" id="{247950B4-C584-4C8E-BBF9-29F0DDCC1324}"/>
-              </a:ext>
-            </a:extLst>
-          </p:cNvPr>
-          <p:cNvSpPr txBox="1"/>
-          <p:nvPr/>
-        </p:nvSpPr>
-        <p:spPr>
-          <a:xfrm>
-            <a:off x="10644909" y="4824420"/>
-            <a:ext cx="684803" cy="461665"/>
-          </a:xfrm>
-          <a:prstGeom prst="rect">
-            <a:avLst/>
-          </a:prstGeom>
-          <a:noFill/>
-        </p:spPr>
-        <p:txBody>
-          <a:bodyPr wrap="none" rtlCol="0">
-            <a:spAutoFit/>
-          </a:bodyPr>
-          <a:lstStyle/>
-          <a:p>
-            <a:r>
-              <a:rPr lang="de-DE" altLang="zh-CN" sz="2400" b="1" dirty="0"/>
-              <a:t>……</a:t>
-            </a:r>
-            <a:endParaRPr lang="zh-CN" altLang="en-US" sz="2400" b="1" dirty="0"/>
-          </a:p>
-        </p:txBody>
-      </p:sp>
-    </p:spTree>
-    <p:extLst>
-      <p:ext uri="{BB962C8B-B14F-4D97-AF65-F5344CB8AC3E}">
-        <p14:creationId xmlns:p14="http://schemas.microsoft.com/office/powerpoint/2010/main" val="2956289198"/>
-      </p:ext>
-    </p:extLst>
-  </p:cSld>
-  <p:clrMapOvr>
-    <a:masterClrMapping/>
-  </p:clrMapOvr>
-</p:sld>
-</file>
-
 <file path=ppt/slides/slide13.xml><?xml version="1.0" encoding="utf-8"?>
 <p:sld xmlns:a="http://schemas.openxmlformats.org/drawingml/2006/main" xmlns:r="http://schemas.openxmlformats.org/officeDocument/2006/relationships" xmlns:p="http://schemas.openxmlformats.org/presentationml/2006/main">
   <p:cSld>
@@ -6762,7 +4997,7 @@
           <p:cNvPr id="2" name="标题 1">
             <a:extLst>
               <a:ext uri="{FF2B5EF4-FFF2-40B4-BE49-F238E27FC236}">
-                <a16:creationId xmlns:a16="http://schemas.microsoft.com/office/drawing/2014/main" id="{45F04CEA-D319-458B-B0D7-5F8EDBAE4F8F}"/>
+                <a16:creationId xmlns:a16="http://schemas.microsoft.com/office/drawing/2014/main" id="{D51FFC0E-BAC0-4A10-958C-D153DF501CAA}"/>
               </a:ext>
             </a:extLst>
           </p:cNvPr>
@@ -6773,59 +5008,67 @@
             <p:ph type="title"/>
           </p:nvPr>
         </p:nvSpPr>
-        <p:spPr/>
+        <p:spPr>
+          <a:xfrm>
+            <a:off x="838200" y="365125"/>
+            <a:ext cx="10515600" cy="1325563"/>
+          </a:xfrm>
+        </p:spPr>
         <p:txBody>
           <a:bodyPr/>
           <a:lstStyle/>
           <a:p>
             <a:r>
               <a:rPr lang="de-DE" altLang="zh-CN" b="1" dirty="0"/>
-              <a:t>Weitere Entwurfsmuster</a:t>
-            </a:r>
-            <a:endParaRPr lang="zh-CN" altLang="en-US" b="1" dirty="0"/>
-          </a:p>
-        </p:txBody>
-      </p:sp>
-      <p:sp>
-        <p:nvSpPr>
-          <p:cNvPr id="3" name="内容占位符 2">
-            <a:extLst>
-              <a:ext uri="{FF2B5EF4-FFF2-40B4-BE49-F238E27FC236}">
-                <a16:creationId xmlns:a16="http://schemas.microsoft.com/office/drawing/2014/main" id="{32071339-578F-4FA1-8E84-3E0847F00DBC}"/>
-              </a:ext>
-            </a:extLst>
-          </p:cNvPr>
-          <p:cNvSpPr>
-            <a:spLocks noGrp="1"/>
-          </p:cNvSpPr>
-          <p:nvPr>
-            <p:ph idx="1"/>
-          </p:nvPr>
-        </p:nvSpPr>
-        <p:spPr/>
-        <p:txBody>
-          <a:bodyPr/>
-          <a:lstStyle/>
-          <a:p>
-            <a:r>
-              <a:rPr lang="de-DE" altLang="zh-CN" dirty="0"/>
-              <a:t>Fassade bei </a:t>
-            </a:r>
-            <a:r>
-              <a:rPr lang="de-DE" altLang="zh-CN" dirty="0" err="1"/>
-              <a:t>Algorithms</a:t>
-            </a:r>
-            <a:endParaRPr lang="de-DE" altLang="zh-CN" dirty="0"/>
-          </a:p>
-          <a:p>
+              <a:t>Strategie</a:t>
+            </a:r>
             <a:endParaRPr lang="zh-CN" altLang="en-US" dirty="0"/>
           </a:p>
         </p:txBody>
       </p:sp>
+      <p:pic>
+        <p:nvPicPr>
+          <p:cNvPr id="19" name="Grafik 18">
+            <a:extLst>
+              <a:ext uri="{FF2B5EF4-FFF2-40B4-BE49-F238E27FC236}">
+                <a16:creationId xmlns:a16="http://schemas.microsoft.com/office/drawing/2014/main" id="{2938E198-4AD2-4FF2-AF7C-BB57F35760DB}"/>
+              </a:ext>
+            </a:extLst>
+          </p:cNvPr>
+          <p:cNvPicPr>
+            <a:picLocks noChangeAspect="1"/>
+          </p:cNvPicPr>
+          <p:nvPr/>
+        </p:nvPicPr>
+        <p:blipFill>
+          <a:blip r:embed="rId2">
+            <a:extLst>
+              <a:ext uri="{28A0092B-C50C-407E-A947-70E740481C1C}">
+                <a14:useLocalDpi xmlns:a14="http://schemas.microsoft.com/office/drawing/2010/main" val="0"/>
+              </a:ext>
+              <a:ext uri="{96DAC541-7B7A-43D3-8B79-37D633B846F1}">
+                <asvg:svgBlip xmlns:asvg="http://schemas.microsoft.com/office/drawing/2016/SVG/main" r:embed="rId3"/>
+              </a:ext>
+            </a:extLst>
+          </a:blip>
+          <a:stretch>
+            <a:fillRect/>
+          </a:stretch>
+        </p:blipFill>
+        <p:spPr>
+          <a:xfrm>
+            <a:off x="0" y="2347489"/>
+            <a:ext cx="12192000" cy="1634316"/>
+          </a:xfrm>
+          <a:prstGeom prst="rect">
+            <a:avLst/>
+          </a:prstGeom>
+        </p:spPr>
+      </p:pic>
     </p:spTree>
     <p:extLst>
       <p:ext uri="{BB962C8B-B14F-4D97-AF65-F5344CB8AC3E}">
-        <p14:creationId xmlns:p14="http://schemas.microsoft.com/office/powerpoint/2010/main" val="812548350"/>
+        <p14:creationId xmlns:p14="http://schemas.microsoft.com/office/powerpoint/2010/main" val="2956289198"/>
       </p:ext>
     </p:extLst>
   </p:cSld>
@@ -6857,7 +5100,7 @@
           <p:cNvPr id="2" name="标题 1">
             <a:extLst>
               <a:ext uri="{FF2B5EF4-FFF2-40B4-BE49-F238E27FC236}">
-                <a16:creationId xmlns:a16="http://schemas.microsoft.com/office/drawing/2014/main" id="{AB5B0ECD-2E2E-4D24-80F3-9352AB7B1583}"/>
+                <a16:creationId xmlns:a16="http://schemas.microsoft.com/office/drawing/2014/main" id="{05185448-C3A0-4B07-92EC-4FC595B3D8FE}"/>
               </a:ext>
             </a:extLst>
           </p:cNvPr>
@@ -6874,6 +5117,328 @@
           <a:lstStyle/>
           <a:p>
             <a:r>
+              <a:rPr lang="en-US" altLang="zh-CN" b="1" dirty="0" err="1"/>
+              <a:t>Sequenzdiagramm</a:t>
+            </a:r>
+            <a:endParaRPr lang="zh-CN" altLang="en-US" b="1" dirty="0"/>
+          </a:p>
+        </p:txBody>
+      </p:sp>
+      <p:pic>
+        <p:nvPicPr>
+          <p:cNvPr id="13" name="Inhaltsplatzhalter 12">
+            <a:extLst>
+              <a:ext uri="{FF2B5EF4-FFF2-40B4-BE49-F238E27FC236}">
+                <a16:creationId xmlns:a16="http://schemas.microsoft.com/office/drawing/2014/main" id="{482633C3-2A83-4A11-9AA3-E876F49261D7}"/>
+              </a:ext>
+            </a:extLst>
+          </p:cNvPr>
+          <p:cNvPicPr>
+            <a:picLocks noGrp="1" noChangeAspect="1"/>
+          </p:cNvPicPr>
+          <p:nvPr>
+            <p:ph idx="1"/>
+          </p:nvPr>
+        </p:nvPicPr>
+        <p:blipFill>
+          <a:blip r:embed="rId2">
+            <a:extLst>
+              <a:ext uri="{28A0092B-C50C-407E-A947-70E740481C1C}">
+                <a14:useLocalDpi xmlns:a14="http://schemas.microsoft.com/office/drawing/2010/main" val="0"/>
+              </a:ext>
+            </a:extLst>
+          </a:blip>
+          <a:stretch>
+            <a:fillRect/>
+          </a:stretch>
+        </p:blipFill>
+        <p:spPr>
+          <a:xfrm>
+            <a:off x="2915195" y="1600275"/>
+            <a:ext cx="6196929" cy="4351338"/>
+          </a:xfrm>
+        </p:spPr>
+      </p:pic>
+    </p:spTree>
+    <p:extLst>
+      <p:ext uri="{BB962C8B-B14F-4D97-AF65-F5344CB8AC3E}">
+        <p14:creationId xmlns:p14="http://schemas.microsoft.com/office/powerpoint/2010/main" val="1672770138"/>
+      </p:ext>
+    </p:extLst>
+  </p:cSld>
+  <p:clrMapOvr>
+    <a:masterClrMapping/>
+  </p:clrMapOvr>
+</p:sld>
+</file>
+
+<file path=ppt/slides/slide15.xml><?xml version="1.0" encoding="utf-8"?>
+<p:sld xmlns:a="http://schemas.openxmlformats.org/drawingml/2006/main" xmlns:r="http://schemas.openxmlformats.org/officeDocument/2006/relationships" xmlns:p="http://schemas.openxmlformats.org/presentationml/2006/main">
+  <p:cSld>
+    <p:spTree>
+      <p:nvGrpSpPr>
+        <p:cNvPr id="1" name=""/>
+        <p:cNvGrpSpPr/>
+        <p:nvPr/>
+      </p:nvGrpSpPr>
+      <p:grpSpPr>
+        <a:xfrm>
+          <a:off x="0" y="0"/>
+          <a:ext cx="0" cy="0"/>
+          <a:chOff x="0" y="0"/>
+          <a:chExt cx="0" cy="0"/>
+        </a:xfrm>
+      </p:grpSpPr>
+      <p:sp>
+        <p:nvSpPr>
+          <p:cNvPr id="2" name="标题 1">
+            <a:extLst>
+              <a:ext uri="{FF2B5EF4-FFF2-40B4-BE49-F238E27FC236}">
+                <a16:creationId xmlns:a16="http://schemas.microsoft.com/office/drawing/2014/main" id="{05185448-C3A0-4B07-92EC-4FC595B3D8FE}"/>
+              </a:ext>
+            </a:extLst>
+          </p:cNvPr>
+          <p:cNvSpPr>
+            <a:spLocks noGrp="1"/>
+          </p:cNvSpPr>
+          <p:nvPr>
+            <p:ph type="title"/>
+          </p:nvPr>
+        </p:nvSpPr>
+        <p:spPr/>
+        <p:txBody>
+          <a:bodyPr/>
+          <a:lstStyle/>
+          <a:p>
+            <a:r>
+              <a:rPr lang="en-US" altLang="zh-CN" b="1" dirty="0" err="1"/>
+              <a:t>Sequenzdiagramm</a:t>
+            </a:r>
+            <a:endParaRPr lang="zh-CN" altLang="en-US" b="1" dirty="0"/>
+          </a:p>
+        </p:txBody>
+      </p:sp>
+      <p:sp>
+        <p:nvSpPr>
+          <p:cNvPr id="8" name="标题 1">
+            <a:extLst>
+              <a:ext uri="{FF2B5EF4-FFF2-40B4-BE49-F238E27FC236}">
+                <a16:creationId xmlns:a16="http://schemas.microsoft.com/office/drawing/2014/main" id="{3F33734E-64DB-458C-99A1-AD45C986364A}"/>
+              </a:ext>
+            </a:extLst>
+          </p:cNvPr>
+          <p:cNvSpPr txBox="1">
+            <a:spLocks/>
+          </p:cNvSpPr>
+          <p:nvPr/>
+        </p:nvSpPr>
+        <p:spPr>
+          <a:xfrm>
+            <a:off x="1985211" y="2484270"/>
+            <a:ext cx="2963779" cy="1325563"/>
+          </a:xfrm>
+          <a:prstGeom prst="rect">
+            <a:avLst/>
+          </a:prstGeom>
+        </p:spPr>
+        <p:txBody>
+          <a:bodyPr vert="horz" lIns="91440" tIns="45720" rIns="91440" bIns="45720" rtlCol="0" anchor="ctr">
+            <a:normAutofit/>
+          </a:bodyPr>
+          <a:lstStyle>
+            <a:lvl1pPr algn="l" defTabSz="914400" rtl="0" eaLnBrk="1" latinLnBrk="0" hangingPunct="1">
+              <a:lnSpc>
+                <a:spcPct val="90000"/>
+              </a:lnSpc>
+              <a:spcBef>
+                <a:spcPct val="0"/>
+              </a:spcBef>
+              <a:buNone/>
+              <a:defRPr sz="4400" kern="1200">
+                <a:solidFill>
+                  <a:schemeClr val="tx1"/>
+                </a:solidFill>
+                <a:latin typeface="+mj-lt"/>
+                <a:ea typeface="+mj-ea"/>
+                <a:cs typeface="+mj-cs"/>
+              </a:defRPr>
+            </a:lvl1pPr>
+          </a:lstStyle>
+          <a:p>
+            <a:endParaRPr lang="zh-CN" altLang="en-US" dirty="0"/>
+          </a:p>
+        </p:txBody>
+      </p:sp>
+      <p:pic>
+        <p:nvPicPr>
+          <p:cNvPr id="9" name="Inhaltsplatzhalter 8">
+            <a:extLst>
+              <a:ext uri="{FF2B5EF4-FFF2-40B4-BE49-F238E27FC236}">
+                <a16:creationId xmlns:a16="http://schemas.microsoft.com/office/drawing/2014/main" id="{18C3440B-197C-466E-B5D3-0BE361CA576C}"/>
+              </a:ext>
+            </a:extLst>
+          </p:cNvPr>
+          <p:cNvPicPr>
+            <a:picLocks noGrp="1" noChangeAspect="1"/>
+          </p:cNvPicPr>
+          <p:nvPr>
+            <p:ph idx="1"/>
+          </p:nvPr>
+        </p:nvPicPr>
+        <p:blipFill>
+          <a:blip r:embed="rId3">
+            <a:extLst>
+              <a:ext uri="{28A0092B-C50C-407E-A947-70E740481C1C}">
+                <a14:useLocalDpi xmlns:a14="http://schemas.microsoft.com/office/drawing/2010/main" val="0"/>
+              </a:ext>
+            </a:extLst>
+          </a:blip>
+          <a:stretch>
+            <a:fillRect/>
+          </a:stretch>
+        </p:blipFill>
+        <p:spPr>
+          <a:xfrm>
+            <a:off x="903205" y="1687438"/>
+            <a:ext cx="5583905" cy="4351338"/>
+          </a:xfrm>
+        </p:spPr>
+      </p:pic>
+    </p:spTree>
+    <p:extLst>
+      <p:ext uri="{BB962C8B-B14F-4D97-AF65-F5344CB8AC3E}">
+        <p14:creationId xmlns:p14="http://schemas.microsoft.com/office/powerpoint/2010/main" val="1403676670"/>
+      </p:ext>
+    </p:extLst>
+  </p:cSld>
+  <p:clrMapOvr>
+    <a:masterClrMapping/>
+  </p:clrMapOvr>
+  <p:timing>
+    <p:tnLst>
+      <p:par>
+        <p:cTn id="1" dur="indefinite" restart="never" nodeType="tmRoot">
+          <p:childTnLst>
+            <p:seq concurrent="1" nextAc="seek">
+              <p:cTn id="2" dur="indefinite" nodeType="mainSeq">
+                <p:childTnLst>
+                  <p:par>
+                    <p:cTn id="3" fill="hold">
+                      <p:stCondLst>
+                        <p:cond delay="indefinite"/>
+                      </p:stCondLst>
+                      <p:childTnLst>
+                        <p:par>
+                          <p:cTn id="4" fill="hold">
+                            <p:stCondLst>
+                              <p:cond delay="0"/>
+                            </p:stCondLst>
+                            <p:childTnLst>
+                              <p:par>
+                                <p:cTn id="5" presetID="1" presetClass="entr" presetSubtype="0" fill="hold" grpId="0" nodeType="clickEffect" nodePh="1">
+                                  <p:stCondLst>
+                                    <p:cond delay="0"/>
+                                  </p:stCondLst>
+                                  <p:endCondLst>
+                                    <p:cond evt="begin" delay="0">
+                                      <p:tn val="5"/>
+                                    </p:cond>
+                                  </p:endCondLst>
+                                  <p:childTnLst>
+                                    <p:set>
+                                      <p:cBhvr>
+                                        <p:cTn id="6" dur="1" fill="hold">
+                                          <p:stCondLst>
+                                            <p:cond delay="0"/>
+                                          </p:stCondLst>
+                                        </p:cTn>
+                                        <p:tgtEl>
+                                          <p:spTgt spid="8"/>
+                                        </p:tgtEl>
+                                        <p:attrNameLst>
+                                          <p:attrName>style.visibility</p:attrName>
+                                        </p:attrNameLst>
+                                      </p:cBhvr>
+                                      <p:to>
+                                        <p:strVal val="visible"/>
+                                      </p:to>
+                                    </p:set>
+                                  </p:childTnLst>
+                                </p:cTn>
+                              </p:par>
+                            </p:childTnLst>
+                          </p:cTn>
+                        </p:par>
+                      </p:childTnLst>
+                    </p:cTn>
+                  </p:par>
+                </p:childTnLst>
+              </p:cTn>
+              <p:prevCondLst>
+                <p:cond evt="onPrev" delay="0">
+                  <p:tgtEl>
+                    <p:sldTgt/>
+                  </p:tgtEl>
+                </p:cond>
+              </p:prevCondLst>
+              <p:nextCondLst>
+                <p:cond evt="onNext" delay="0">
+                  <p:tgtEl>
+                    <p:sldTgt/>
+                  </p:tgtEl>
+                </p:cond>
+              </p:nextCondLst>
+            </p:seq>
+          </p:childTnLst>
+        </p:cTn>
+      </p:par>
+    </p:tnLst>
+    <p:bldLst>
+      <p:bldP spid="8" grpId="0"/>
+    </p:bldLst>
+  </p:timing>
+</p:sld>
+</file>
+
+<file path=ppt/slides/slide16.xml><?xml version="1.0" encoding="utf-8"?>
+<p:sld xmlns:a="http://schemas.openxmlformats.org/drawingml/2006/main" xmlns:r="http://schemas.openxmlformats.org/officeDocument/2006/relationships" xmlns:p="http://schemas.openxmlformats.org/presentationml/2006/main">
+  <p:cSld>
+    <p:spTree>
+      <p:nvGrpSpPr>
+        <p:cNvPr id="1" name=""/>
+        <p:cNvGrpSpPr/>
+        <p:nvPr/>
+      </p:nvGrpSpPr>
+      <p:grpSpPr>
+        <a:xfrm>
+          <a:off x="0" y="0"/>
+          <a:ext cx="0" cy="0"/>
+          <a:chOff x="0" y="0"/>
+          <a:chExt cx="0" cy="0"/>
+        </a:xfrm>
+      </p:grpSpPr>
+      <p:sp>
+        <p:nvSpPr>
+          <p:cNvPr id="2" name="标题 1">
+            <a:extLst>
+              <a:ext uri="{FF2B5EF4-FFF2-40B4-BE49-F238E27FC236}">
+                <a16:creationId xmlns:a16="http://schemas.microsoft.com/office/drawing/2014/main" id="{AB5B0ECD-2E2E-4D24-80F3-9352AB7B1583}"/>
+              </a:ext>
+            </a:extLst>
+          </p:cNvPr>
+          <p:cNvSpPr>
+            <a:spLocks noGrp="1"/>
+          </p:cNvSpPr>
+          <p:nvPr>
+            <p:ph type="title"/>
+          </p:nvPr>
+        </p:nvSpPr>
+        <p:spPr/>
+        <p:txBody>
+          <a:bodyPr/>
+          <a:lstStyle/>
+          <a:p>
+            <a:r>
               <a:rPr lang="de-DE" altLang="zh-CN" b="1" dirty="0"/>
               <a:t>Verwendete externe </a:t>
             </a:r>
@@ -6917,7 +5482,10 @@
               <a:rPr lang="de-DE" altLang="zh-CN" dirty="0" err="1"/>
               <a:t>IntelliJ</a:t>
             </a:r>
-            <a:endParaRPr lang="de-DE" altLang="zh-CN" dirty="0"/>
+            <a:r>
+              <a:rPr lang="de-DE" altLang="zh-CN" dirty="0"/>
+              <a:t> GUI Form</a:t>
+            </a:r>
           </a:p>
           <a:p>
             <a:r>
@@ -6941,7 +5509,7 @@
 </p:sld>
 </file>
 
-<file path=ppt/slides/slide15.xml><?xml version="1.0" encoding="utf-8"?>
+<file path=ppt/slides/slide17.xml><?xml version="1.0" encoding="utf-8"?>
 <p:sld xmlns:a="http://schemas.openxmlformats.org/drawingml/2006/main" xmlns:r="http://schemas.openxmlformats.org/officeDocument/2006/relationships" xmlns:p="http://schemas.openxmlformats.org/presentationml/2006/main">
   <p:cSld>
     <p:spTree>
@@ -8377,7 +6945,7 @@
           <p:cNvPr id="2" name="标题 1">
             <a:extLst>
               <a:ext uri="{FF2B5EF4-FFF2-40B4-BE49-F238E27FC236}">
-                <a16:creationId xmlns:a16="http://schemas.microsoft.com/office/drawing/2014/main" id="{3E090BA5-2FDC-40B0-827B-C846982667A2}"/>
+                <a16:creationId xmlns:a16="http://schemas.microsoft.com/office/drawing/2014/main" id="{DA0C99B5-93F6-492B-A6FE-2291557AFA81}"/>
               </a:ext>
             </a:extLst>
           </p:cNvPr>
@@ -8388,119 +6956,37 @@
             <p:ph type="title"/>
           </p:nvPr>
         </p:nvSpPr>
-        <p:spPr>
-          <a:xfrm>
-            <a:off x="838200" y="421960"/>
-            <a:ext cx="10515600" cy="1078664"/>
-          </a:xfrm>
-        </p:spPr>
+        <p:spPr/>
         <p:txBody>
           <a:bodyPr/>
           <a:lstStyle/>
           <a:p>
             <a:r>
               <a:rPr lang="de-DE" altLang="zh-CN" b="1" dirty="0"/>
-              <a:t>Model</a:t>
+              <a:t>Controller</a:t>
             </a:r>
             <a:endParaRPr lang="zh-CN" altLang="en-US" b="1" dirty="0"/>
-          </a:p>
-        </p:txBody>
-      </p:sp>
-      <p:sp>
-        <p:nvSpPr>
-          <p:cNvPr id="10" name="内容占位符 9">
-            <a:extLst>
-              <a:ext uri="{FF2B5EF4-FFF2-40B4-BE49-F238E27FC236}">
-                <a16:creationId xmlns:a16="http://schemas.microsoft.com/office/drawing/2014/main" id="{BECC0C92-AF9B-4D09-95D3-ADD38DAF40C4}"/>
-              </a:ext>
-            </a:extLst>
-          </p:cNvPr>
-          <p:cNvSpPr>
-            <a:spLocks noGrp="1"/>
-          </p:cNvSpPr>
-          <p:nvPr>
-            <p:ph idx="1"/>
-          </p:nvPr>
-        </p:nvSpPr>
-        <p:spPr>
-          <a:xfrm>
-            <a:off x="838200" y="1825625"/>
-            <a:ext cx="10515600" cy="4351338"/>
-          </a:xfrm>
-        </p:spPr>
-        <p:txBody>
-          <a:bodyPr/>
-          <a:lstStyle/>
-          <a:p>
-            <a:r>
-              <a:rPr lang="de-DE" altLang="zh-CN" dirty="0" err="1"/>
-              <a:t>Algorithms</a:t>
-            </a:r>
-            <a:endParaRPr lang="de-DE" altLang="zh-CN" dirty="0"/>
-          </a:p>
-          <a:p>
-            <a:r>
-              <a:rPr lang="de-DE" altLang="zh-CN" dirty="0" err="1"/>
-              <a:t>Condinations</a:t>
-            </a:r>
-            <a:endParaRPr lang="de-DE" altLang="zh-CN" dirty="0"/>
-          </a:p>
-          <a:p>
-            <a:r>
-              <a:rPr lang="de-DE" altLang="zh-CN" dirty="0" err="1"/>
-              <a:t>Strategies</a:t>
-            </a:r>
-            <a:endParaRPr lang="de-DE" altLang="zh-CN" dirty="0"/>
-          </a:p>
-          <a:p>
-            <a:r>
-              <a:rPr lang="de-DE" altLang="zh-CN" dirty="0"/>
-              <a:t>Action</a:t>
-            </a:r>
-          </a:p>
-          <a:p>
-            <a:r>
-              <a:rPr lang="de-DE" altLang="zh-CN" dirty="0"/>
-              <a:t>Agent</a:t>
-            </a:r>
-          </a:p>
-          <a:p>
-            <a:r>
-              <a:rPr lang="de-DE" altLang="zh-CN" dirty="0"/>
-              <a:t>Game</a:t>
-            </a:r>
-          </a:p>
-          <a:p>
-            <a:r>
-              <a:rPr lang="de-DE" altLang="zh-CN" dirty="0"/>
-              <a:t>Group</a:t>
-            </a:r>
-          </a:p>
-          <a:p>
-            <a:r>
-              <a:rPr lang="de-DE" altLang="zh-CN" dirty="0" err="1"/>
-              <a:t>usw</a:t>
-            </a:r>
-            <a:endParaRPr lang="de-DE" altLang="zh-CN" dirty="0"/>
           </a:p>
         </p:txBody>
       </p:sp>
       <p:pic>
         <p:nvPicPr>
-          <p:cNvPr id="11" name="内容占位符 8" descr="图片包含 文字&#10;&#10;自动生成的说明">
-            <a:extLst>
-              <a:ext uri="{FF2B5EF4-FFF2-40B4-BE49-F238E27FC236}">
-                <a16:creationId xmlns:a16="http://schemas.microsoft.com/office/drawing/2014/main" id="{9BC27DD6-551C-41C0-A2E4-0834244E8BD4}"/>
+          <p:cNvPr id="6" name="Inhaltsplatzhalter 5">
+            <a:extLst>
+              <a:ext uri="{FF2B5EF4-FFF2-40B4-BE49-F238E27FC236}">
+                <a16:creationId xmlns:a16="http://schemas.microsoft.com/office/drawing/2014/main" id="{11E00774-1282-4BF7-AB96-56B1490B1957}"/>
               </a:ext>
             </a:extLst>
           </p:cNvPr>
           <p:cNvPicPr>
-            <a:picLocks noChangeAspect="1"/>
+            <a:picLocks noGrp="1" noChangeAspect="1"/>
           </p:cNvPicPr>
-          <p:nvPr/>
+          <p:nvPr>
+            <p:ph idx="1"/>
+          </p:nvPr>
         </p:nvPicPr>
         <p:blipFill>
-          <a:blip r:embed="rId2">
+          <a:blip r:embed="rId3">
             <a:extLst>
               <a:ext uri="{28A0092B-C50C-407E-A947-70E740481C1C}">
                 <a14:useLocalDpi xmlns:a14="http://schemas.microsoft.com/office/drawing/2010/main" val="0"/>
@@ -8513,18 +6999,1185 @@
         </p:blipFill>
         <p:spPr>
           <a:xfrm>
-            <a:off x="1" y="0"/>
-            <a:ext cx="12192000" cy="6858000"/>
+            <a:off x="735319" y="1578012"/>
+            <a:ext cx="10221300" cy="4870457"/>
           </a:xfrm>
-          <a:prstGeom prst="rect">
-            <a:avLst/>
-          </a:prstGeom>
         </p:spPr>
       </p:pic>
     </p:spTree>
     <p:extLst>
       <p:ext uri="{BB962C8B-B14F-4D97-AF65-F5344CB8AC3E}">
-        <p14:creationId xmlns:p14="http://schemas.microsoft.com/office/powerpoint/2010/main" val="2858625379"/>
+        <p14:creationId xmlns:p14="http://schemas.microsoft.com/office/powerpoint/2010/main" val="3417724659"/>
+      </p:ext>
+    </p:extLst>
+  </p:cSld>
+  <p:clrMapOvr>
+    <a:masterClrMapping/>
+  </p:clrMapOvr>
+</p:sld>
+</file>
+
+<file path=ppt/slides/slide5.xml><?xml version="1.0" encoding="utf-8"?>
+<p:sld xmlns:a="http://schemas.openxmlformats.org/drawingml/2006/main" xmlns:r="http://schemas.openxmlformats.org/officeDocument/2006/relationships" xmlns:p="http://schemas.openxmlformats.org/presentationml/2006/main">
+  <p:cSld>
+    <p:spTree>
+      <p:nvGrpSpPr>
+        <p:cNvPr id="1" name=""/>
+        <p:cNvGrpSpPr/>
+        <p:nvPr/>
+      </p:nvGrpSpPr>
+      <p:grpSpPr>
+        <a:xfrm>
+          <a:off x="0" y="0"/>
+          <a:ext cx="0" cy="0"/>
+          <a:chOff x="0" y="0"/>
+          <a:chExt cx="0" cy="0"/>
+        </a:xfrm>
+      </p:grpSpPr>
+      <p:sp>
+        <p:nvSpPr>
+          <p:cNvPr id="2" name="标题 1">
+            <a:extLst>
+              <a:ext uri="{FF2B5EF4-FFF2-40B4-BE49-F238E27FC236}">
+                <a16:creationId xmlns:a16="http://schemas.microsoft.com/office/drawing/2014/main" id="{D47433EC-3312-4830-A70C-99B964837185}"/>
+              </a:ext>
+            </a:extLst>
+          </p:cNvPr>
+          <p:cNvSpPr>
+            <a:spLocks noGrp="1"/>
+          </p:cNvSpPr>
+          <p:nvPr>
+            <p:ph type="title"/>
+          </p:nvPr>
+        </p:nvSpPr>
+        <p:spPr>
+          <a:xfrm>
+            <a:off x="838200" y="365125"/>
+            <a:ext cx="10515600" cy="1325563"/>
+          </a:xfrm>
+        </p:spPr>
+        <p:txBody>
+          <a:bodyPr/>
+          <a:lstStyle/>
+          <a:p>
+            <a:r>
+              <a:rPr lang="en-US" altLang="zh-CN" b="1" dirty="0" err="1"/>
+              <a:t>Beobachter</a:t>
+            </a:r>
+            <a:endParaRPr lang="zh-CN" altLang="en-US" b="1" dirty="0"/>
+          </a:p>
+        </p:txBody>
+      </p:sp>
+      <p:sp>
+        <p:nvSpPr>
+          <p:cNvPr id="4" name="Rechteck 5">
+            <a:extLst>
+              <a:ext uri="{FF2B5EF4-FFF2-40B4-BE49-F238E27FC236}">
+                <a16:creationId xmlns:a16="http://schemas.microsoft.com/office/drawing/2014/main" id="{50000A76-FBA3-403A-A9BC-D55372190837}"/>
+              </a:ext>
+            </a:extLst>
+          </p:cNvPr>
+          <p:cNvSpPr/>
+          <p:nvPr/>
+        </p:nvSpPr>
+        <p:spPr>
+          <a:xfrm>
+            <a:off x="9507813" y="2029968"/>
+            <a:ext cx="2181839" cy="1107584"/>
+          </a:xfrm>
+          <a:prstGeom prst="rect">
+            <a:avLst/>
+          </a:prstGeom>
+          <a:solidFill>
+            <a:schemeClr val="bg1"/>
+          </a:solidFill>
+          <a:ln>
+            <a:solidFill>
+              <a:schemeClr val="tx1"/>
+            </a:solidFill>
+          </a:ln>
+        </p:spPr>
+        <p:style>
+          <a:lnRef idx="2">
+            <a:schemeClr val="accent1">
+              <a:shade val="50000"/>
+            </a:schemeClr>
+          </a:lnRef>
+          <a:fillRef idx="1">
+            <a:schemeClr val="accent1"/>
+          </a:fillRef>
+          <a:effectRef idx="0">
+            <a:schemeClr val="accent1"/>
+          </a:effectRef>
+          <a:fontRef idx="minor">
+            <a:schemeClr val="lt1"/>
+          </a:fontRef>
+        </p:style>
+        <p:txBody>
+          <a:bodyPr rtlCol="0" anchor="ctr"/>
+          <a:lstStyle>
+            <a:defPPr>
+              <a:defRPr lang="de-DE"/>
+            </a:defPPr>
+            <a:lvl1pPr algn="l" rtl="0" fontAlgn="base">
+              <a:spcBef>
+                <a:spcPct val="0"/>
+              </a:spcBef>
+              <a:spcAft>
+                <a:spcPct val="0"/>
+              </a:spcAft>
+              <a:defRPr kern="1200">
+                <a:solidFill>
+                  <a:schemeClr val="lt1"/>
+                </a:solidFill>
+                <a:latin typeface="+mn-lt"/>
+                <a:ea typeface="+mn-ea"/>
+                <a:cs typeface="+mn-cs"/>
+              </a:defRPr>
+            </a:lvl1pPr>
+            <a:lvl2pPr marL="457200" algn="l" rtl="0" fontAlgn="base">
+              <a:spcBef>
+                <a:spcPct val="0"/>
+              </a:spcBef>
+              <a:spcAft>
+                <a:spcPct val="0"/>
+              </a:spcAft>
+              <a:defRPr kern="1200">
+                <a:solidFill>
+                  <a:schemeClr val="lt1"/>
+                </a:solidFill>
+                <a:latin typeface="+mn-lt"/>
+                <a:ea typeface="+mn-ea"/>
+                <a:cs typeface="+mn-cs"/>
+              </a:defRPr>
+            </a:lvl2pPr>
+            <a:lvl3pPr marL="914400" algn="l" rtl="0" fontAlgn="base">
+              <a:spcBef>
+                <a:spcPct val="0"/>
+              </a:spcBef>
+              <a:spcAft>
+                <a:spcPct val="0"/>
+              </a:spcAft>
+              <a:defRPr kern="1200">
+                <a:solidFill>
+                  <a:schemeClr val="lt1"/>
+                </a:solidFill>
+                <a:latin typeface="+mn-lt"/>
+                <a:ea typeface="+mn-ea"/>
+                <a:cs typeface="+mn-cs"/>
+              </a:defRPr>
+            </a:lvl3pPr>
+            <a:lvl4pPr marL="1371600" algn="l" rtl="0" fontAlgn="base">
+              <a:spcBef>
+                <a:spcPct val="0"/>
+              </a:spcBef>
+              <a:spcAft>
+                <a:spcPct val="0"/>
+              </a:spcAft>
+              <a:defRPr kern="1200">
+                <a:solidFill>
+                  <a:schemeClr val="lt1"/>
+                </a:solidFill>
+                <a:latin typeface="+mn-lt"/>
+                <a:ea typeface="+mn-ea"/>
+                <a:cs typeface="+mn-cs"/>
+              </a:defRPr>
+            </a:lvl4pPr>
+            <a:lvl5pPr marL="1828800" algn="l" rtl="0" fontAlgn="base">
+              <a:spcBef>
+                <a:spcPct val="0"/>
+              </a:spcBef>
+              <a:spcAft>
+                <a:spcPct val="0"/>
+              </a:spcAft>
+              <a:defRPr kern="1200">
+                <a:solidFill>
+                  <a:schemeClr val="lt1"/>
+                </a:solidFill>
+                <a:latin typeface="+mn-lt"/>
+                <a:ea typeface="+mn-ea"/>
+                <a:cs typeface="+mn-cs"/>
+              </a:defRPr>
+            </a:lvl5pPr>
+            <a:lvl6pPr marL="2286000" algn="l" defTabSz="914400" rtl="0" eaLnBrk="1" latinLnBrk="0" hangingPunct="1">
+              <a:defRPr kern="1200">
+                <a:solidFill>
+                  <a:schemeClr val="lt1"/>
+                </a:solidFill>
+                <a:latin typeface="+mn-lt"/>
+                <a:ea typeface="+mn-ea"/>
+                <a:cs typeface="+mn-cs"/>
+              </a:defRPr>
+            </a:lvl6pPr>
+            <a:lvl7pPr marL="2743200" algn="l" defTabSz="914400" rtl="0" eaLnBrk="1" latinLnBrk="0" hangingPunct="1">
+              <a:defRPr kern="1200">
+                <a:solidFill>
+                  <a:schemeClr val="lt1"/>
+                </a:solidFill>
+                <a:latin typeface="+mn-lt"/>
+                <a:ea typeface="+mn-ea"/>
+                <a:cs typeface="+mn-cs"/>
+              </a:defRPr>
+            </a:lvl7pPr>
+            <a:lvl8pPr marL="3200400" algn="l" defTabSz="914400" rtl="0" eaLnBrk="1" latinLnBrk="0" hangingPunct="1">
+              <a:defRPr kern="1200">
+                <a:solidFill>
+                  <a:schemeClr val="lt1"/>
+                </a:solidFill>
+                <a:latin typeface="+mn-lt"/>
+                <a:ea typeface="+mn-ea"/>
+                <a:cs typeface="+mn-cs"/>
+              </a:defRPr>
+            </a:lvl8pPr>
+            <a:lvl9pPr marL="3657600" algn="l" defTabSz="914400" rtl="0" eaLnBrk="1" latinLnBrk="0" hangingPunct="1">
+              <a:defRPr kern="1200">
+                <a:solidFill>
+                  <a:schemeClr val="lt1"/>
+                </a:solidFill>
+                <a:latin typeface="+mn-lt"/>
+                <a:ea typeface="+mn-ea"/>
+                <a:cs typeface="+mn-cs"/>
+              </a:defRPr>
+            </a:lvl9pPr>
+          </a:lstStyle>
+          <a:p>
+            <a:pPr algn="ctr"/>
+            <a:r>
+              <a:rPr lang="de-DE" dirty="0" err="1">
+                <a:solidFill>
+                  <a:schemeClr val="tx1"/>
+                </a:solidFill>
+              </a:rPr>
+              <a:t>SimulationObserver</a:t>
+            </a:r>
+            <a:endParaRPr lang="de-DE" dirty="0">
+              <a:solidFill>
+                <a:schemeClr val="tx1"/>
+              </a:solidFill>
+            </a:endParaRPr>
+          </a:p>
+        </p:txBody>
+      </p:sp>
+      <p:sp>
+        <p:nvSpPr>
+          <p:cNvPr id="5" name="Rechteck 5">
+            <a:extLst>
+              <a:ext uri="{FF2B5EF4-FFF2-40B4-BE49-F238E27FC236}">
+                <a16:creationId xmlns:a16="http://schemas.microsoft.com/office/drawing/2014/main" id="{9EDB5C22-E124-4FC0-80CB-95E846AC71F2}"/>
+              </a:ext>
+            </a:extLst>
+          </p:cNvPr>
+          <p:cNvSpPr/>
+          <p:nvPr/>
+        </p:nvSpPr>
+        <p:spPr>
+          <a:xfrm>
+            <a:off x="6096000" y="2029968"/>
+            <a:ext cx="2562726" cy="1107584"/>
+          </a:xfrm>
+          <a:prstGeom prst="rect">
+            <a:avLst/>
+          </a:prstGeom>
+          <a:solidFill>
+            <a:schemeClr val="bg1"/>
+          </a:solidFill>
+          <a:ln>
+            <a:solidFill>
+              <a:schemeClr val="tx1"/>
+            </a:solidFill>
+          </a:ln>
+        </p:spPr>
+        <p:style>
+          <a:lnRef idx="2">
+            <a:schemeClr val="accent1">
+              <a:shade val="50000"/>
+            </a:schemeClr>
+          </a:lnRef>
+          <a:fillRef idx="1">
+            <a:schemeClr val="accent1"/>
+          </a:fillRef>
+          <a:effectRef idx="0">
+            <a:schemeClr val="accent1"/>
+          </a:effectRef>
+          <a:fontRef idx="minor">
+            <a:schemeClr val="lt1"/>
+          </a:fontRef>
+        </p:style>
+        <p:txBody>
+          <a:bodyPr rtlCol="0" anchor="ctr"/>
+          <a:lstStyle>
+            <a:defPPr>
+              <a:defRPr lang="de-DE"/>
+            </a:defPPr>
+            <a:lvl1pPr algn="l" rtl="0" fontAlgn="base">
+              <a:spcBef>
+                <a:spcPct val="0"/>
+              </a:spcBef>
+              <a:spcAft>
+                <a:spcPct val="0"/>
+              </a:spcAft>
+              <a:defRPr kern="1200">
+                <a:solidFill>
+                  <a:schemeClr val="lt1"/>
+                </a:solidFill>
+                <a:latin typeface="+mn-lt"/>
+                <a:ea typeface="+mn-ea"/>
+                <a:cs typeface="+mn-cs"/>
+              </a:defRPr>
+            </a:lvl1pPr>
+            <a:lvl2pPr marL="457200" algn="l" rtl="0" fontAlgn="base">
+              <a:spcBef>
+                <a:spcPct val="0"/>
+              </a:spcBef>
+              <a:spcAft>
+                <a:spcPct val="0"/>
+              </a:spcAft>
+              <a:defRPr kern="1200">
+                <a:solidFill>
+                  <a:schemeClr val="lt1"/>
+                </a:solidFill>
+                <a:latin typeface="+mn-lt"/>
+                <a:ea typeface="+mn-ea"/>
+                <a:cs typeface="+mn-cs"/>
+              </a:defRPr>
+            </a:lvl2pPr>
+            <a:lvl3pPr marL="914400" algn="l" rtl="0" fontAlgn="base">
+              <a:spcBef>
+                <a:spcPct val="0"/>
+              </a:spcBef>
+              <a:spcAft>
+                <a:spcPct val="0"/>
+              </a:spcAft>
+              <a:defRPr kern="1200">
+                <a:solidFill>
+                  <a:schemeClr val="lt1"/>
+                </a:solidFill>
+                <a:latin typeface="+mn-lt"/>
+                <a:ea typeface="+mn-ea"/>
+                <a:cs typeface="+mn-cs"/>
+              </a:defRPr>
+            </a:lvl3pPr>
+            <a:lvl4pPr marL="1371600" algn="l" rtl="0" fontAlgn="base">
+              <a:spcBef>
+                <a:spcPct val="0"/>
+              </a:spcBef>
+              <a:spcAft>
+                <a:spcPct val="0"/>
+              </a:spcAft>
+              <a:defRPr kern="1200">
+                <a:solidFill>
+                  <a:schemeClr val="lt1"/>
+                </a:solidFill>
+                <a:latin typeface="+mn-lt"/>
+                <a:ea typeface="+mn-ea"/>
+                <a:cs typeface="+mn-cs"/>
+              </a:defRPr>
+            </a:lvl4pPr>
+            <a:lvl5pPr marL="1828800" algn="l" rtl="0" fontAlgn="base">
+              <a:spcBef>
+                <a:spcPct val="0"/>
+              </a:spcBef>
+              <a:spcAft>
+                <a:spcPct val="0"/>
+              </a:spcAft>
+              <a:defRPr kern="1200">
+                <a:solidFill>
+                  <a:schemeClr val="lt1"/>
+                </a:solidFill>
+                <a:latin typeface="+mn-lt"/>
+                <a:ea typeface="+mn-ea"/>
+                <a:cs typeface="+mn-cs"/>
+              </a:defRPr>
+            </a:lvl5pPr>
+            <a:lvl6pPr marL="2286000" algn="l" defTabSz="914400" rtl="0" eaLnBrk="1" latinLnBrk="0" hangingPunct="1">
+              <a:defRPr kern="1200">
+                <a:solidFill>
+                  <a:schemeClr val="lt1"/>
+                </a:solidFill>
+                <a:latin typeface="+mn-lt"/>
+                <a:ea typeface="+mn-ea"/>
+                <a:cs typeface="+mn-cs"/>
+              </a:defRPr>
+            </a:lvl6pPr>
+            <a:lvl7pPr marL="2743200" algn="l" defTabSz="914400" rtl="0" eaLnBrk="1" latinLnBrk="0" hangingPunct="1">
+              <a:defRPr kern="1200">
+                <a:solidFill>
+                  <a:schemeClr val="lt1"/>
+                </a:solidFill>
+                <a:latin typeface="+mn-lt"/>
+                <a:ea typeface="+mn-ea"/>
+                <a:cs typeface="+mn-cs"/>
+              </a:defRPr>
+            </a:lvl7pPr>
+            <a:lvl8pPr marL="3200400" algn="l" defTabSz="914400" rtl="0" eaLnBrk="1" latinLnBrk="0" hangingPunct="1">
+              <a:defRPr kern="1200">
+                <a:solidFill>
+                  <a:schemeClr val="lt1"/>
+                </a:solidFill>
+                <a:latin typeface="+mn-lt"/>
+                <a:ea typeface="+mn-ea"/>
+                <a:cs typeface="+mn-cs"/>
+              </a:defRPr>
+            </a:lvl8pPr>
+            <a:lvl9pPr marL="3657600" algn="l" defTabSz="914400" rtl="0" eaLnBrk="1" latinLnBrk="0" hangingPunct="1">
+              <a:defRPr kern="1200">
+                <a:solidFill>
+                  <a:schemeClr val="lt1"/>
+                </a:solidFill>
+                <a:latin typeface="+mn-lt"/>
+                <a:ea typeface="+mn-ea"/>
+                <a:cs typeface="+mn-cs"/>
+              </a:defRPr>
+            </a:lvl9pPr>
+          </a:lstStyle>
+          <a:p>
+            <a:pPr algn="ctr"/>
+            <a:r>
+              <a:rPr lang="de-DE" dirty="0" err="1">
+                <a:solidFill>
+                  <a:schemeClr val="tx1"/>
+                </a:solidFill>
+              </a:rPr>
+              <a:t>OberservableSimulation</a:t>
+            </a:r>
+            <a:endParaRPr lang="de-DE" dirty="0">
+              <a:solidFill>
+                <a:schemeClr val="tx1"/>
+              </a:solidFill>
+            </a:endParaRPr>
+          </a:p>
+        </p:txBody>
+      </p:sp>
+      <p:sp>
+        <p:nvSpPr>
+          <p:cNvPr id="6" name="Rechteck 5">
+            <a:extLst>
+              <a:ext uri="{FF2B5EF4-FFF2-40B4-BE49-F238E27FC236}">
+                <a16:creationId xmlns:a16="http://schemas.microsoft.com/office/drawing/2014/main" id="{0FDBA5F5-E4AF-4B31-A818-E55F049924C3}"/>
+              </a:ext>
+            </a:extLst>
+          </p:cNvPr>
+          <p:cNvSpPr/>
+          <p:nvPr/>
+        </p:nvSpPr>
+        <p:spPr>
+          <a:xfrm>
+            <a:off x="6445775" y="4463115"/>
+            <a:ext cx="1893195" cy="1107584"/>
+          </a:xfrm>
+          <a:prstGeom prst="rect">
+            <a:avLst/>
+          </a:prstGeom>
+          <a:solidFill>
+            <a:schemeClr val="bg1"/>
+          </a:solidFill>
+          <a:ln>
+            <a:solidFill>
+              <a:schemeClr val="tx1"/>
+            </a:solidFill>
+          </a:ln>
+        </p:spPr>
+        <p:style>
+          <a:lnRef idx="2">
+            <a:schemeClr val="accent1">
+              <a:shade val="50000"/>
+            </a:schemeClr>
+          </a:lnRef>
+          <a:fillRef idx="1">
+            <a:schemeClr val="accent1"/>
+          </a:fillRef>
+          <a:effectRef idx="0">
+            <a:schemeClr val="accent1"/>
+          </a:effectRef>
+          <a:fontRef idx="minor">
+            <a:schemeClr val="lt1"/>
+          </a:fontRef>
+        </p:style>
+        <p:txBody>
+          <a:bodyPr rtlCol="0" anchor="ctr"/>
+          <a:lstStyle>
+            <a:defPPr>
+              <a:defRPr lang="de-DE"/>
+            </a:defPPr>
+            <a:lvl1pPr algn="l" rtl="0" fontAlgn="base">
+              <a:spcBef>
+                <a:spcPct val="0"/>
+              </a:spcBef>
+              <a:spcAft>
+                <a:spcPct val="0"/>
+              </a:spcAft>
+              <a:defRPr kern="1200">
+                <a:solidFill>
+                  <a:schemeClr val="lt1"/>
+                </a:solidFill>
+                <a:latin typeface="+mn-lt"/>
+                <a:ea typeface="+mn-ea"/>
+                <a:cs typeface="+mn-cs"/>
+              </a:defRPr>
+            </a:lvl1pPr>
+            <a:lvl2pPr marL="457200" algn="l" rtl="0" fontAlgn="base">
+              <a:spcBef>
+                <a:spcPct val="0"/>
+              </a:spcBef>
+              <a:spcAft>
+                <a:spcPct val="0"/>
+              </a:spcAft>
+              <a:defRPr kern="1200">
+                <a:solidFill>
+                  <a:schemeClr val="lt1"/>
+                </a:solidFill>
+                <a:latin typeface="+mn-lt"/>
+                <a:ea typeface="+mn-ea"/>
+                <a:cs typeface="+mn-cs"/>
+              </a:defRPr>
+            </a:lvl2pPr>
+            <a:lvl3pPr marL="914400" algn="l" rtl="0" fontAlgn="base">
+              <a:spcBef>
+                <a:spcPct val="0"/>
+              </a:spcBef>
+              <a:spcAft>
+                <a:spcPct val="0"/>
+              </a:spcAft>
+              <a:defRPr kern="1200">
+                <a:solidFill>
+                  <a:schemeClr val="lt1"/>
+                </a:solidFill>
+                <a:latin typeface="+mn-lt"/>
+                <a:ea typeface="+mn-ea"/>
+                <a:cs typeface="+mn-cs"/>
+              </a:defRPr>
+            </a:lvl3pPr>
+            <a:lvl4pPr marL="1371600" algn="l" rtl="0" fontAlgn="base">
+              <a:spcBef>
+                <a:spcPct val="0"/>
+              </a:spcBef>
+              <a:spcAft>
+                <a:spcPct val="0"/>
+              </a:spcAft>
+              <a:defRPr kern="1200">
+                <a:solidFill>
+                  <a:schemeClr val="lt1"/>
+                </a:solidFill>
+                <a:latin typeface="+mn-lt"/>
+                <a:ea typeface="+mn-ea"/>
+                <a:cs typeface="+mn-cs"/>
+              </a:defRPr>
+            </a:lvl4pPr>
+            <a:lvl5pPr marL="1828800" algn="l" rtl="0" fontAlgn="base">
+              <a:spcBef>
+                <a:spcPct val="0"/>
+              </a:spcBef>
+              <a:spcAft>
+                <a:spcPct val="0"/>
+              </a:spcAft>
+              <a:defRPr kern="1200">
+                <a:solidFill>
+                  <a:schemeClr val="lt1"/>
+                </a:solidFill>
+                <a:latin typeface="+mn-lt"/>
+                <a:ea typeface="+mn-ea"/>
+                <a:cs typeface="+mn-cs"/>
+              </a:defRPr>
+            </a:lvl5pPr>
+            <a:lvl6pPr marL="2286000" algn="l" defTabSz="914400" rtl="0" eaLnBrk="1" latinLnBrk="0" hangingPunct="1">
+              <a:defRPr kern="1200">
+                <a:solidFill>
+                  <a:schemeClr val="lt1"/>
+                </a:solidFill>
+                <a:latin typeface="+mn-lt"/>
+                <a:ea typeface="+mn-ea"/>
+                <a:cs typeface="+mn-cs"/>
+              </a:defRPr>
+            </a:lvl6pPr>
+            <a:lvl7pPr marL="2743200" algn="l" defTabSz="914400" rtl="0" eaLnBrk="1" latinLnBrk="0" hangingPunct="1">
+              <a:defRPr kern="1200">
+                <a:solidFill>
+                  <a:schemeClr val="lt1"/>
+                </a:solidFill>
+                <a:latin typeface="+mn-lt"/>
+                <a:ea typeface="+mn-ea"/>
+                <a:cs typeface="+mn-cs"/>
+              </a:defRPr>
+            </a:lvl7pPr>
+            <a:lvl8pPr marL="3200400" algn="l" defTabSz="914400" rtl="0" eaLnBrk="1" latinLnBrk="0" hangingPunct="1">
+              <a:defRPr kern="1200">
+                <a:solidFill>
+                  <a:schemeClr val="lt1"/>
+                </a:solidFill>
+                <a:latin typeface="+mn-lt"/>
+                <a:ea typeface="+mn-ea"/>
+                <a:cs typeface="+mn-cs"/>
+              </a:defRPr>
+            </a:lvl8pPr>
+            <a:lvl9pPr marL="3657600" algn="l" defTabSz="914400" rtl="0" eaLnBrk="1" latinLnBrk="0" hangingPunct="1">
+              <a:defRPr kern="1200">
+                <a:solidFill>
+                  <a:schemeClr val="lt1"/>
+                </a:solidFill>
+                <a:latin typeface="+mn-lt"/>
+                <a:ea typeface="+mn-ea"/>
+                <a:cs typeface="+mn-cs"/>
+              </a:defRPr>
+            </a:lvl9pPr>
+          </a:lstStyle>
+          <a:p>
+            <a:pPr algn="ctr"/>
+            <a:r>
+              <a:rPr lang="de-DE" dirty="0">
+                <a:solidFill>
+                  <a:schemeClr val="tx1"/>
+                </a:solidFill>
+              </a:rPr>
+              <a:t>Simulation</a:t>
+            </a:r>
+          </a:p>
+        </p:txBody>
+      </p:sp>
+      <p:sp>
+        <p:nvSpPr>
+          <p:cNvPr id="7" name="Rechteck 5">
+            <a:extLst>
+              <a:ext uri="{FF2B5EF4-FFF2-40B4-BE49-F238E27FC236}">
+                <a16:creationId xmlns:a16="http://schemas.microsoft.com/office/drawing/2014/main" id="{E68985DE-C674-475D-BA38-0EA66E5117C8}"/>
+              </a:ext>
+            </a:extLst>
+          </p:cNvPr>
+          <p:cNvSpPr/>
+          <p:nvPr/>
+        </p:nvSpPr>
+        <p:spPr>
+          <a:xfrm>
+            <a:off x="9507813" y="4463115"/>
+            <a:ext cx="1893195" cy="1107584"/>
+          </a:xfrm>
+          <a:prstGeom prst="rect">
+            <a:avLst/>
+          </a:prstGeom>
+          <a:solidFill>
+            <a:schemeClr val="bg1"/>
+          </a:solidFill>
+          <a:ln>
+            <a:solidFill>
+              <a:schemeClr val="tx1"/>
+            </a:solidFill>
+          </a:ln>
+        </p:spPr>
+        <p:style>
+          <a:lnRef idx="2">
+            <a:schemeClr val="accent1">
+              <a:shade val="50000"/>
+            </a:schemeClr>
+          </a:lnRef>
+          <a:fillRef idx="1">
+            <a:schemeClr val="accent1"/>
+          </a:fillRef>
+          <a:effectRef idx="0">
+            <a:schemeClr val="accent1"/>
+          </a:effectRef>
+          <a:fontRef idx="minor">
+            <a:schemeClr val="lt1"/>
+          </a:fontRef>
+        </p:style>
+        <p:txBody>
+          <a:bodyPr rtlCol="0" anchor="ctr"/>
+          <a:lstStyle>
+            <a:defPPr>
+              <a:defRPr lang="de-DE"/>
+            </a:defPPr>
+            <a:lvl1pPr algn="l" rtl="0" fontAlgn="base">
+              <a:spcBef>
+                <a:spcPct val="0"/>
+              </a:spcBef>
+              <a:spcAft>
+                <a:spcPct val="0"/>
+              </a:spcAft>
+              <a:defRPr kern="1200">
+                <a:solidFill>
+                  <a:schemeClr val="lt1"/>
+                </a:solidFill>
+                <a:latin typeface="+mn-lt"/>
+                <a:ea typeface="+mn-ea"/>
+                <a:cs typeface="+mn-cs"/>
+              </a:defRPr>
+            </a:lvl1pPr>
+            <a:lvl2pPr marL="457200" algn="l" rtl="0" fontAlgn="base">
+              <a:spcBef>
+                <a:spcPct val="0"/>
+              </a:spcBef>
+              <a:spcAft>
+                <a:spcPct val="0"/>
+              </a:spcAft>
+              <a:defRPr kern="1200">
+                <a:solidFill>
+                  <a:schemeClr val="lt1"/>
+                </a:solidFill>
+                <a:latin typeface="+mn-lt"/>
+                <a:ea typeface="+mn-ea"/>
+                <a:cs typeface="+mn-cs"/>
+              </a:defRPr>
+            </a:lvl2pPr>
+            <a:lvl3pPr marL="914400" algn="l" rtl="0" fontAlgn="base">
+              <a:spcBef>
+                <a:spcPct val="0"/>
+              </a:spcBef>
+              <a:spcAft>
+                <a:spcPct val="0"/>
+              </a:spcAft>
+              <a:defRPr kern="1200">
+                <a:solidFill>
+                  <a:schemeClr val="lt1"/>
+                </a:solidFill>
+                <a:latin typeface="+mn-lt"/>
+                <a:ea typeface="+mn-ea"/>
+                <a:cs typeface="+mn-cs"/>
+              </a:defRPr>
+            </a:lvl3pPr>
+            <a:lvl4pPr marL="1371600" algn="l" rtl="0" fontAlgn="base">
+              <a:spcBef>
+                <a:spcPct val="0"/>
+              </a:spcBef>
+              <a:spcAft>
+                <a:spcPct val="0"/>
+              </a:spcAft>
+              <a:defRPr kern="1200">
+                <a:solidFill>
+                  <a:schemeClr val="lt1"/>
+                </a:solidFill>
+                <a:latin typeface="+mn-lt"/>
+                <a:ea typeface="+mn-ea"/>
+                <a:cs typeface="+mn-cs"/>
+              </a:defRPr>
+            </a:lvl4pPr>
+            <a:lvl5pPr marL="1828800" algn="l" rtl="0" fontAlgn="base">
+              <a:spcBef>
+                <a:spcPct val="0"/>
+              </a:spcBef>
+              <a:spcAft>
+                <a:spcPct val="0"/>
+              </a:spcAft>
+              <a:defRPr kern="1200">
+                <a:solidFill>
+                  <a:schemeClr val="lt1"/>
+                </a:solidFill>
+                <a:latin typeface="+mn-lt"/>
+                <a:ea typeface="+mn-ea"/>
+                <a:cs typeface="+mn-cs"/>
+              </a:defRPr>
+            </a:lvl5pPr>
+            <a:lvl6pPr marL="2286000" algn="l" defTabSz="914400" rtl="0" eaLnBrk="1" latinLnBrk="0" hangingPunct="1">
+              <a:defRPr kern="1200">
+                <a:solidFill>
+                  <a:schemeClr val="lt1"/>
+                </a:solidFill>
+                <a:latin typeface="+mn-lt"/>
+                <a:ea typeface="+mn-ea"/>
+                <a:cs typeface="+mn-cs"/>
+              </a:defRPr>
+            </a:lvl6pPr>
+            <a:lvl7pPr marL="2743200" algn="l" defTabSz="914400" rtl="0" eaLnBrk="1" latinLnBrk="0" hangingPunct="1">
+              <a:defRPr kern="1200">
+                <a:solidFill>
+                  <a:schemeClr val="lt1"/>
+                </a:solidFill>
+                <a:latin typeface="+mn-lt"/>
+                <a:ea typeface="+mn-ea"/>
+                <a:cs typeface="+mn-cs"/>
+              </a:defRPr>
+            </a:lvl7pPr>
+            <a:lvl8pPr marL="3200400" algn="l" defTabSz="914400" rtl="0" eaLnBrk="1" latinLnBrk="0" hangingPunct="1">
+              <a:defRPr kern="1200">
+                <a:solidFill>
+                  <a:schemeClr val="lt1"/>
+                </a:solidFill>
+                <a:latin typeface="+mn-lt"/>
+                <a:ea typeface="+mn-ea"/>
+                <a:cs typeface="+mn-cs"/>
+              </a:defRPr>
+            </a:lvl8pPr>
+            <a:lvl9pPr marL="3657600" algn="l" defTabSz="914400" rtl="0" eaLnBrk="1" latinLnBrk="0" hangingPunct="1">
+              <a:defRPr kern="1200">
+                <a:solidFill>
+                  <a:schemeClr val="lt1"/>
+                </a:solidFill>
+                <a:latin typeface="+mn-lt"/>
+                <a:ea typeface="+mn-ea"/>
+                <a:cs typeface="+mn-cs"/>
+              </a:defRPr>
+            </a:lvl9pPr>
+          </a:lstStyle>
+          <a:p>
+            <a:pPr algn="ctr"/>
+            <a:r>
+              <a:rPr lang="de-DE" dirty="0" err="1">
+                <a:solidFill>
+                  <a:schemeClr val="tx1"/>
+                </a:solidFill>
+              </a:rPr>
+              <a:t>ViewNotifyer</a:t>
+            </a:r>
+            <a:endParaRPr lang="de-DE" dirty="0">
+              <a:solidFill>
+                <a:schemeClr val="tx1"/>
+              </a:solidFill>
+            </a:endParaRPr>
+          </a:p>
+        </p:txBody>
+      </p:sp>
+      <p:cxnSp>
+        <p:nvCxnSpPr>
+          <p:cNvPr id="9" name="Gerade Verbindung mit Pfeil 14">
+            <a:extLst>
+              <a:ext uri="{FF2B5EF4-FFF2-40B4-BE49-F238E27FC236}">
+                <a16:creationId xmlns:a16="http://schemas.microsoft.com/office/drawing/2014/main" id="{9DC2199C-C174-4A8A-8040-2F5846823B8C}"/>
+              </a:ext>
+            </a:extLst>
+          </p:cNvPr>
+          <p:cNvCxnSpPr>
+            <a:cxnSpLocks/>
+            <a:stCxn id="5" idx="3"/>
+            <a:endCxn id="4" idx="1"/>
+          </p:cNvCxnSpPr>
+          <p:nvPr/>
+        </p:nvCxnSpPr>
+        <p:spPr>
+          <a:xfrm>
+            <a:off x="8658726" y="2583760"/>
+            <a:ext cx="849087" cy="0"/>
+          </a:xfrm>
+          <a:prstGeom prst="straightConnector1">
+            <a:avLst/>
+          </a:prstGeom>
+          <a:ln w="38100">
+            <a:solidFill>
+              <a:schemeClr val="tx1"/>
+            </a:solidFill>
+            <a:tailEnd type="triangle"/>
+          </a:ln>
+        </p:spPr>
+        <p:style>
+          <a:lnRef idx="1">
+            <a:schemeClr val="accent1"/>
+          </a:lnRef>
+          <a:fillRef idx="0">
+            <a:schemeClr val="accent1"/>
+          </a:fillRef>
+          <a:effectRef idx="0">
+            <a:schemeClr val="accent1"/>
+          </a:effectRef>
+          <a:fontRef idx="minor">
+            <a:schemeClr val="tx1"/>
+          </a:fontRef>
+        </p:style>
+      </p:cxnSp>
+      <p:cxnSp>
+        <p:nvCxnSpPr>
+          <p:cNvPr id="14" name="Gerade Verbindung mit Pfeil 14">
+            <a:extLst>
+              <a:ext uri="{FF2B5EF4-FFF2-40B4-BE49-F238E27FC236}">
+                <a16:creationId xmlns:a16="http://schemas.microsoft.com/office/drawing/2014/main" id="{3DE7BE5D-8795-4ACA-BF87-B92BE893D485}"/>
+              </a:ext>
+            </a:extLst>
+          </p:cNvPr>
+          <p:cNvCxnSpPr>
+            <a:cxnSpLocks/>
+            <a:stCxn id="7" idx="1"/>
+            <a:endCxn id="6" idx="3"/>
+          </p:cNvCxnSpPr>
+          <p:nvPr/>
+        </p:nvCxnSpPr>
+        <p:spPr>
+          <a:xfrm flipH="1">
+            <a:off x="8338970" y="5016907"/>
+            <a:ext cx="1168843" cy="0"/>
+          </a:xfrm>
+          <a:prstGeom prst="straightConnector1">
+            <a:avLst/>
+          </a:prstGeom>
+          <a:ln w="38100">
+            <a:solidFill>
+              <a:schemeClr val="tx1"/>
+            </a:solidFill>
+            <a:tailEnd type="triangle"/>
+          </a:ln>
+        </p:spPr>
+        <p:style>
+          <a:lnRef idx="1">
+            <a:schemeClr val="accent1"/>
+          </a:lnRef>
+          <a:fillRef idx="0">
+            <a:schemeClr val="accent1"/>
+          </a:fillRef>
+          <a:effectRef idx="0">
+            <a:schemeClr val="accent1"/>
+          </a:effectRef>
+          <a:fontRef idx="minor">
+            <a:schemeClr val="tx1"/>
+          </a:fontRef>
+        </p:style>
+      </p:cxnSp>
+      <p:cxnSp>
+        <p:nvCxnSpPr>
+          <p:cNvPr id="18" name="直接连接符 17">
+            <a:extLst>
+              <a:ext uri="{FF2B5EF4-FFF2-40B4-BE49-F238E27FC236}">
+                <a16:creationId xmlns:a16="http://schemas.microsoft.com/office/drawing/2014/main" id="{24B01056-4245-460F-A4C9-064B2DD3C39D}"/>
+              </a:ext>
+            </a:extLst>
+          </p:cNvPr>
+          <p:cNvCxnSpPr>
+            <a:cxnSpLocks/>
+            <a:stCxn id="20" idx="3"/>
+          </p:cNvCxnSpPr>
+          <p:nvPr/>
+        </p:nvCxnSpPr>
+        <p:spPr>
+          <a:xfrm>
+            <a:off x="7313195" y="3414448"/>
+            <a:ext cx="0" cy="1107584"/>
+          </a:xfrm>
+          <a:prstGeom prst="line">
+            <a:avLst/>
+          </a:prstGeom>
+          <a:ln w="9525" cap="flat" cmpd="sng" algn="ctr">
+            <a:solidFill>
+              <a:schemeClr val="dk1"/>
+            </a:solidFill>
+            <a:prstDash val="dash"/>
+            <a:round/>
+            <a:headEnd type="none" w="med" len="med"/>
+            <a:tailEnd type="none" w="med" len="med"/>
+          </a:ln>
+        </p:spPr>
+        <p:style>
+          <a:lnRef idx="0">
+            <a:scrgbClr r="0" g="0" b="0"/>
+          </a:lnRef>
+          <a:fillRef idx="0">
+            <a:scrgbClr r="0" g="0" b="0"/>
+          </a:fillRef>
+          <a:effectRef idx="0">
+            <a:scrgbClr r="0" g="0" b="0"/>
+          </a:effectRef>
+          <a:fontRef idx="minor">
+            <a:schemeClr val="tx1"/>
+          </a:fontRef>
+        </p:style>
+      </p:cxnSp>
+      <p:sp>
+        <p:nvSpPr>
+          <p:cNvPr id="20" name="等腰三角形 19">
+            <a:extLst>
+              <a:ext uri="{FF2B5EF4-FFF2-40B4-BE49-F238E27FC236}">
+                <a16:creationId xmlns:a16="http://schemas.microsoft.com/office/drawing/2014/main" id="{E87AD1F4-E43B-46BB-91A4-C6CE252981B4}"/>
+              </a:ext>
+            </a:extLst>
+          </p:cNvPr>
+          <p:cNvSpPr/>
+          <p:nvPr/>
+        </p:nvSpPr>
+        <p:spPr>
+          <a:xfrm>
+            <a:off x="7159284" y="3137552"/>
+            <a:ext cx="307821" cy="276896"/>
+          </a:xfrm>
+          <a:prstGeom prst="triangle">
+            <a:avLst/>
+          </a:prstGeom>
+          <a:noFill/>
+          <a:ln>
+            <a:solidFill>
+              <a:schemeClr val="tx1"/>
+            </a:solidFill>
+          </a:ln>
+        </p:spPr>
+        <p:style>
+          <a:lnRef idx="2">
+            <a:schemeClr val="accent1">
+              <a:shade val="50000"/>
+            </a:schemeClr>
+          </a:lnRef>
+          <a:fillRef idx="1">
+            <a:schemeClr val="accent1"/>
+          </a:fillRef>
+          <a:effectRef idx="0">
+            <a:schemeClr val="accent1"/>
+          </a:effectRef>
+          <a:fontRef idx="minor">
+            <a:schemeClr val="lt1"/>
+          </a:fontRef>
+        </p:style>
+        <p:txBody>
+          <a:bodyPr rtlCol="0" anchor="ctr"/>
+          <a:lstStyle/>
+          <a:p>
+            <a:pPr algn="ctr"/>
+            <a:endParaRPr lang="zh-CN" altLang="en-US" dirty="0"/>
+          </a:p>
+        </p:txBody>
+      </p:sp>
+      <p:cxnSp>
+        <p:nvCxnSpPr>
+          <p:cNvPr id="22" name="直接连接符 21">
+            <a:extLst>
+              <a:ext uri="{FF2B5EF4-FFF2-40B4-BE49-F238E27FC236}">
+                <a16:creationId xmlns:a16="http://schemas.microsoft.com/office/drawing/2014/main" id="{87051036-3710-4F39-863F-8C0BBC2AD86A}"/>
+              </a:ext>
+            </a:extLst>
+          </p:cNvPr>
+          <p:cNvCxnSpPr>
+            <a:cxnSpLocks/>
+            <a:stCxn id="23" idx="3"/>
+          </p:cNvCxnSpPr>
+          <p:nvPr/>
+        </p:nvCxnSpPr>
+        <p:spPr>
+          <a:xfrm>
+            <a:off x="10529637" y="3393490"/>
+            <a:ext cx="0" cy="1107584"/>
+          </a:xfrm>
+          <a:prstGeom prst="line">
+            <a:avLst/>
+          </a:prstGeom>
+          <a:ln w="9525" cap="flat" cmpd="sng" algn="ctr">
+            <a:solidFill>
+              <a:schemeClr val="dk1"/>
+            </a:solidFill>
+            <a:prstDash val="dash"/>
+            <a:round/>
+            <a:headEnd type="none" w="med" len="med"/>
+            <a:tailEnd type="none" w="med" len="med"/>
+          </a:ln>
+        </p:spPr>
+        <p:style>
+          <a:lnRef idx="0">
+            <a:scrgbClr r="0" g="0" b="0"/>
+          </a:lnRef>
+          <a:fillRef idx="0">
+            <a:scrgbClr r="0" g="0" b="0"/>
+          </a:fillRef>
+          <a:effectRef idx="0">
+            <a:scrgbClr r="0" g="0" b="0"/>
+          </a:effectRef>
+          <a:fontRef idx="minor">
+            <a:schemeClr val="tx1"/>
+          </a:fontRef>
+        </p:style>
+      </p:cxnSp>
+      <p:sp>
+        <p:nvSpPr>
+          <p:cNvPr id="23" name="等腰三角形 22">
+            <a:extLst>
+              <a:ext uri="{FF2B5EF4-FFF2-40B4-BE49-F238E27FC236}">
+                <a16:creationId xmlns:a16="http://schemas.microsoft.com/office/drawing/2014/main" id="{453F9673-BE69-4C83-806F-F6457EDB7047}"/>
+              </a:ext>
+            </a:extLst>
+          </p:cNvPr>
+          <p:cNvSpPr/>
+          <p:nvPr/>
+        </p:nvSpPr>
+        <p:spPr>
+          <a:xfrm>
+            <a:off x="10375726" y="3116594"/>
+            <a:ext cx="307821" cy="276896"/>
+          </a:xfrm>
+          <a:prstGeom prst="triangle">
+            <a:avLst/>
+          </a:prstGeom>
+          <a:noFill/>
+          <a:ln>
+            <a:solidFill>
+              <a:schemeClr val="tx1"/>
+            </a:solidFill>
+          </a:ln>
+        </p:spPr>
+        <p:style>
+          <a:lnRef idx="2">
+            <a:schemeClr val="accent1">
+              <a:shade val="50000"/>
+            </a:schemeClr>
+          </a:lnRef>
+          <a:fillRef idx="1">
+            <a:schemeClr val="accent1"/>
+          </a:fillRef>
+          <a:effectRef idx="0">
+            <a:schemeClr val="accent1"/>
+          </a:effectRef>
+          <a:fontRef idx="minor">
+            <a:schemeClr val="lt1"/>
+          </a:fontRef>
+        </p:style>
+        <p:txBody>
+          <a:bodyPr rtlCol="0" anchor="ctr"/>
+          <a:lstStyle/>
+          <a:p>
+            <a:pPr algn="ctr"/>
+            <a:endParaRPr lang="zh-CN" altLang="en-US" dirty="0"/>
+          </a:p>
+        </p:txBody>
+      </p:sp>
+      <p:sp>
+        <p:nvSpPr>
+          <p:cNvPr id="24" name="文本框 23">
+            <a:extLst>
+              <a:ext uri="{FF2B5EF4-FFF2-40B4-BE49-F238E27FC236}">
+                <a16:creationId xmlns:a16="http://schemas.microsoft.com/office/drawing/2014/main" id="{DAAA320B-82C4-43E9-84D4-A02D081E2843}"/>
+              </a:ext>
+            </a:extLst>
+          </p:cNvPr>
+          <p:cNvSpPr txBox="1"/>
+          <p:nvPr/>
+        </p:nvSpPr>
+        <p:spPr>
+          <a:xfrm>
+            <a:off x="633046" y="1690688"/>
+            <a:ext cx="5309041" cy="3046988"/>
+          </a:xfrm>
+          <a:prstGeom prst="rect">
+            <a:avLst/>
+          </a:prstGeom>
+          <a:noFill/>
+        </p:spPr>
+        <p:txBody>
+          <a:bodyPr wrap="square" rtlCol="0">
+            <a:spAutoFit/>
+          </a:bodyPr>
+          <a:lstStyle/>
+          <a:p>
+            <a:pPr marL="457200" indent="-457200">
+              <a:buFont typeface="Arial" panose="020B0604020202020204" pitchFamily="34" charset="0"/>
+              <a:buChar char="•"/>
+            </a:pPr>
+            <a:r>
+              <a:rPr lang="de-DE" altLang="zh-CN" sz="3200" dirty="0"/>
+              <a:t>Warum</a:t>
+            </a:r>
+          </a:p>
+          <a:p>
+            <a:pPr marL="914400" lvl="1" indent="-457200">
+              <a:buFont typeface="Arial" panose="020B0604020202020204" pitchFamily="34" charset="0"/>
+              <a:buChar char="•"/>
+            </a:pPr>
+            <a:r>
+              <a:rPr lang="de-DE" altLang="zh-CN" sz="3200" dirty="0"/>
+              <a:t>Entkopplung der Klassen</a:t>
+            </a:r>
+          </a:p>
+          <a:p>
+            <a:pPr marL="914400" lvl="1" indent="-457200">
+              <a:buFont typeface="Arial" panose="020B0604020202020204" pitchFamily="34" charset="0"/>
+              <a:buChar char="•"/>
+            </a:pPr>
+            <a:r>
+              <a:rPr lang="de-DE" altLang="zh-CN" sz="3200" dirty="0"/>
+              <a:t>View nach beendeter Simulation benachrichtigen</a:t>
+            </a:r>
+          </a:p>
+        </p:txBody>
+      </p:sp>
+    </p:spTree>
+    <p:extLst>
+      <p:ext uri="{BB962C8B-B14F-4D97-AF65-F5344CB8AC3E}">
+        <p14:creationId xmlns:p14="http://schemas.microsoft.com/office/powerpoint/2010/main" val="1424283541"/>
       </p:ext>
     </p:extLst>
   </p:cSld>
@@ -8565,7 +8218,7 @@
                                           </p:stCondLst>
                                         </p:cTn>
                                         <p:tgtEl>
-                                          <p:spTgt spid="10">
+                                          <p:spTgt spid="24">
                                             <p:txEl>
                                               <p:pRg st="0" end="0"/>
                                             </p:txEl>
@@ -8614,7 +8267,7 @@
                                           </p:stCondLst>
                                         </p:cTn>
                                         <p:tgtEl>
-                                          <p:spTgt spid="10">
+                                          <p:spTgt spid="24">
                                             <p:txEl>
                                               <p:pRg st="1" end="1"/>
                                             </p:txEl>
@@ -8663,301 +8316,11 @@
                                           </p:stCondLst>
                                         </p:cTn>
                                         <p:tgtEl>
-                                          <p:spTgt spid="10">
+                                          <p:spTgt spid="24">
                                             <p:txEl>
                                               <p:pRg st="2" end="2"/>
                                             </p:txEl>
                                           </p:spTgt>
-                                        </p:tgtEl>
-                                        <p:attrNameLst>
-                                          <p:attrName>style.visibility</p:attrName>
-                                        </p:attrNameLst>
-                                      </p:cBhvr>
-                                      <p:to>
-                                        <p:strVal val="visible"/>
-                                      </p:to>
-                                    </p:set>
-                                  </p:childTnLst>
-                                </p:cTn>
-                              </p:par>
-                            </p:childTnLst>
-                          </p:cTn>
-                        </p:par>
-                      </p:childTnLst>
-                    </p:cTn>
-                  </p:par>
-                  <p:par>
-                    <p:cTn id="15" fill="hold">
-                      <p:stCondLst>
-                        <p:cond delay="indefinite"/>
-                      </p:stCondLst>
-                      <p:childTnLst>
-                        <p:par>
-                          <p:cTn id="16" fill="hold">
-                            <p:stCondLst>
-                              <p:cond delay="0"/>
-                            </p:stCondLst>
-                            <p:childTnLst>
-                              <p:par>
-                                <p:cTn id="17" presetID="1" presetClass="entr" presetSubtype="0" fill="hold" nodeType="clickEffect">
-                                  <p:stCondLst>
-                                    <p:cond delay="0"/>
-                                  </p:stCondLst>
-                                  <p:childTnLst>
-                                    <p:set>
-                                      <p:cBhvr>
-                                        <p:cTn id="18" dur="1" fill="hold">
-                                          <p:stCondLst>
-                                            <p:cond delay="0"/>
-                                          </p:stCondLst>
-                                        </p:cTn>
-                                        <p:tgtEl>
-                                          <p:spTgt spid="10">
-                                            <p:txEl>
-                                              <p:pRg st="3" end="3"/>
-                                            </p:txEl>
-                                          </p:spTgt>
-                                        </p:tgtEl>
-                                        <p:attrNameLst>
-                                          <p:attrName>style.visibility</p:attrName>
-                                        </p:attrNameLst>
-                                      </p:cBhvr>
-                                      <p:to>
-                                        <p:strVal val="visible"/>
-                                      </p:to>
-                                    </p:set>
-                                  </p:childTnLst>
-                                </p:cTn>
-                              </p:par>
-                            </p:childTnLst>
-                          </p:cTn>
-                        </p:par>
-                      </p:childTnLst>
-                    </p:cTn>
-                  </p:par>
-                  <p:par>
-                    <p:cTn id="19" fill="hold">
-                      <p:stCondLst>
-                        <p:cond delay="indefinite"/>
-                      </p:stCondLst>
-                      <p:childTnLst>
-                        <p:par>
-                          <p:cTn id="20" fill="hold">
-                            <p:stCondLst>
-                              <p:cond delay="0"/>
-                            </p:stCondLst>
-                            <p:childTnLst>
-                              <p:par>
-                                <p:cTn id="21" presetID="1" presetClass="entr" presetSubtype="0" fill="hold" nodeType="clickEffect">
-                                  <p:stCondLst>
-                                    <p:cond delay="0"/>
-                                  </p:stCondLst>
-                                  <p:childTnLst>
-                                    <p:set>
-                                      <p:cBhvr>
-                                        <p:cTn id="22" dur="1" fill="hold">
-                                          <p:stCondLst>
-                                            <p:cond delay="0"/>
-                                          </p:stCondLst>
-                                        </p:cTn>
-                                        <p:tgtEl>
-                                          <p:spTgt spid="10">
-                                            <p:txEl>
-                                              <p:pRg st="4" end="4"/>
-                                            </p:txEl>
-                                          </p:spTgt>
-                                        </p:tgtEl>
-                                        <p:attrNameLst>
-                                          <p:attrName>style.visibility</p:attrName>
-                                        </p:attrNameLst>
-                                      </p:cBhvr>
-                                      <p:to>
-                                        <p:strVal val="visible"/>
-                                      </p:to>
-                                    </p:set>
-                                  </p:childTnLst>
-                                </p:cTn>
-                              </p:par>
-                            </p:childTnLst>
-                          </p:cTn>
-                        </p:par>
-                      </p:childTnLst>
-                    </p:cTn>
-                  </p:par>
-                  <p:par>
-                    <p:cTn id="23" fill="hold">
-                      <p:stCondLst>
-                        <p:cond delay="indefinite"/>
-                      </p:stCondLst>
-                      <p:childTnLst>
-                        <p:par>
-                          <p:cTn id="24" fill="hold">
-                            <p:stCondLst>
-                              <p:cond delay="0"/>
-                            </p:stCondLst>
-                            <p:childTnLst>
-                              <p:par>
-                                <p:cTn id="25" presetID="1" presetClass="entr" presetSubtype="0" fill="hold" nodeType="clickEffect">
-                                  <p:stCondLst>
-                                    <p:cond delay="0"/>
-                                  </p:stCondLst>
-                                  <p:childTnLst>
-                                    <p:set>
-                                      <p:cBhvr>
-                                        <p:cTn id="26" dur="1" fill="hold">
-                                          <p:stCondLst>
-                                            <p:cond delay="0"/>
-                                          </p:stCondLst>
-                                        </p:cTn>
-                                        <p:tgtEl>
-                                          <p:spTgt spid="10">
-                                            <p:txEl>
-                                              <p:pRg st="5" end="5"/>
-                                            </p:txEl>
-                                          </p:spTgt>
-                                        </p:tgtEl>
-                                        <p:attrNameLst>
-                                          <p:attrName>style.visibility</p:attrName>
-                                        </p:attrNameLst>
-                                      </p:cBhvr>
-                                      <p:to>
-                                        <p:strVal val="visible"/>
-                                      </p:to>
-                                    </p:set>
-                                  </p:childTnLst>
-                                </p:cTn>
-                              </p:par>
-                            </p:childTnLst>
-                          </p:cTn>
-                        </p:par>
-                      </p:childTnLst>
-                    </p:cTn>
-                  </p:par>
-                  <p:par>
-                    <p:cTn id="27" fill="hold">
-                      <p:stCondLst>
-                        <p:cond delay="indefinite"/>
-                      </p:stCondLst>
-                      <p:childTnLst>
-                        <p:par>
-                          <p:cTn id="28" fill="hold">
-                            <p:stCondLst>
-                              <p:cond delay="0"/>
-                            </p:stCondLst>
-                            <p:childTnLst>
-                              <p:par>
-                                <p:cTn id="29" presetID="1" presetClass="entr" presetSubtype="0" fill="hold" nodeType="clickEffect">
-                                  <p:stCondLst>
-                                    <p:cond delay="0"/>
-                                  </p:stCondLst>
-                                  <p:childTnLst>
-                                    <p:set>
-                                      <p:cBhvr>
-                                        <p:cTn id="30" dur="1" fill="hold">
-                                          <p:stCondLst>
-                                            <p:cond delay="0"/>
-                                          </p:stCondLst>
-                                        </p:cTn>
-                                        <p:tgtEl>
-                                          <p:spTgt spid="10">
-                                            <p:txEl>
-                                              <p:pRg st="6" end="6"/>
-                                            </p:txEl>
-                                          </p:spTgt>
-                                        </p:tgtEl>
-                                        <p:attrNameLst>
-                                          <p:attrName>style.visibility</p:attrName>
-                                        </p:attrNameLst>
-                                      </p:cBhvr>
-                                      <p:to>
-                                        <p:strVal val="visible"/>
-                                      </p:to>
-                                    </p:set>
-                                  </p:childTnLst>
-                                </p:cTn>
-                              </p:par>
-                            </p:childTnLst>
-                          </p:cTn>
-                        </p:par>
-                      </p:childTnLst>
-                    </p:cTn>
-                  </p:par>
-                  <p:par>
-                    <p:cTn id="31" fill="hold">
-                      <p:stCondLst>
-                        <p:cond delay="indefinite"/>
-                      </p:stCondLst>
-                      <p:childTnLst>
-                        <p:par>
-                          <p:cTn id="32" fill="hold">
-                            <p:stCondLst>
-                              <p:cond delay="0"/>
-                            </p:stCondLst>
-                            <p:childTnLst>
-                              <p:par>
-                                <p:cTn id="33" presetID="1" presetClass="entr" presetSubtype="0" fill="hold" nodeType="clickEffect">
-                                  <p:stCondLst>
-                                    <p:cond delay="0"/>
-                                  </p:stCondLst>
-                                  <p:childTnLst>
-                                    <p:set>
-                                      <p:cBhvr>
-                                        <p:cTn id="34" dur="1" fill="hold">
-                                          <p:stCondLst>
-                                            <p:cond delay="0"/>
-                                          </p:stCondLst>
-                                        </p:cTn>
-                                        <p:tgtEl>
-                                          <p:spTgt spid="10">
-                                            <p:txEl>
-                                              <p:pRg st="7" end="7"/>
-                                            </p:txEl>
-                                          </p:spTgt>
-                                        </p:tgtEl>
-                                        <p:attrNameLst>
-                                          <p:attrName>style.visibility</p:attrName>
-                                        </p:attrNameLst>
-                                      </p:cBhvr>
-                                      <p:to>
-                                        <p:strVal val="visible"/>
-                                      </p:to>
-                                    </p:set>
-                                  </p:childTnLst>
-                                </p:cTn>
-                              </p:par>
-                            </p:childTnLst>
-                          </p:cTn>
-                        </p:par>
-                      </p:childTnLst>
-                    </p:cTn>
-                  </p:par>
-                  <p:par>
-                    <p:cTn id="35" fill="hold">
-                      <p:stCondLst>
-                        <p:cond delay="indefinite"/>
-                      </p:stCondLst>
-                      <p:childTnLst>
-                        <p:par>
-                          <p:cTn id="36" fill="hold">
-                            <p:stCondLst>
-                              <p:cond delay="0"/>
-                            </p:stCondLst>
-                            <p:childTnLst>
-                              <p:par>
-                                <p:cTn id="37" presetID="1" presetClass="entr" presetSubtype="0" fill="hold" nodeType="clickEffect">
-                                  <p:stCondLst>
-                                    <p:cond delay="0"/>
-                                  </p:stCondLst>
-                                  <p:childTnLst>
-                                    <p:set>
-                                      <p:cBhvr>
-                                        <p:cTn id="38" dur="1" fill="hold">
-                                          <p:stCondLst>
-                                            <p:cond delay="0"/>
-                                          </p:stCondLst>
-                                        </p:cTn>
-                                        <p:tgtEl>
-                                          <p:spTgt spid="11"/>
                                         </p:tgtEl>
                                         <p:attrNameLst>
                                           <p:attrName>style.visibility</p:attrName>
@@ -9001,100 +8364,6 @@
 </p:sld>
 </file>
 
-<file path=ppt/slides/slide5.xml><?xml version="1.0" encoding="utf-8"?>
-<p:sld xmlns:a="http://schemas.openxmlformats.org/drawingml/2006/main" xmlns:r="http://schemas.openxmlformats.org/officeDocument/2006/relationships" xmlns:p="http://schemas.openxmlformats.org/presentationml/2006/main">
-  <p:cSld>
-    <p:spTree>
-      <p:nvGrpSpPr>
-        <p:cNvPr id="1" name=""/>
-        <p:cNvGrpSpPr/>
-        <p:nvPr/>
-      </p:nvGrpSpPr>
-      <p:grpSpPr>
-        <a:xfrm>
-          <a:off x="0" y="0"/>
-          <a:ext cx="0" cy="0"/>
-          <a:chOff x="0" y="0"/>
-          <a:chExt cx="0" cy="0"/>
-        </a:xfrm>
-      </p:grpSpPr>
-      <p:sp>
-        <p:nvSpPr>
-          <p:cNvPr id="2" name="标题 1">
-            <a:extLst>
-              <a:ext uri="{FF2B5EF4-FFF2-40B4-BE49-F238E27FC236}">
-                <a16:creationId xmlns:a16="http://schemas.microsoft.com/office/drawing/2014/main" id="{DA0C99B5-93F6-492B-A6FE-2291557AFA81}"/>
-              </a:ext>
-            </a:extLst>
-          </p:cNvPr>
-          <p:cNvSpPr>
-            <a:spLocks noGrp="1"/>
-          </p:cNvSpPr>
-          <p:nvPr>
-            <p:ph type="title"/>
-          </p:nvPr>
-        </p:nvSpPr>
-        <p:spPr/>
-        <p:txBody>
-          <a:bodyPr/>
-          <a:lstStyle/>
-          <a:p>
-            <a:r>
-              <a:rPr lang="de-DE" altLang="zh-CN" b="1" dirty="0"/>
-              <a:t>Controller</a:t>
-            </a:r>
-            <a:endParaRPr lang="zh-CN" altLang="en-US" b="1" dirty="0"/>
-          </a:p>
-        </p:txBody>
-      </p:sp>
-      <p:pic>
-        <p:nvPicPr>
-          <p:cNvPr id="11" name="内容占位符 8" descr="图片包含 黑色, 墙壁&#10;&#10;自动生成的说明">
-            <a:extLst>
-              <a:ext uri="{FF2B5EF4-FFF2-40B4-BE49-F238E27FC236}">
-                <a16:creationId xmlns:a16="http://schemas.microsoft.com/office/drawing/2014/main" id="{F9283F2C-EA23-4853-AB24-A4C28DCDFE6B}"/>
-              </a:ext>
-            </a:extLst>
-          </p:cNvPr>
-          <p:cNvPicPr>
-            <a:picLocks noGrp="1" noChangeAspect="1"/>
-          </p:cNvPicPr>
-          <p:nvPr>
-            <p:ph idx="1"/>
-          </p:nvPr>
-        </p:nvPicPr>
-        <p:blipFill>
-          <a:blip r:embed="rId3">
-            <a:extLst>
-              <a:ext uri="{28A0092B-C50C-407E-A947-70E740481C1C}">
-                <a14:useLocalDpi xmlns:a14="http://schemas.microsoft.com/office/drawing/2010/main" val="0"/>
-              </a:ext>
-            </a:extLst>
-          </a:blip>
-          <a:stretch>
-            <a:fillRect/>
-          </a:stretch>
-        </p:blipFill>
-        <p:spPr>
-          <a:xfrm>
-            <a:off x="2180492" y="1312985"/>
-            <a:ext cx="7760677" cy="5179890"/>
-          </a:xfrm>
-        </p:spPr>
-      </p:pic>
-    </p:spTree>
-    <p:extLst>
-      <p:ext uri="{BB962C8B-B14F-4D97-AF65-F5344CB8AC3E}">
-        <p14:creationId xmlns:p14="http://schemas.microsoft.com/office/powerpoint/2010/main" val="3417724659"/>
-      </p:ext>
-    </p:extLst>
-  </p:cSld>
-  <p:clrMapOvr>
-    <a:masterClrMapping/>
-  </p:clrMapOvr>
-</p:sld>
-</file>
-
 <file path=ppt/slides/slide6.xml><?xml version="1.0" encoding="utf-8"?>
 <p:sld xmlns:a="http://schemas.openxmlformats.org/drawingml/2006/main" xmlns:r="http://schemas.openxmlformats.org/officeDocument/2006/relationships" xmlns:p="http://schemas.openxmlformats.org/presentationml/2006/main">
   <p:cSld>
@@ -9117,7 +8386,7 @@
           <p:cNvPr id="2" name="标题 1">
             <a:extLst>
               <a:ext uri="{FF2B5EF4-FFF2-40B4-BE49-F238E27FC236}">
-                <a16:creationId xmlns:a16="http://schemas.microsoft.com/office/drawing/2014/main" id="{A7035A3B-37A2-409A-A90C-336DCE664BAE}"/>
+                <a16:creationId xmlns:a16="http://schemas.microsoft.com/office/drawing/2014/main" id="{45F04CEA-D319-458B-B0D7-5F8EDBAE4F8F}"/>
               </a:ext>
             </a:extLst>
           </p:cNvPr>
@@ -9134,52 +8403,55 @@
           <a:lstStyle/>
           <a:p>
             <a:r>
+              <a:rPr lang="de-DE" altLang="zh-CN" b="1" dirty="0"/>
+              <a:t>Factory</a:t>
+            </a:r>
+            <a:endParaRPr lang="zh-CN" altLang="en-US" b="1" dirty="0"/>
+          </a:p>
+        </p:txBody>
+      </p:sp>
+      <p:sp>
+        <p:nvSpPr>
+          <p:cNvPr id="3" name="内容占位符 2">
+            <a:extLst>
+              <a:ext uri="{FF2B5EF4-FFF2-40B4-BE49-F238E27FC236}">
+                <a16:creationId xmlns:a16="http://schemas.microsoft.com/office/drawing/2014/main" id="{32071339-578F-4FA1-8E84-3E0847F00DBC}"/>
+              </a:ext>
+            </a:extLst>
+          </p:cNvPr>
+          <p:cNvSpPr>
+            <a:spLocks noGrp="1"/>
+          </p:cNvSpPr>
+          <p:nvPr>
+            <p:ph idx="1"/>
+          </p:nvPr>
+        </p:nvSpPr>
+        <p:spPr/>
+        <p:txBody>
+          <a:bodyPr/>
+          <a:lstStyle/>
+          <a:p>
+            <a:r>
               <a:rPr lang="de-DE" altLang="zh-CN" dirty="0"/>
-              <a:t>View</a:t>
-            </a:r>
+              <a:t>Fabrik für Benutzeroberfläche</a:t>
+            </a:r>
+          </a:p>
+          <a:p>
+            <a:pPr lvl="1"/>
+            <a:r>
+              <a:rPr lang="de-DE" altLang="zh-CN" dirty="0"/>
+              <a:t>Einfaches verändern und erweitern der View</a:t>
+            </a:r>
+          </a:p>
+          <a:p>
             <a:endParaRPr lang="zh-CN" altLang="en-US" dirty="0"/>
           </a:p>
         </p:txBody>
       </p:sp>
-      <p:pic>
-        <p:nvPicPr>
-          <p:cNvPr id="5" name="内容占位符 4" descr="图片包含 黑色, 户外, 屏幕截图, 墙壁&#10;&#10;自动生成的说明">
-            <a:extLst>
-              <a:ext uri="{FF2B5EF4-FFF2-40B4-BE49-F238E27FC236}">
-                <a16:creationId xmlns:a16="http://schemas.microsoft.com/office/drawing/2014/main" id="{67F9A346-9ED7-4612-9923-666B2EF0DE6A}"/>
-              </a:ext>
-            </a:extLst>
-          </p:cNvPr>
-          <p:cNvPicPr>
-            <a:picLocks noGrp="1" noChangeAspect="1"/>
-          </p:cNvPicPr>
-          <p:nvPr>
-            <p:ph idx="1"/>
-          </p:nvPr>
-        </p:nvPicPr>
-        <p:blipFill>
-          <a:blip r:embed="rId2">
-            <a:extLst>
-              <a:ext uri="{28A0092B-C50C-407E-A947-70E740481C1C}">
-                <a14:useLocalDpi xmlns:a14="http://schemas.microsoft.com/office/drawing/2010/main" val="0"/>
-              </a:ext>
-            </a:extLst>
-          </a:blip>
-          <a:stretch>
-            <a:fillRect/>
-          </a:stretch>
-        </p:blipFill>
-        <p:spPr>
-          <a:xfrm>
-            <a:off x="2813538" y="1500554"/>
-            <a:ext cx="6635262" cy="4992321"/>
-          </a:xfrm>
-        </p:spPr>
-      </p:pic>
     </p:spTree>
     <p:extLst>
       <p:ext uri="{BB962C8B-B14F-4D97-AF65-F5344CB8AC3E}">
-        <p14:creationId xmlns:p14="http://schemas.microsoft.com/office/powerpoint/2010/main" val="3327758081"/>
+        <p14:creationId xmlns:p14="http://schemas.microsoft.com/office/powerpoint/2010/main" val="812548350"/>
       </p:ext>
     </p:extLst>
   </p:cSld>
@@ -9211,7 +8483,7 @@
           <p:cNvPr id="2" name="标题 1">
             <a:extLst>
               <a:ext uri="{FF2B5EF4-FFF2-40B4-BE49-F238E27FC236}">
-                <a16:creationId xmlns:a16="http://schemas.microsoft.com/office/drawing/2014/main" id="{6378261F-AA08-4C96-8757-1DAE8C79F6FB}"/>
+                <a16:creationId xmlns:a16="http://schemas.microsoft.com/office/drawing/2014/main" id="{A7035A3B-37A2-409A-A90C-336DCE664BAE}"/>
               </a:ext>
             </a:extLst>
           </p:cNvPr>
@@ -9228,8 +8500,8 @@
           <a:lstStyle/>
           <a:p>
             <a:r>
-              <a:rPr lang="de-DE" altLang="zh-CN" dirty="0" err="1"/>
-              <a:t>ViewModel</a:t>
+              <a:rPr lang="de-DE" altLang="zh-CN" dirty="0"/>
+              <a:t>View</a:t>
             </a:r>
             <a:endParaRPr lang="zh-CN" altLang="en-US" dirty="0"/>
           </a:p>
@@ -9237,10 +8509,10 @@
       </p:sp>
       <p:pic>
         <p:nvPicPr>
-          <p:cNvPr id="5" name="内容占位符 4" descr="图片包含 黑色, 屏幕截图, 墙壁&#10;&#10;自动生成的说明">
-            <a:extLst>
-              <a:ext uri="{FF2B5EF4-FFF2-40B4-BE49-F238E27FC236}">
-                <a16:creationId xmlns:a16="http://schemas.microsoft.com/office/drawing/2014/main" id="{0B10FC7F-C24D-44B8-B268-3CC28454BC94}"/>
+          <p:cNvPr id="11" name="Inhaltsplatzhalter 10">
+            <a:extLst>
+              <a:ext uri="{FF2B5EF4-FFF2-40B4-BE49-F238E27FC236}">
+                <a16:creationId xmlns:a16="http://schemas.microsoft.com/office/drawing/2014/main" id="{3C08ADE0-7F26-411C-8822-FE85D3432201}"/>
               </a:ext>
             </a:extLst>
           </p:cNvPr>
@@ -9265,15 +8537,15 @@
         </p:blipFill>
         <p:spPr>
           <a:xfrm>
-            <a:off x="3384884" y="1491916"/>
-            <a:ext cx="5293895" cy="5000959"/>
+            <a:off x="807865" y="1957719"/>
+            <a:ext cx="10515600" cy="3003738"/>
           </a:xfrm>
         </p:spPr>
       </p:pic>
     </p:spTree>
     <p:extLst>
       <p:ext uri="{BB962C8B-B14F-4D97-AF65-F5344CB8AC3E}">
-        <p14:creationId xmlns:p14="http://schemas.microsoft.com/office/powerpoint/2010/main" val="877806912"/>
+        <p14:creationId xmlns:p14="http://schemas.microsoft.com/office/powerpoint/2010/main" val="3327758081"/>
       </p:ext>
     </p:extLst>
   </p:cSld>
@@ -9305,7 +8577,7 @@
           <p:cNvPr id="2" name="标题 1">
             <a:extLst>
               <a:ext uri="{FF2B5EF4-FFF2-40B4-BE49-F238E27FC236}">
-                <a16:creationId xmlns:a16="http://schemas.microsoft.com/office/drawing/2014/main" id="{05185448-C3A0-4B07-92EC-4FC595B3D8FE}"/>
+                <a16:creationId xmlns:a16="http://schemas.microsoft.com/office/drawing/2014/main" id="{6378261F-AA08-4C96-8757-1DAE8C79F6FB}"/>
               </a:ext>
             </a:extLst>
           </p:cNvPr>
@@ -9322,19 +8594,19 @@
           <a:lstStyle/>
           <a:p>
             <a:r>
-              <a:rPr lang="en-US" altLang="zh-CN" b="1" dirty="0" err="1"/>
-              <a:t>Sequenzdiagramm</a:t>
-            </a:r>
-            <a:endParaRPr lang="zh-CN" altLang="en-US" b="1" dirty="0"/>
+              <a:rPr lang="de-DE" altLang="zh-CN" dirty="0" err="1"/>
+              <a:t>ViewModel</a:t>
+            </a:r>
+            <a:endParaRPr lang="zh-CN" altLang="en-US" dirty="0"/>
           </a:p>
         </p:txBody>
       </p:sp>
       <p:pic>
         <p:nvPicPr>
-          <p:cNvPr id="5" name="内容占位符 4" descr="图片包含 地图, 文字&#10;&#10;自动生成的说明">
-            <a:extLst>
-              <a:ext uri="{FF2B5EF4-FFF2-40B4-BE49-F238E27FC236}">
-                <a16:creationId xmlns:a16="http://schemas.microsoft.com/office/drawing/2014/main" id="{38CA91D7-6241-42EF-A866-EBFE36F4042C}"/>
+          <p:cNvPr id="7" name="Inhaltsplatzhalter 6">
+            <a:extLst>
+              <a:ext uri="{FF2B5EF4-FFF2-40B4-BE49-F238E27FC236}">
+                <a16:creationId xmlns:a16="http://schemas.microsoft.com/office/drawing/2014/main" id="{5068D3CE-7142-438A-8B84-A07FCBCAD797}"/>
               </a:ext>
             </a:extLst>
           </p:cNvPr>
@@ -9346,10 +8618,13 @@
           </p:nvPr>
         </p:nvPicPr>
         <p:blipFill>
-          <a:blip r:embed="rId2">
+          <a:blip r:embed="rId3">
             <a:extLst>
               <a:ext uri="{28A0092B-C50C-407E-A947-70E740481C1C}">
                 <a14:useLocalDpi xmlns:a14="http://schemas.microsoft.com/office/drawing/2010/main" val="0"/>
+              </a:ext>
+              <a:ext uri="{96DAC541-7B7A-43D3-8B79-37D633B846F1}">
+                <asvg:svgBlip xmlns:asvg="http://schemas.microsoft.com/office/drawing/2016/SVG/main" r:embed="rId4"/>
               </a:ext>
             </a:extLst>
           </a:blip>
@@ -9359,15 +8634,15 @@
         </p:blipFill>
         <p:spPr>
           <a:xfrm>
-            <a:off x="3155472" y="1491916"/>
-            <a:ext cx="5881055" cy="4351338"/>
+            <a:off x="2560538" y="1825625"/>
+            <a:ext cx="7070924" cy="4351338"/>
           </a:xfrm>
         </p:spPr>
       </p:pic>
     </p:spTree>
     <p:extLst>
       <p:ext uri="{BB962C8B-B14F-4D97-AF65-F5344CB8AC3E}">
-        <p14:creationId xmlns:p14="http://schemas.microsoft.com/office/powerpoint/2010/main" val="1672770138"/>
+        <p14:creationId xmlns:p14="http://schemas.microsoft.com/office/powerpoint/2010/main" val="877806912"/>
       </p:ext>
     </p:extLst>
   </p:cSld>
@@ -9396,10 +8671,10 @@
       </p:grpSpPr>
       <p:sp>
         <p:nvSpPr>
-          <p:cNvPr id="2" name="标题 1">
-            <a:extLst>
-              <a:ext uri="{FF2B5EF4-FFF2-40B4-BE49-F238E27FC236}">
-                <a16:creationId xmlns:a16="http://schemas.microsoft.com/office/drawing/2014/main" id="{05185448-C3A0-4B07-92EC-4FC595B3D8FE}"/>
+          <p:cNvPr id="2" name="Titel 1">
+            <a:extLst>
+              <a:ext uri="{FF2B5EF4-FFF2-40B4-BE49-F238E27FC236}">
+                <a16:creationId xmlns:a16="http://schemas.microsoft.com/office/drawing/2014/main" id="{9D458F04-6440-49B3-B58D-2278AD9CC87B}"/>
               </a:ext>
             </a:extLst>
           </p:cNvPr>
@@ -9416,19 +8691,18 @@
           <a:lstStyle/>
           <a:p>
             <a:r>
-              <a:rPr lang="en-US" altLang="zh-CN" b="1" dirty="0" err="1"/>
-              <a:t>Sequenzdiagramm</a:t>
-            </a:r>
-            <a:endParaRPr lang="zh-CN" altLang="en-US" b="1" dirty="0"/>
+              <a:rPr lang="de-DE" dirty="0"/>
+              <a:t>Model</a:t>
+            </a:r>
           </a:p>
         </p:txBody>
       </p:sp>
       <p:pic>
         <p:nvPicPr>
-          <p:cNvPr id="5" name="内容占位符 4" descr="图片包含 地图, 文字&#10;&#10;自动生成的说明">
-            <a:extLst>
-              <a:ext uri="{FF2B5EF4-FFF2-40B4-BE49-F238E27FC236}">
-                <a16:creationId xmlns:a16="http://schemas.microsoft.com/office/drawing/2014/main" id="{38CA91D7-6241-42EF-A866-EBFE36F4042C}"/>
+          <p:cNvPr id="9" name="Inhaltsplatzhalter 8">
+            <a:extLst>
+              <a:ext uri="{FF2B5EF4-FFF2-40B4-BE49-F238E27FC236}">
+                <a16:creationId xmlns:a16="http://schemas.microsoft.com/office/drawing/2014/main" id="{41DEC0F2-0C45-4F94-AD50-7441E9E1950C}"/>
               </a:ext>
             </a:extLst>
           </p:cNvPr>
@@ -9440,7 +8714,7 @@
           </p:nvPr>
         </p:nvPicPr>
         <p:blipFill>
-          <a:blip r:embed="rId2">
+          <a:blip r:embed="rId3">
             <a:extLst>
               <a:ext uri="{28A0092B-C50C-407E-A947-70E740481C1C}">
                 <a14:useLocalDpi xmlns:a14="http://schemas.microsoft.com/office/drawing/2010/main" val="0"/>
@@ -9453,235 +8727,21 @@
         </p:blipFill>
         <p:spPr>
           <a:xfrm>
-            <a:off x="6096000" y="0"/>
-            <a:ext cx="5881055" cy="4351338"/>
+            <a:off x="448729" y="1404102"/>
+            <a:ext cx="11507809" cy="5366501"/>
           </a:xfrm>
         </p:spPr>
       </p:pic>
-      <p:pic>
-        <p:nvPicPr>
-          <p:cNvPr id="7" name="图片 6" descr="图片包含 屏幕截图&#10;&#10;自动生成的说明">
-            <a:extLst>
-              <a:ext uri="{FF2B5EF4-FFF2-40B4-BE49-F238E27FC236}">
-                <a16:creationId xmlns:a16="http://schemas.microsoft.com/office/drawing/2014/main" id="{8559FE9D-D458-42BD-B1A8-2A2535DB55DA}"/>
-              </a:ext>
-            </a:extLst>
-          </p:cNvPr>
-          <p:cNvPicPr>
-            <a:picLocks noChangeAspect="1"/>
-          </p:cNvPicPr>
-          <p:nvPr/>
-        </p:nvPicPr>
-        <p:blipFill>
-          <a:blip r:embed="rId3">
-            <a:extLst>
-              <a:ext uri="{28A0092B-C50C-407E-A947-70E740481C1C}">
-                <a14:useLocalDpi xmlns:a14="http://schemas.microsoft.com/office/drawing/2010/main" val="0"/>
-              </a:ext>
-            </a:extLst>
-          </a:blip>
-          <a:stretch>
-            <a:fillRect/>
-          </a:stretch>
-        </p:blipFill>
-        <p:spPr>
-          <a:xfrm>
-            <a:off x="1543050" y="4967288"/>
-            <a:ext cx="9105900" cy="1428750"/>
-          </a:xfrm>
-          <a:prstGeom prst="rect">
-            <a:avLst/>
-          </a:prstGeom>
-        </p:spPr>
-      </p:pic>
-      <p:sp>
-        <p:nvSpPr>
-          <p:cNvPr id="8" name="标题 1">
-            <a:extLst>
-              <a:ext uri="{FF2B5EF4-FFF2-40B4-BE49-F238E27FC236}">
-                <a16:creationId xmlns:a16="http://schemas.microsoft.com/office/drawing/2014/main" id="{3F33734E-64DB-458C-99A1-AD45C986364A}"/>
-              </a:ext>
-            </a:extLst>
-          </p:cNvPr>
-          <p:cNvSpPr txBox="1">
-            <a:spLocks/>
-          </p:cNvSpPr>
-          <p:nvPr/>
-        </p:nvSpPr>
-        <p:spPr>
-          <a:xfrm>
-            <a:off x="1985211" y="2484270"/>
-            <a:ext cx="2963779" cy="1325563"/>
-          </a:xfrm>
-          <a:prstGeom prst="rect">
-            <a:avLst/>
-          </a:prstGeom>
-        </p:spPr>
-        <p:txBody>
-          <a:bodyPr vert="horz" lIns="91440" tIns="45720" rIns="91440" bIns="45720" rtlCol="0" anchor="ctr">
-            <a:normAutofit/>
-          </a:bodyPr>
-          <a:lstStyle>
-            <a:lvl1pPr algn="l" defTabSz="914400" rtl="0" eaLnBrk="1" latinLnBrk="0" hangingPunct="1">
-              <a:lnSpc>
-                <a:spcPct val="90000"/>
-              </a:lnSpc>
-              <a:spcBef>
-                <a:spcPct val="0"/>
-              </a:spcBef>
-              <a:buNone/>
-              <a:defRPr sz="4400" kern="1200">
-                <a:solidFill>
-                  <a:schemeClr val="tx1"/>
-                </a:solidFill>
-                <a:latin typeface="+mj-lt"/>
-                <a:ea typeface="+mj-ea"/>
-                <a:cs typeface="+mj-cs"/>
-              </a:defRPr>
-            </a:lvl1pPr>
-          </a:lstStyle>
-          <a:p>
-            <a:r>
-              <a:rPr lang="en-US" altLang="zh-CN" dirty="0"/>
-              <a:t>Observer</a:t>
-            </a:r>
-            <a:endParaRPr lang="zh-CN" altLang="en-US" dirty="0"/>
-          </a:p>
-        </p:txBody>
-      </p:sp>
     </p:spTree>
     <p:extLst>
       <p:ext uri="{BB962C8B-B14F-4D97-AF65-F5344CB8AC3E}">
-        <p14:creationId xmlns:p14="http://schemas.microsoft.com/office/powerpoint/2010/main" val="1403676670"/>
+        <p14:creationId xmlns:p14="http://schemas.microsoft.com/office/powerpoint/2010/main" val="2874322010"/>
       </p:ext>
     </p:extLst>
   </p:cSld>
   <p:clrMapOvr>
     <a:masterClrMapping/>
   </p:clrMapOvr>
-  <p:timing>
-    <p:tnLst>
-      <p:par>
-        <p:cTn id="1" dur="indefinite" restart="never" nodeType="tmRoot">
-          <p:childTnLst>
-            <p:seq concurrent="1" nextAc="seek">
-              <p:cTn id="2" dur="indefinite" nodeType="mainSeq">
-                <p:childTnLst>
-                  <p:par>
-                    <p:cTn id="3" fill="hold">
-                      <p:stCondLst>
-                        <p:cond delay="indefinite"/>
-                      </p:stCondLst>
-                      <p:childTnLst>
-                        <p:par>
-                          <p:cTn id="4" fill="hold">
-                            <p:stCondLst>
-                              <p:cond delay="0"/>
-                            </p:stCondLst>
-                            <p:childTnLst>
-                              <p:par>
-                                <p:cTn id="5" presetID="1" presetClass="entr" presetSubtype="0" fill="hold" nodeType="clickEffect">
-                                  <p:stCondLst>
-                                    <p:cond delay="0"/>
-                                  </p:stCondLst>
-                                  <p:childTnLst>
-                                    <p:set>
-                                      <p:cBhvr>
-                                        <p:cTn id="6" dur="1" fill="hold">
-                                          <p:stCondLst>
-                                            <p:cond delay="0"/>
-                                          </p:stCondLst>
-                                        </p:cTn>
-                                        <p:tgtEl>
-                                          <p:spTgt spid="7"/>
-                                        </p:tgtEl>
-                                        <p:attrNameLst>
-                                          <p:attrName>style.visibility</p:attrName>
-                                        </p:attrNameLst>
-                                      </p:cBhvr>
-                                      <p:to>
-                                        <p:strVal val="visible"/>
-                                      </p:to>
-                                    </p:set>
-                                  </p:childTnLst>
-                                </p:cTn>
-                              </p:par>
-                            </p:childTnLst>
-                          </p:cTn>
-                        </p:par>
-                      </p:childTnLst>
-                    </p:cTn>
-                  </p:par>
-                  <p:par>
-                    <p:cTn id="7" fill="hold">
-                      <p:stCondLst>
-                        <p:cond delay="indefinite"/>
-                      </p:stCondLst>
-                      <p:childTnLst>
-                        <p:par>
-                          <p:cTn id="8" fill="hold">
-                            <p:stCondLst>
-                              <p:cond delay="0"/>
-                            </p:stCondLst>
-                            <p:childTnLst>
-                              <p:par>
-                                <p:cTn id="9" presetID="1" presetClass="entr" presetSubtype="0" fill="hold" grpId="0" nodeType="clickEffect">
-                                  <p:stCondLst>
-                                    <p:cond delay="0"/>
-                                  </p:stCondLst>
-                                  <p:childTnLst>
-                                    <p:set>
-                                      <p:cBhvr>
-                                        <p:cTn id="10" dur="1" fill="hold">
-                                          <p:stCondLst>
-                                            <p:cond delay="0"/>
-                                          </p:stCondLst>
-                                        </p:cTn>
-                                        <p:tgtEl>
-                                          <p:spTgt spid="8"/>
-                                        </p:tgtEl>
-                                        <p:attrNameLst>
-                                          <p:attrName>style.visibility</p:attrName>
-                                        </p:attrNameLst>
-                                      </p:cBhvr>
-                                      <p:to>
-                                        <p:strVal val="visible"/>
-                                      </p:to>
-                                    </p:set>
-                                  </p:childTnLst>
-                                </p:cTn>
-                              </p:par>
-                            </p:childTnLst>
-                          </p:cTn>
-                        </p:par>
-                      </p:childTnLst>
-                    </p:cTn>
-                  </p:par>
-                </p:childTnLst>
-              </p:cTn>
-              <p:prevCondLst>
-                <p:cond evt="onPrev" delay="0">
-                  <p:tgtEl>
-                    <p:sldTgt/>
-                  </p:tgtEl>
-                </p:cond>
-              </p:prevCondLst>
-              <p:nextCondLst>
-                <p:cond evt="onNext" delay="0">
-                  <p:tgtEl>
-                    <p:sldTgt/>
-                  </p:tgtEl>
-                </p:cond>
-              </p:nextCondLst>
-            </p:seq>
-          </p:childTnLst>
-        </p:cTn>
-      </p:par>
-    </p:tnLst>
-    <p:bldLst>
-      <p:bldP spid="8" grpId="0"/>
-    </p:bldLst>
-  </p:timing>
 </p:sld>
 </file>
 
